--- a/docs/VideoConf-v2.pptx
+++ b/docs/VideoConf-v2.pptx
@@ -5,46 +5,46 @@
     <p:sldMasterId id="2147483648" r:id="rId1"/>
   </p:sldMasterIdLst>
   <p:notesMasterIdLst>
-    <p:notesMasterId r:id="rId36"/>
+    <p:notesMasterId r:id="rId37"/>
   </p:notesMasterIdLst>
   <p:handoutMasterIdLst>
-    <p:handoutMasterId r:id="rId37"/>
+    <p:handoutMasterId r:id="rId38"/>
   </p:handoutMasterIdLst>
   <p:sldIdLst>
-    <p:sldId id="256" r:id="rId2"/>
-    <p:sldId id="258" r:id="rId3"/>
-    <p:sldId id="326" r:id="rId4"/>
-    <p:sldId id="285" r:id="rId5"/>
-    <p:sldId id="261" r:id="rId6"/>
-    <p:sldId id="279" r:id="rId7"/>
-    <p:sldId id="275" r:id="rId8"/>
-    <p:sldId id="278" r:id="rId9"/>
-    <p:sldId id="281" r:id="rId10"/>
-    <p:sldId id="280" r:id="rId11"/>
-    <p:sldId id="276" r:id="rId12"/>
-    <p:sldId id="277" r:id="rId13"/>
-    <p:sldId id="271" r:id="rId14"/>
-    <p:sldId id="286" r:id="rId15"/>
-    <p:sldId id="287" r:id="rId16"/>
-    <p:sldId id="288" r:id="rId17"/>
-    <p:sldId id="289" r:id="rId18"/>
-    <p:sldId id="284" r:id="rId19"/>
-    <p:sldId id="324" r:id="rId20"/>
-    <p:sldId id="283" r:id="rId21"/>
-    <p:sldId id="291" r:id="rId22"/>
-    <p:sldId id="308" r:id="rId23"/>
-    <p:sldId id="310" r:id="rId24"/>
-    <p:sldId id="312" r:id="rId25"/>
-    <p:sldId id="313" r:id="rId26"/>
-    <p:sldId id="314" r:id="rId27"/>
-    <p:sldId id="315" r:id="rId28"/>
-    <p:sldId id="317" r:id="rId29"/>
-    <p:sldId id="318" r:id="rId30"/>
-    <p:sldId id="320" r:id="rId31"/>
-    <p:sldId id="327" r:id="rId32"/>
-    <p:sldId id="325" r:id="rId33"/>
-    <p:sldId id="269" r:id="rId34"/>
-    <p:sldId id="267" r:id="rId35"/>
+    <p:sldId id="256" r:id="rId3"/>
+    <p:sldId id="258" r:id="rId4"/>
+    <p:sldId id="326" r:id="rId5"/>
+    <p:sldId id="285" r:id="rId6"/>
+    <p:sldId id="261" r:id="rId7"/>
+    <p:sldId id="279" r:id="rId8"/>
+    <p:sldId id="275" r:id="rId9"/>
+    <p:sldId id="278" r:id="rId10"/>
+    <p:sldId id="281" r:id="rId11"/>
+    <p:sldId id="280" r:id="rId12"/>
+    <p:sldId id="276" r:id="rId13"/>
+    <p:sldId id="277" r:id="rId14"/>
+    <p:sldId id="271" r:id="rId15"/>
+    <p:sldId id="286" r:id="rId16"/>
+    <p:sldId id="287" r:id="rId17"/>
+    <p:sldId id="288" r:id="rId18"/>
+    <p:sldId id="289" r:id="rId19"/>
+    <p:sldId id="284" r:id="rId20"/>
+    <p:sldId id="324" r:id="rId21"/>
+    <p:sldId id="283" r:id="rId22"/>
+    <p:sldId id="291" r:id="rId23"/>
+    <p:sldId id="308" r:id="rId24"/>
+    <p:sldId id="310" r:id="rId25"/>
+    <p:sldId id="312" r:id="rId26"/>
+    <p:sldId id="313" r:id="rId27"/>
+    <p:sldId id="314" r:id="rId28"/>
+    <p:sldId id="315" r:id="rId29"/>
+    <p:sldId id="317" r:id="rId30"/>
+    <p:sldId id="318" r:id="rId31"/>
+    <p:sldId id="320" r:id="rId32"/>
+    <p:sldId id="327" r:id="rId33"/>
+    <p:sldId id="325" r:id="rId34"/>
+    <p:sldId id="269" r:id="rId35"/>
+    <p:sldId id="267" r:id="rId36"/>
   </p:sldIdLst>
   <p:sldSz cx="9144000" cy="6858000" type="screen4x3"/>
   <p:notesSz cx="6858000" cy="9144000"/>
@@ -228,8 +228,6 @@
           <a:p>
             <a:fld id="{696C064A-D61B-4B21-B757-51A9B82445B8}" type="datetimeFigureOut">
               <a:rPr lang="en-US" smtClean="0"/>
-              <a:pPr/>
-              <a:t>4/9/2019</a:t>
             </a:fld>
             <a:endParaRPr lang="en-US"/>
           </a:p>
@@ -295,8 +293,6 @@
           <a:p>
             <a:fld id="{50305E07-67EA-4042-A3F6-853A8AD8D209}" type="slidenum">
               <a:rPr lang="en-US" smtClean="0"/>
-              <a:pPr/>
-              <a:t>‹#›</a:t>
             </a:fld>
             <a:endParaRPr lang="en-US"/>
           </a:p>
@@ -394,8 +390,6 @@
           <a:p>
             <a:fld id="{3EFD42F7-718C-4B98-AAEC-167E6DDD60A7}" type="datetimeFigureOut">
               <a:rPr lang="en-US" smtClean="0"/>
-              <a:pPr/>
-              <a:t>4/9/2019</a:t>
             </a:fld>
             <a:endParaRPr lang="en-US"/>
           </a:p>
@@ -462,6 +456,7 @@
               <a:rPr lang="en-US" smtClean="0"/>
               <a:t>Click to edit Master text styles</a:t>
             </a:r>
+            <a:endParaRPr lang="en-US" smtClean="0"/>
           </a:p>
           <a:p>
             <a:pPr lvl="1"/>
@@ -469,6 +464,7 @@
               <a:rPr lang="en-US" smtClean="0"/>
               <a:t>Second level</a:t>
             </a:r>
+            <a:endParaRPr lang="en-US" smtClean="0"/>
           </a:p>
           <a:p>
             <a:pPr lvl="2"/>
@@ -476,6 +472,7 @@
               <a:rPr lang="en-US" smtClean="0"/>
               <a:t>Third level</a:t>
             </a:r>
+            <a:endParaRPr lang="en-US" smtClean="0"/>
           </a:p>
           <a:p>
             <a:pPr lvl="3"/>
@@ -483,6 +480,7 @@
               <a:rPr lang="en-US" smtClean="0"/>
               <a:t>Fourth level</a:t>
             </a:r>
+            <a:endParaRPr lang="en-US" smtClean="0"/>
           </a:p>
           <a:p>
             <a:pPr lvl="4"/>
@@ -558,8 +556,6 @@
           <a:p>
             <a:fld id="{21B2AA4F-B828-4D7C-AFD3-893933DAFCB4}" type="slidenum">
               <a:rPr lang="en-US" smtClean="0"/>
-              <a:pPr/>
-              <a:t>‹#›</a:t>
             </a:fld>
             <a:endParaRPr lang="en-US"/>
           </a:p>
@@ -664,7 +660,7 @@
 </file>
 
 <file path=ppt/slideLayouts/slideLayout1.xml><?xml version="1.0" encoding="utf-8"?>
-<p:sldLayout xmlns:a="http://schemas.openxmlformats.org/drawingml/2006/main" xmlns:r="http://schemas.openxmlformats.org/officeDocument/2006/relationships" xmlns:p="http://schemas.openxmlformats.org/presentationml/2006/main" showMasterSp="0" type="title" preserve="1">
+<p:sldLayout xmlns:a="http://schemas.openxmlformats.org/drawingml/2006/main" xmlns:r="http://schemas.openxmlformats.org/officeDocument/2006/relationships" xmlns:p="http://schemas.openxmlformats.org/presentationml/2006/main" type="title" preserve="1" showMasterSp="0">
   <p:cSld name="Title Slide">
     <p:bg>
       <p:bgPr>
@@ -745,6 +741,7 @@
               <a:rPr lang="en-US" altLang="zh-CN" noProof="0" smtClean="0"/>
               <a:t>Click to edit Master title style</a:t>
             </a:r>
+            <a:endParaRPr lang="en-US" altLang="zh-CN" noProof="0" smtClean="0"/>
           </a:p>
         </p:txBody>
       </p:sp>
@@ -779,6 +776,7 @@
               <a:rPr lang="en-US" altLang="zh-CN" noProof="0" smtClean="0"/>
               <a:t>Click to edit Master subtitle style</a:t>
             </a:r>
+            <a:endParaRPr lang="en-US" altLang="zh-CN" noProof="0" smtClean="0"/>
           </a:p>
         </p:txBody>
       </p:sp>
@@ -803,14 +801,14 @@
           <a:noFill/>
           <a:extLst>
             <a:ext uri="{909E8E84-426E-40DD-AFC4-6F175D3DCCD1}">
-              <a14:hiddenFill xmlns:a14="http://schemas.microsoft.com/office/drawing/2010/main" xmlns="">
+              <a14:hiddenFill xmlns:a14="http://schemas.microsoft.com/office/drawing/2010/main">
                 <a:solidFill>
                   <a:schemeClr val="accent1"/>
                 </a:solidFill>
               </a14:hiddenFill>
             </a:ext>
             <a:ext uri="{91240B29-F687-4F45-9708-019B960494DF}">
-              <a14:hiddenLine xmlns:a14="http://schemas.microsoft.com/office/drawing/2010/main" xmlns="" w="9525">
+              <a14:hiddenLine xmlns:a14="http://schemas.microsoft.com/office/drawing/2010/main" w="9525">
                 <a:solidFill>
                   <a:srgbClr val="000000"/>
                 </a:solidFill>
@@ -820,7 +818,7 @@
               </a14:hiddenLine>
             </a:ext>
             <a:ext uri="{AF507438-7753-43E0-B8FC-AC1667EBCBE1}">
-              <a14:hiddenEffects xmlns:a14="http://schemas.microsoft.com/office/drawing/2010/main" xmlns="">
+              <a14:hiddenEffects xmlns:a14="http://schemas.microsoft.com/office/drawing/2010/main">
                 <a:effectLst>
                   <a:outerShdw dist="35921" dir="2700000" algn="ctr" rotWithShape="0">
                     <a:schemeClr val="bg2"/>
@@ -840,8 +838,6 @@
           <a:p>
             <a:fld id="{D997B5FA-0921-464F-AAE1-844C04324D75}" type="datetimeFigureOut">
               <a:rPr lang="zh-CN" altLang="en-US" smtClean="0"/>
-              <a:pPr/>
-              <a:t>2019/4/9</a:t>
             </a:fld>
             <a:endParaRPr lang="zh-CN" altLang="en-US"/>
           </a:p>
@@ -868,14 +864,14 @@
           <a:noFill/>
           <a:extLst>
             <a:ext uri="{909E8E84-426E-40DD-AFC4-6F175D3DCCD1}">
-              <a14:hiddenFill xmlns:a14="http://schemas.microsoft.com/office/drawing/2010/main" xmlns="">
+              <a14:hiddenFill xmlns:a14="http://schemas.microsoft.com/office/drawing/2010/main">
                 <a:solidFill>
                   <a:schemeClr val="accent1"/>
                 </a:solidFill>
               </a14:hiddenFill>
             </a:ext>
             <a:ext uri="{91240B29-F687-4F45-9708-019B960494DF}">
-              <a14:hiddenLine xmlns:a14="http://schemas.microsoft.com/office/drawing/2010/main" xmlns="" w="9525">
+              <a14:hiddenLine xmlns:a14="http://schemas.microsoft.com/office/drawing/2010/main" w="9525">
                 <a:solidFill>
                   <a:srgbClr val="000000"/>
                 </a:solidFill>
@@ -885,7 +881,7 @@
               </a14:hiddenLine>
             </a:ext>
             <a:ext uri="{AF507438-7753-43E0-B8FC-AC1667EBCBE1}">
-              <a14:hiddenEffects xmlns:a14="http://schemas.microsoft.com/office/drawing/2010/main" xmlns="">
+              <a14:hiddenEffects xmlns:a14="http://schemas.microsoft.com/office/drawing/2010/main">
                 <a:effectLst>
                   <a:outerShdw dist="35921" dir="2700000" algn="ctr" rotWithShape="0">
                     <a:schemeClr val="bg2"/>
@@ -928,14 +924,14 @@
           <a:noFill/>
           <a:extLst>
             <a:ext uri="{909E8E84-426E-40DD-AFC4-6F175D3DCCD1}">
-              <a14:hiddenFill xmlns:a14="http://schemas.microsoft.com/office/drawing/2010/main" xmlns="">
+              <a14:hiddenFill xmlns:a14="http://schemas.microsoft.com/office/drawing/2010/main">
                 <a:solidFill>
                   <a:schemeClr val="accent1"/>
                 </a:solidFill>
               </a14:hiddenFill>
             </a:ext>
             <a:ext uri="{91240B29-F687-4F45-9708-019B960494DF}">
-              <a14:hiddenLine xmlns:a14="http://schemas.microsoft.com/office/drawing/2010/main" xmlns="" w="9525">
+              <a14:hiddenLine xmlns:a14="http://schemas.microsoft.com/office/drawing/2010/main" w="9525">
                 <a:solidFill>
                   <a:srgbClr val="000000"/>
                 </a:solidFill>
@@ -945,7 +941,7 @@
               </a14:hiddenLine>
             </a:ext>
             <a:ext uri="{AF507438-7753-43E0-B8FC-AC1667EBCBE1}">
-              <a14:hiddenEffects xmlns:a14="http://schemas.microsoft.com/office/drawing/2010/main" xmlns="">
+              <a14:hiddenEffects xmlns:a14="http://schemas.microsoft.com/office/drawing/2010/main">
                 <a:effectLst>
                   <a:outerShdw dist="35921" dir="2700000" algn="ctr" rotWithShape="0">
                     <a:schemeClr val="bg2"/>
@@ -965,8 +961,6 @@
           <a:p>
             <a:fld id="{565CE74E-AB26-4998-AD42-012C4C1AD076}" type="slidenum">
               <a:rPr lang="zh-CN" altLang="en-US" smtClean="0"/>
-              <a:pPr/>
-              <a:t>‹#›</a:t>
             </a:fld>
             <a:endParaRPr lang="zh-CN" altLang="en-US"/>
           </a:p>
@@ -1041,6 +1035,7 @@
               <a:rPr lang="en-US" smtClean="0"/>
               <a:t>Click to edit Master text styles</a:t>
             </a:r>
+            <a:endParaRPr lang="en-US" smtClean="0"/>
           </a:p>
           <a:p>
             <a:pPr lvl="1"/>
@@ -1048,6 +1043,7 @@
               <a:rPr lang="en-US" smtClean="0"/>
               <a:t>Second level</a:t>
             </a:r>
+            <a:endParaRPr lang="en-US" smtClean="0"/>
           </a:p>
           <a:p>
             <a:pPr lvl="2"/>
@@ -1055,6 +1051,7 @@
               <a:rPr lang="en-US" smtClean="0"/>
               <a:t>Third level</a:t>
             </a:r>
+            <a:endParaRPr lang="en-US" smtClean="0"/>
           </a:p>
           <a:p>
             <a:pPr lvl="3"/>
@@ -1062,6 +1059,7 @@
               <a:rPr lang="en-US" smtClean="0"/>
               <a:t>Fourth level</a:t>
             </a:r>
+            <a:endParaRPr lang="en-US" smtClean="0"/>
           </a:p>
           <a:p>
             <a:pPr lvl="4"/>
@@ -1090,8 +1088,6 @@
           <a:p>
             <a:fld id="{D997B5FA-0921-464F-AAE1-844C04324D75}" type="datetimeFigureOut">
               <a:rPr lang="zh-CN" altLang="en-US" smtClean="0"/>
-              <a:pPr/>
-              <a:t>2019/4/9</a:t>
             </a:fld>
             <a:endParaRPr lang="zh-CN" altLang="en-US"/>
           </a:p>
@@ -1133,8 +1129,6 @@
           <a:p>
             <a:fld id="{565CE74E-AB26-4998-AD42-012C4C1AD076}" type="slidenum">
               <a:rPr lang="zh-CN" altLang="en-US" smtClean="0"/>
-              <a:pPr/>
-              <a:t>‹#›</a:t>
             </a:fld>
             <a:endParaRPr lang="zh-CN" altLang="en-US"/>
           </a:p>
@@ -1219,6 +1213,7 @@
               <a:rPr lang="en-US" smtClean="0"/>
               <a:t>Click to edit Master text styles</a:t>
             </a:r>
+            <a:endParaRPr lang="en-US" smtClean="0"/>
           </a:p>
           <a:p>
             <a:pPr lvl="1"/>
@@ -1226,6 +1221,7 @@
               <a:rPr lang="en-US" smtClean="0"/>
               <a:t>Second level</a:t>
             </a:r>
+            <a:endParaRPr lang="en-US" smtClean="0"/>
           </a:p>
           <a:p>
             <a:pPr lvl="2"/>
@@ -1233,6 +1229,7 @@
               <a:rPr lang="en-US" smtClean="0"/>
               <a:t>Third level</a:t>
             </a:r>
+            <a:endParaRPr lang="en-US" smtClean="0"/>
           </a:p>
           <a:p>
             <a:pPr lvl="3"/>
@@ -1240,6 +1237,7 @@
               <a:rPr lang="en-US" smtClean="0"/>
               <a:t>Fourth level</a:t>
             </a:r>
+            <a:endParaRPr lang="en-US" smtClean="0"/>
           </a:p>
           <a:p>
             <a:pPr lvl="4"/>
@@ -1268,8 +1266,6 @@
           <a:p>
             <a:fld id="{D997B5FA-0921-464F-AAE1-844C04324D75}" type="datetimeFigureOut">
               <a:rPr lang="zh-CN" altLang="en-US" smtClean="0"/>
-              <a:pPr/>
-              <a:t>2019/4/9</a:t>
             </a:fld>
             <a:endParaRPr lang="zh-CN" altLang="en-US"/>
           </a:p>
@@ -1311,8 +1307,6 @@
           <a:p>
             <a:fld id="{565CE74E-AB26-4998-AD42-012C4C1AD076}" type="slidenum">
               <a:rPr lang="zh-CN" altLang="en-US" smtClean="0"/>
-              <a:pPr/>
-              <a:t>‹#›</a:t>
             </a:fld>
             <a:endParaRPr lang="zh-CN" altLang="en-US"/>
           </a:p>
@@ -1387,6 +1381,7 @@
               <a:rPr lang="en-US" smtClean="0"/>
               <a:t>Click to edit Master text styles</a:t>
             </a:r>
+            <a:endParaRPr lang="en-US" smtClean="0"/>
           </a:p>
           <a:p>
             <a:pPr lvl="1"/>
@@ -1394,6 +1389,7 @@
               <a:rPr lang="en-US" smtClean="0"/>
               <a:t>Second level</a:t>
             </a:r>
+            <a:endParaRPr lang="en-US" smtClean="0"/>
           </a:p>
           <a:p>
             <a:pPr lvl="2"/>
@@ -1401,6 +1397,7 @@
               <a:rPr lang="en-US" smtClean="0"/>
               <a:t>Third level</a:t>
             </a:r>
+            <a:endParaRPr lang="en-US" smtClean="0"/>
           </a:p>
           <a:p>
             <a:pPr lvl="3"/>
@@ -1408,6 +1405,7 @@
               <a:rPr lang="en-US" smtClean="0"/>
               <a:t>Fourth level</a:t>
             </a:r>
+            <a:endParaRPr lang="en-US" smtClean="0"/>
           </a:p>
           <a:p>
             <a:pPr lvl="4"/>
@@ -1436,8 +1434,6 @@
           <a:p>
             <a:fld id="{D997B5FA-0921-464F-AAE1-844C04324D75}" type="datetimeFigureOut">
               <a:rPr lang="zh-CN" altLang="en-US" smtClean="0"/>
-              <a:pPr/>
-              <a:t>2019/4/9</a:t>
             </a:fld>
             <a:endParaRPr lang="zh-CN" altLang="en-US"/>
           </a:p>
@@ -1479,8 +1475,6 @@
           <a:p>
             <a:fld id="{565CE74E-AB26-4998-AD42-012C4C1AD076}" type="slidenum">
               <a:rPr lang="zh-CN" altLang="en-US" smtClean="0"/>
-              <a:pPr/>
-              <a:t>‹#›</a:t>
             </a:fld>
             <a:endParaRPr lang="zh-CN" altLang="en-US"/>
           </a:p>
@@ -1606,6 +1600,7 @@
               <a:rPr lang="en-US" smtClean="0"/>
               <a:t>Click to edit Master text styles</a:t>
             </a:r>
+            <a:endParaRPr lang="en-US" smtClean="0"/>
           </a:p>
         </p:txBody>
       </p:sp>
@@ -1626,8 +1621,6 @@
           <a:p>
             <a:fld id="{D997B5FA-0921-464F-AAE1-844C04324D75}" type="datetimeFigureOut">
               <a:rPr lang="zh-CN" altLang="en-US" smtClean="0"/>
-              <a:pPr/>
-              <a:t>2019/4/9</a:t>
             </a:fld>
             <a:endParaRPr lang="zh-CN" altLang="en-US"/>
           </a:p>
@@ -1669,8 +1662,6 @@
           <a:p>
             <a:fld id="{565CE74E-AB26-4998-AD42-012C4C1AD076}" type="slidenum">
               <a:rPr lang="zh-CN" altLang="en-US" smtClean="0"/>
-              <a:pPr/>
-              <a:t>‹#›</a:t>
             </a:fld>
             <a:endParaRPr lang="zh-CN" altLang="en-US"/>
           </a:p>
@@ -1750,6 +1741,7 @@
               <a:rPr lang="en-US" smtClean="0"/>
               <a:t>Click to edit Master text styles</a:t>
             </a:r>
+            <a:endParaRPr lang="en-US" smtClean="0"/>
           </a:p>
           <a:p>
             <a:pPr lvl="1"/>
@@ -1757,6 +1749,7 @@
               <a:rPr lang="en-US" smtClean="0"/>
               <a:t>Second level</a:t>
             </a:r>
+            <a:endParaRPr lang="en-US" smtClean="0"/>
           </a:p>
           <a:p>
             <a:pPr lvl="2"/>
@@ -1764,6 +1757,7 @@
               <a:rPr lang="en-US" smtClean="0"/>
               <a:t>Third level</a:t>
             </a:r>
+            <a:endParaRPr lang="en-US" smtClean="0"/>
           </a:p>
           <a:p>
             <a:pPr lvl="3"/>
@@ -1771,6 +1765,7 @@
               <a:rPr lang="en-US" smtClean="0"/>
               <a:t>Fourth level</a:t>
             </a:r>
+            <a:endParaRPr lang="en-US" smtClean="0"/>
           </a:p>
           <a:p>
             <a:pPr lvl="4"/>
@@ -1807,6 +1802,7 @@
               <a:rPr lang="en-US" smtClean="0"/>
               <a:t>Click to edit Master text styles</a:t>
             </a:r>
+            <a:endParaRPr lang="en-US" smtClean="0"/>
           </a:p>
           <a:p>
             <a:pPr lvl="1"/>
@@ -1814,6 +1810,7 @@
               <a:rPr lang="en-US" smtClean="0"/>
               <a:t>Second level</a:t>
             </a:r>
+            <a:endParaRPr lang="en-US" smtClean="0"/>
           </a:p>
           <a:p>
             <a:pPr lvl="2"/>
@@ -1821,6 +1818,7 @@
               <a:rPr lang="en-US" smtClean="0"/>
               <a:t>Third level</a:t>
             </a:r>
+            <a:endParaRPr lang="en-US" smtClean="0"/>
           </a:p>
           <a:p>
             <a:pPr lvl="3"/>
@@ -1828,6 +1826,7 @@
               <a:rPr lang="en-US" smtClean="0"/>
               <a:t>Fourth level</a:t>
             </a:r>
+            <a:endParaRPr lang="en-US" smtClean="0"/>
           </a:p>
           <a:p>
             <a:pPr lvl="4"/>
@@ -1856,8 +1855,6 @@
           <a:p>
             <a:fld id="{D997B5FA-0921-464F-AAE1-844C04324D75}" type="datetimeFigureOut">
               <a:rPr lang="zh-CN" altLang="en-US" smtClean="0"/>
-              <a:pPr/>
-              <a:t>2019/4/9</a:t>
             </a:fld>
             <a:endParaRPr lang="zh-CN" altLang="en-US"/>
           </a:p>
@@ -1899,8 +1896,6 @@
           <a:p>
             <a:fld id="{565CE74E-AB26-4998-AD42-012C4C1AD076}" type="slidenum">
               <a:rPr lang="zh-CN" altLang="en-US" smtClean="0"/>
-              <a:pPr/>
-              <a:t>‹#›</a:t>
             </a:fld>
             <a:endParaRPr lang="zh-CN" altLang="en-US"/>
           </a:p>
@@ -2022,6 +2017,7 @@
               <a:rPr lang="en-US" smtClean="0"/>
               <a:t>Click to edit Master text styles</a:t>
             </a:r>
+            <a:endParaRPr lang="en-US" smtClean="0"/>
           </a:p>
         </p:txBody>
       </p:sp>
@@ -2050,6 +2046,7 @@
               <a:rPr lang="en-US" smtClean="0"/>
               <a:t>Click to edit Master text styles</a:t>
             </a:r>
+            <a:endParaRPr lang="en-US" smtClean="0"/>
           </a:p>
           <a:p>
             <a:pPr lvl="1"/>
@@ -2057,6 +2054,7 @@
               <a:rPr lang="en-US" smtClean="0"/>
               <a:t>Second level</a:t>
             </a:r>
+            <a:endParaRPr lang="en-US" smtClean="0"/>
           </a:p>
           <a:p>
             <a:pPr lvl="2"/>
@@ -2064,6 +2062,7 @@
               <a:rPr lang="en-US" smtClean="0"/>
               <a:t>Third level</a:t>
             </a:r>
+            <a:endParaRPr lang="en-US" smtClean="0"/>
           </a:p>
           <a:p>
             <a:pPr lvl="3"/>
@@ -2071,6 +2070,7 @@
               <a:rPr lang="en-US" smtClean="0"/>
               <a:t>Fourth level</a:t>
             </a:r>
+            <a:endParaRPr lang="en-US" smtClean="0"/>
           </a:p>
           <a:p>
             <a:pPr lvl="4"/>
@@ -2144,6 +2144,7 @@
               <a:rPr lang="en-US" smtClean="0"/>
               <a:t>Click to edit Master text styles</a:t>
             </a:r>
+            <a:endParaRPr lang="en-US" smtClean="0"/>
           </a:p>
         </p:txBody>
       </p:sp>
@@ -2172,6 +2173,7 @@
               <a:rPr lang="en-US" smtClean="0"/>
               <a:t>Click to edit Master text styles</a:t>
             </a:r>
+            <a:endParaRPr lang="en-US" smtClean="0"/>
           </a:p>
           <a:p>
             <a:pPr lvl="1"/>
@@ -2179,6 +2181,7 @@
               <a:rPr lang="en-US" smtClean="0"/>
               <a:t>Second level</a:t>
             </a:r>
+            <a:endParaRPr lang="en-US" smtClean="0"/>
           </a:p>
           <a:p>
             <a:pPr lvl="2"/>
@@ -2186,6 +2189,7 @@
               <a:rPr lang="en-US" smtClean="0"/>
               <a:t>Third level</a:t>
             </a:r>
+            <a:endParaRPr lang="en-US" smtClean="0"/>
           </a:p>
           <a:p>
             <a:pPr lvl="3"/>
@@ -2193,6 +2197,7 @@
               <a:rPr lang="en-US" smtClean="0"/>
               <a:t>Fourth level</a:t>
             </a:r>
+            <a:endParaRPr lang="en-US" smtClean="0"/>
           </a:p>
           <a:p>
             <a:pPr lvl="4"/>
@@ -2221,8 +2226,6 @@
           <a:p>
             <a:fld id="{D997B5FA-0921-464F-AAE1-844C04324D75}" type="datetimeFigureOut">
               <a:rPr lang="zh-CN" altLang="en-US" smtClean="0"/>
-              <a:pPr/>
-              <a:t>2019/4/9</a:t>
             </a:fld>
             <a:endParaRPr lang="zh-CN" altLang="en-US"/>
           </a:p>
@@ -2264,8 +2267,6 @@
           <a:p>
             <a:fld id="{565CE74E-AB26-4998-AD42-012C4C1AD076}" type="slidenum">
               <a:rPr lang="zh-CN" altLang="en-US" smtClean="0"/>
-              <a:pPr/>
-              <a:t>‹#›</a:t>
             </a:fld>
             <a:endParaRPr lang="zh-CN" altLang="en-US"/>
           </a:p>
@@ -2337,8 +2338,6 @@
           <a:p>
             <a:fld id="{D997B5FA-0921-464F-AAE1-844C04324D75}" type="datetimeFigureOut">
               <a:rPr lang="zh-CN" altLang="en-US" smtClean="0"/>
-              <a:pPr/>
-              <a:t>2019/4/9</a:t>
             </a:fld>
             <a:endParaRPr lang="zh-CN" altLang="en-US"/>
           </a:p>
@@ -2380,8 +2379,6 @@
           <a:p>
             <a:fld id="{565CE74E-AB26-4998-AD42-012C4C1AD076}" type="slidenum">
               <a:rPr lang="zh-CN" altLang="en-US" smtClean="0"/>
-              <a:pPr/>
-              <a:t>‹#›</a:t>
             </a:fld>
             <a:endParaRPr lang="zh-CN" altLang="en-US"/>
           </a:p>
@@ -2430,8 +2427,6 @@
           <a:p>
             <a:fld id="{D997B5FA-0921-464F-AAE1-844C04324D75}" type="datetimeFigureOut">
               <a:rPr lang="zh-CN" altLang="en-US" smtClean="0"/>
-              <a:pPr/>
-              <a:t>2019/4/9</a:t>
             </a:fld>
             <a:endParaRPr lang="zh-CN" altLang="en-US"/>
           </a:p>
@@ -2473,8 +2468,6 @@
           <a:p>
             <a:fld id="{565CE74E-AB26-4998-AD42-012C4C1AD076}" type="slidenum">
               <a:rPr lang="zh-CN" altLang="en-US" smtClean="0"/>
-              <a:pPr/>
-              <a:t>‹#›</a:t>
             </a:fld>
             <a:endParaRPr lang="zh-CN" altLang="en-US"/>
           </a:p>
@@ -2591,6 +2584,7 @@
               <a:rPr lang="en-US" smtClean="0"/>
               <a:t>Click to edit Master text styles</a:t>
             </a:r>
+            <a:endParaRPr lang="en-US" smtClean="0"/>
           </a:p>
           <a:p>
             <a:pPr lvl="1"/>
@@ -2598,6 +2592,7 @@
               <a:rPr lang="en-US" smtClean="0"/>
               <a:t>Second level</a:t>
             </a:r>
+            <a:endParaRPr lang="en-US" smtClean="0"/>
           </a:p>
           <a:p>
             <a:pPr lvl="2"/>
@@ -2605,6 +2600,7 @@
               <a:rPr lang="en-US" smtClean="0"/>
               <a:t>Third level</a:t>
             </a:r>
+            <a:endParaRPr lang="en-US" smtClean="0"/>
           </a:p>
           <a:p>
             <a:pPr lvl="3"/>
@@ -2612,6 +2608,7 @@
               <a:rPr lang="en-US" smtClean="0"/>
               <a:t>Fourth level</a:t>
             </a:r>
+            <a:endParaRPr lang="en-US" smtClean="0"/>
           </a:p>
           <a:p>
             <a:pPr lvl="4"/>
@@ -2685,6 +2682,7 @@
               <a:rPr lang="en-US" smtClean="0"/>
               <a:t>Click to edit Master text styles</a:t>
             </a:r>
+            <a:endParaRPr lang="en-US" smtClean="0"/>
           </a:p>
         </p:txBody>
       </p:sp>
@@ -2705,8 +2703,6 @@
           <a:p>
             <a:fld id="{D997B5FA-0921-464F-AAE1-844C04324D75}" type="datetimeFigureOut">
               <a:rPr lang="zh-CN" altLang="en-US" smtClean="0"/>
-              <a:pPr/>
-              <a:t>2019/4/9</a:t>
             </a:fld>
             <a:endParaRPr lang="zh-CN" altLang="en-US"/>
           </a:p>
@@ -2748,8 +2744,6 @@
           <a:p>
             <a:fld id="{565CE74E-AB26-4998-AD42-012C4C1AD076}" type="slidenum">
               <a:rPr lang="zh-CN" altLang="en-US" smtClean="0"/>
-              <a:pPr/>
-              <a:t>‹#›</a:t>
             </a:fld>
             <a:endParaRPr lang="zh-CN" altLang="en-US"/>
           </a:p>
@@ -2965,6 +2959,7 @@
               <a:rPr lang="en-US" smtClean="0"/>
               <a:t>Click to edit Master text styles</a:t>
             </a:r>
+            <a:endParaRPr lang="en-US" smtClean="0"/>
           </a:p>
         </p:txBody>
       </p:sp>
@@ -2985,8 +2980,6 @@
           <a:p>
             <a:fld id="{D997B5FA-0921-464F-AAE1-844C04324D75}" type="datetimeFigureOut">
               <a:rPr lang="zh-CN" altLang="en-US" smtClean="0"/>
-              <a:pPr/>
-              <a:t>2019/4/9</a:t>
             </a:fld>
             <a:endParaRPr lang="zh-CN" altLang="en-US"/>
           </a:p>
@@ -3028,8 +3021,6 @@
           <a:p>
             <a:fld id="{565CE74E-AB26-4998-AD42-012C4C1AD076}" type="slidenum">
               <a:rPr lang="zh-CN" altLang="en-US" smtClean="0"/>
-              <a:pPr/>
-              <a:t>‹#›</a:t>
             </a:fld>
             <a:endParaRPr lang="zh-CN" altLang="en-US"/>
           </a:p>
@@ -3078,7 +3069,7 @@
           <p:nvPr/>
         </p:nvPicPr>
         <p:blipFill>
-          <a:blip r:embed="rId13"/>
+          <a:blip r:embed="rId12"/>
           <a:stretch>
             <a:fillRect/>
           </a:stretch>
@@ -3129,6 +3120,7 @@
               <a:rPr lang="en-US" altLang="zh-CN" dirty="0"/>
               <a:t>Click to edit Master title style</a:t>
             </a:r>
+            <a:endParaRPr lang="en-US" altLang="zh-CN" dirty="0"/>
           </a:p>
         </p:txBody>
       </p:sp>
@@ -3164,6 +3156,7 @@
               <a:rPr lang="en-US" altLang="zh-CN" dirty="0"/>
               <a:t>Click to edit Master text styles</a:t>
             </a:r>
+            <a:endParaRPr lang="en-US" altLang="zh-CN" dirty="0"/>
           </a:p>
           <a:p>
             <a:pPr lvl="1"/>
@@ -3171,6 +3164,7 @@
               <a:rPr lang="en-US" altLang="zh-CN" dirty="0"/>
               <a:t>Second level</a:t>
             </a:r>
+            <a:endParaRPr lang="en-US" altLang="zh-CN" dirty="0"/>
           </a:p>
           <a:p>
             <a:pPr lvl="2"/>
@@ -3178,6 +3172,7 @@
               <a:rPr lang="en-US" altLang="zh-CN" dirty="0"/>
               <a:t>Third level</a:t>
             </a:r>
+            <a:endParaRPr lang="en-US" altLang="zh-CN" dirty="0"/>
           </a:p>
           <a:p>
             <a:pPr lvl="3"/>
@@ -3185,6 +3180,7 @@
               <a:rPr lang="en-US" altLang="zh-CN" dirty="0"/>
               <a:t>Fourth level</a:t>
             </a:r>
+            <a:endParaRPr lang="en-US" altLang="zh-CN" dirty="0"/>
           </a:p>
           <a:p>
             <a:pPr lvl="4"/>
@@ -3192,6 +3188,7 @@
               <a:rPr lang="en-US" altLang="zh-CN" dirty="0"/>
               <a:t>Fifth level</a:t>
             </a:r>
+            <a:endParaRPr lang="en-US" altLang="zh-CN" dirty="0"/>
           </a:p>
         </p:txBody>
       </p:sp>
@@ -3220,14 +3217,14 @@
           <a:effectLst/>
           <a:extLst>
             <a:ext uri="{909E8E84-426E-40DD-AFC4-6F175D3DCCD1}">
-              <a14:hiddenFill xmlns:a14="http://schemas.microsoft.com/office/drawing/2010/main" xmlns="">
+              <a14:hiddenFill xmlns:a14="http://schemas.microsoft.com/office/drawing/2010/main">
                 <a:solidFill>
                   <a:schemeClr val="accent1"/>
                 </a:solidFill>
               </a14:hiddenFill>
             </a:ext>
             <a:ext uri="{91240B29-F687-4F45-9708-019B960494DF}">
-              <a14:hiddenLine xmlns:a14="http://schemas.microsoft.com/office/drawing/2010/main" xmlns="" w="9525">
+              <a14:hiddenLine xmlns:a14="http://schemas.microsoft.com/office/drawing/2010/main" w="9525">
                 <a:solidFill>
                   <a:srgbClr val="000000"/>
                 </a:solidFill>
@@ -3237,7 +3234,7 @@
               </a14:hiddenLine>
             </a:ext>
             <a:ext uri="{AF507438-7753-43E0-B8FC-AC1667EBCBE1}">
-              <a14:hiddenEffects xmlns:a14="http://schemas.microsoft.com/office/drawing/2010/main" xmlns="">
+              <a14:hiddenEffects xmlns:a14="http://schemas.microsoft.com/office/drawing/2010/main">
                 <a:effectLst>
                   <a:outerShdw dist="35921" dir="2700000" algn="ctr" rotWithShape="0">
                     <a:schemeClr val="bg2"/>
@@ -3259,8 +3256,6 @@
           <a:p>
             <a:fld id="{D997B5FA-0921-464F-AAE1-844C04324D75}" type="datetimeFigureOut">
               <a:rPr lang="zh-CN" altLang="en-US" smtClean="0"/>
-              <a:pPr/>
-              <a:t>2019/4/9</a:t>
             </a:fld>
             <a:endParaRPr lang="zh-CN" altLang="en-US"/>
           </a:p>
@@ -3291,14 +3286,14 @@
           <a:effectLst/>
           <a:extLst>
             <a:ext uri="{909E8E84-426E-40DD-AFC4-6F175D3DCCD1}">
-              <a14:hiddenFill xmlns:a14="http://schemas.microsoft.com/office/drawing/2010/main" xmlns="">
+              <a14:hiddenFill xmlns:a14="http://schemas.microsoft.com/office/drawing/2010/main">
                 <a:solidFill>
                   <a:schemeClr val="accent1"/>
                 </a:solidFill>
               </a14:hiddenFill>
             </a:ext>
             <a:ext uri="{91240B29-F687-4F45-9708-019B960494DF}">
-              <a14:hiddenLine xmlns:a14="http://schemas.microsoft.com/office/drawing/2010/main" xmlns="" w="9525">
+              <a14:hiddenLine xmlns:a14="http://schemas.microsoft.com/office/drawing/2010/main" w="9525">
                 <a:solidFill>
                   <a:srgbClr val="000000"/>
                 </a:solidFill>
@@ -3308,7 +3303,7 @@
               </a14:hiddenLine>
             </a:ext>
             <a:ext uri="{AF507438-7753-43E0-B8FC-AC1667EBCBE1}">
-              <a14:hiddenEffects xmlns:a14="http://schemas.microsoft.com/office/drawing/2010/main" xmlns="">
+              <a14:hiddenEffects xmlns:a14="http://schemas.microsoft.com/office/drawing/2010/main">
                 <a:effectLst>
                   <a:outerShdw dist="35921" dir="2700000" algn="ctr" rotWithShape="0">
                     <a:schemeClr val="bg2"/>
@@ -3357,14 +3352,14 @@
           <a:effectLst/>
           <a:extLst>
             <a:ext uri="{909E8E84-426E-40DD-AFC4-6F175D3DCCD1}">
-              <a14:hiddenFill xmlns:a14="http://schemas.microsoft.com/office/drawing/2010/main" xmlns="">
+              <a14:hiddenFill xmlns:a14="http://schemas.microsoft.com/office/drawing/2010/main">
                 <a:solidFill>
                   <a:schemeClr val="accent1"/>
                 </a:solidFill>
               </a14:hiddenFill>
             </a:ext>
             <a:ext uri="{91240B29-F687-4F45-9708-019B960494DF}">
-              <a14:hiddenLine xmlns:a14="http://schemas.microsoft.com/office/drawing/2010/main" xmlns="" w="9525">
+              <a14:hiddenLine xmlns:a14="http://schemas.microsoft.com/office/drawing/2010/main" w="9525">
                 <a:solidFill>
                   <a:srgbClr val="000000"/>
                 </a:solidFill>
@@ -3374,7 +3369,7 @@
               </a14:hiddenLine>
             </a:ext>
             <a:ext uri="{AF507438-7753-43E0-B8FC-AC1667EBCBE1}">
-              <a14:hiddenEffects xmlns:a14="http://schemas.microsoft.com/office/drawing/2010/main" xmlns="">
+              <a14:hiddenEffects xmlns:a14="http://schemas.microsoft.com/office/drawing/2010/main">
                 <a:effectLst>
                   <a:outerShdw dist="35921" dir="2700000" algn="ctr" rotWithShape="0">
                     <a:schemeClr val="bg2"/>
@@ -3396,8 +3391,6 @@
           <a:p>
             <a:fld id="{565CE74E-AB26-4998-AD42-012C4C1AD076}" type="slidenum">
               <a:rPr lang="zh-CN" altLang="en-US" smtClean="0"/>
-              <a:pPr/>
-              <a:t>‹#›</a:t>
             </a:fld>
             <a:endParaRPr lang="zh-CN" altLang="en-US"/>
           </a:p>
@@ -3876,6 +3869,19 @@
               </a:rPr>
               <a:t>VIDEO CONFERENCING SYSTEM</a:t>
             </a:r>
+            <a:endParaRPr lang="en-US" altLang="en-US" sz="3600" b="1">
+              <a:solidFill>
+                <a:schemeClr val="accent1"/>
+              </a:solidFill>
+              <a:effectLst>
+                <a:outerShdw blurRad="38100" dist="25400" dir="5400000" algn="ctr" rotWithShape="0">
+                  <a:srgbClr val="6E747A">
+                    <a:alpha val="43000"/>
+                  </a:srgbClr>
+                </a:outerShdw>
+              </a:effectLst>
+              <a:ea typeface="Droid Sans Fallback" panose="020B0502000000000001" charset="-122"/>
+            </a:endParaRPr>
           </a:p>
         </p:txBody>
       </p:sp>
@@ -3942,6 +3948,9 @@
               </a:rPr>
               <a:t> An</a:t>
             </a:r>
+            <a:endParaRPr lang="en-US" altLang="en-US" sz="1600" dirty="0">
+              <a:ea typeface="Droid Sans Fallback" panose="020B0502000000000001" charset="-122"/>
+            </a:endParaRPr>
           </a:p>
           <a:p>
             <a:r>
@@ -4030,7 +4039,7 @@
           <p:nvPr/>
         </p:nvPicPr>
         <p:blipFill>
-          <a:blip r:embed="rId2"/>
+          <a:blip r:embed="rId1"/>
           <a:stretch>
             <a:fillRect/>
           </a:stretch>
@@ -4248,6 +4257,9 @@
               </a:rPr>
               <a:t>I. OVERALL DESIGN</a:t>
             </a:r>
+            <a:endParaRPr lang="en-US" altLang="en-US" sz="2000" b="1">
+              <a:ea typeface="Droid Sans Fallback" panose="020B0502000000000001" charset="-122"/>
+            </a:endParaRPr>
           </a:p>
           <a:p>
             <a:r>
@@ -4263,6 +4275,9 @@
               </a:rPr>
               <a:t> ARCHITECTURE</a:t>
             </a:r>
+            <a:endParaRPr lang="en-US" altLang="en-US" sz="2000">
+              <a:ea typeface="Droid Sans Fallback" panose="020B0502000000000001" charset="-122"/>
+            </a:endParaRPr>
           </a:p>
         </p:txBody>
       </p:sp>
@@ -4326,6 +4341,17 @@
               </a:rPr>
               <a:t>Server</a:t>
             </a:r>
+            <a:endParaRPr kumimoji="0" lang="en-US" altLang="zh-CN" sz="2800" b="1" i="0" u="none" strike="noStrike" cap="none" normalizeH="0" baseline="0" smtClean="0">
+              <a:ln>
+                <a:noFill/>
+              </a:ln>
+              <a:solidFill>
+                <a:schemeClr val="tx1"/>
+              </a:solidFill>
+              <a:effectLst/>
+              <a:latin typeface="Arial" panose="020B0604020202020204" pitchFamily="34" charset="0"/>
+              <a:ea typeface="Droid Sans Fallback" panose="020B0502000000000001" charset="-122"/>
+            </a:endParaRPr>
           </a:p>
         </p:txBody>
       </p:sp>
@@ -4389,6 +4415,17 @@
               </a:rPr>
               <a:t>Socket (UDP)</a:t>
             </a:r>
+            <a:endParaRPr kumimoji="0" lang="en-US" altLang="en-US" sz="1800" b="1" i="0" u="none" strike="noStrike" cap="none" normalizeH="0" baseline="0" smtClean="0">
+              <a:ln>
+                <a:noFill/>
+              </a:ln>
+              <a:solidFill>
+                <a:schemeClr val="bg1"/>
+              </a:solidFill>
+              <a:effectLst/>
+              <a:latin typeface="Arial" panose="020B0604020202020204" pitchFamily="34" charset="0"/>
+              <a:ea typeface="Droid Sans Fallback" panose="020B0502000000000001" charset="-122"/>
+            </a:endParaRPr>
           </a:p>
         </p:txBody>
       </p:sp>
@@ -4452,6 +4489,17 @@
               </a:rPr>
               <a:t>Web page</a:t>
             </a:r>
+            <a:endParaRPr kumimoji="0" lang="en-US" altLang="en-US" sz="1800" b="1" i="0" u="none" strike="noStrike" cap="none" normalizeH="0" baseline="0" smtClean="0">
+              <a:ln>
+                <a:noFill/>
+              </a:ln>
+              <a:solidFill>
+                <a:schemeClr val="bg1"/>
+              </a:solidFill>
+              <a:effectLst/>
+              <a:latin typeface="Arial" panose="020B0604020202020204" pitchFamily="34" charset="0"/>
+              <a:ea typeface="Droid Sans Fallback" panose="020B0502000000000001" charset="-122"/>
+            </a:endParaRPr>
           </a:p>
         </p:txBody>
       </p:sp>
@@ -4515,6 +4563,17 @@
               </a:rPr>
               <a:t>Participant x</a:t>
             </a:r>
+            <a:endParaRPr kumimoji="0" lang="en-US" altLang="en-US" sz="2400" b="1" i="0" u="none" strike="noStrike" cap="none" normalizeH="0" baseline="0" smtClean="0">
+              <a:ln>
+                <a:noFill/>
+              </a:ln>
+              <a:solidFill>
+                <a:schemeClr val="tx1"/>
+              </a:solidFill>
+              <a:effectLst/>
+              <a:latin typeface="Arial" panose="020B0604020202020204" pitchFamily="34" charset="0"/>
+              <a:ea typeface="Droid Sans Fallback" panose="020B0502000000000001" charset="-122"/>
+            </a:endParaRPr>
           </a:p>
         </p:txBody>
       </p:sp>
@@ -4578,6 +4637,17 @@
               </a:rPr>
               <a:t>Desktop App</a:t>
             </a:r>
+            <a:endParaRPr kumimoji="0" lang="en-US" altLang="en-US" sz="1800" b="1" i="0" u="none" strike="noStrike" cap="none" normalizeH="0" baseline="0" smtClean="0">
+              <a:ln>
+                <a:noFill/>
+              </a:ln>
+              <a:solidFill>
+                <a:schemeClr val="bg1"/>
+              </a:solidFill>
+              <a:effectLst/>
+              <a:latin typeface="Arial" panose="020B0604020202020204" pitchFamily="34" charset="0"/>
+              <a:ea typeface="Droid Sans Fallback" panose="020B0502000000000001" charset="-122"/>
+            </a:endParaRPr>
           </a:p>
           <a:p>
             <a:pPr marL="0" marR="0" indent="0" algn="l" defTabSz="914400" rtl="0" eaLnBrk="1" fontAlgn="base" latinLnBrk="0" hangingPunct="1">
@@ -4609,6 +4679,17 @@
               </a:rPr>
               <a:t>using UDP </a:t>
             </a:r>
+            <a:endParaRPr kumimoji="0" lang="en-US" altLang="en-US" sz="1800" b="1" i="0" u="none" strike="noStrike" cap="none" normalizeH="0" baseline="0" smtClean="0">
+              <a:ln>
+                <a:noFill/>
+              </a:ln>
+              <a:solidFill>
+                <a:schemeClr val="bg1"/>
+              </a:solidFill>
+              <a:effectLst/>
+              <a:latin typeface="Arial" panose="020B0604020202020204" pitchFamily="34" charset="0"/>
+              <a:ea typeface="Droid Sans Fallback" panose="020B0502000000000001" charset="-122"/>
+            </a:endParaRPr>
           </a:p>
           <a:p>
             <a:pPr marL="0" marR="0" indent="0" algn="l" defTabSz="914400" rtl="0" eaLnBrk="1" fontAlgn="base" latinLnBrk="0" hangingPunct="1">
@@ -4640,6 +4721,17 @@
               </a:rPr>
               <a:t>socket</a:t>
             </a:r>
+            <a:endParaRPr kumimoji="0" lang="en-US" altLang="en-US" sz="1800" b="1" i="0" u="none" strike="noStrike" cap="none" normalizeH="0" baseline="0" smtClean="0">
+              <a:ln>
+                <a:noFill/>
+              </a:ln>
+              <a:solidFill>
+                <a:schemeClr val="bg1"/>
+              </a:solidFill>
+              <a:effectLst/>
+              <a:latin typeface="Arial" panose="020B0604020202020204" pitchFamily="34" charset="0"/>
+              <a:ea typeface="Droid Sans Fallback" panose="020B0502000000000001" charset="-122"/>
+            </a:endParaRPr>
           </a:p>
         </p:txBody>
       </p:sp>
@@ -4703,6 +4795,17 @@
               </a:rPr>
               <a:t>Browser</a:t>
             </a:r>
+            <a:endParaRPr kumimoji="0" lang="en-US" altLang="en-US" sz="1800" b="1" i="0" u="none" strike="noStrike" cap="none" normalizeH="0" baseline="0" smtClean="0">
+              <a:ln>
+                <a:noFill/>
+              </a:ln>
+              <a:solidFill>
+                <a:schemeClr val="bg1"/>
+              </a:solidFill>
+              <a:effectLst/>
+              <a:latin typeface="Arial" panose="020B0604020202020204" pitchFamily="34" charset="0"/>
+              <a:ea typeface="Droid Sans Fallback" panose="020B0502000000000001" charset="-122"/>
+            </a:endParaRPr>
           </a:p>
         </p:txBody>
       </p:sp>
@@ -4770,6 +4873,9 @@
               </a:rPr>
               <a:t>Image flow</a:t>
             </a:r>
+            <a:endParaRPr lang="en-US" altLang="en-US" sz="2400" b="1">
+              <a:ea typeface="Droid Sans Fallback" panose="020B0502000000000001" charset="-122"/>
+            </a:endParaRPr>
           </a:p>
         </p:txBody>
       </p:sp>
@@ -4837,6 +4943,9 @@
               </a:rPr>
               <a:t>Sound flow</a:t>
             </a:r>
+            <a:endParaRPr lang="en-US" altLang="en-US" sz="2400" b="1">
+              <a:ea typeface="Droid Sans Fallback" panose="020B0502000000000001" charset="-122"/>
+            </a:endParaRPr>
           </a:p>
         </p:txBody>
       </p:sp>
@@ -5194,6 +5303,17 @@
               </a:rPr>
               <a:t>1</a:t>
             </a:r>
+            <a:endParaRPr kumimoji="0" lang="en-US" altLang="zh-CN" sz="1800" b="0" i="0" u="none" strike="noStrike" cap="none" normalizeH="0" baseline="0" smtClean="0">
+              <a:ln>
+                <a:noFill/>
+              </a:ln>
+              <a:solidFill>
+                <a:schemeClr val="tx1"/>
+              </a:solidFill>
+              <a:effectLst/>
+              <a:latin typeface="Arial" panose="020B0604020202020204" pitchFamily="34" charset="0"/>
+              <a:ea typeface="Droid Sans Fallback" panose="020B0502000000000001" charset="-122"/>
+            </a:endParaRPr>
           </a:p>
         </p:txBody>
       </p:sp>
@@ -5343,6 +5463,17 @@
               </a:rPr>
               <a:t>3</a:t>
             </a:r>
+            <a:endParaRPr kumimoji="0" lang="en-US" altLang="en-US" sz="1800" b="0" i="0" u="none" strike="noStrike" cap="none" normalizeH="0" baseline="0" smtClean="0">
+              <a:ln>
+                <a:noFill/>
+              </a:ln>
+              <a:solidFill>
+                <a:schemeClr val="tx1"/>
+              </a:solidFill>
+              <a:effectLst/>
+              <a:latin typeface="Arial" panose="020B0604020202020204" pitchFamily="34" charset="0"/>
+              <a:ea typeface="Droid Sans Fallback" panose="020B0502000000000001" charset="-122"/>
+            </a:endParaRPr>
           </a:p>
         </p:txBody>
       </p:sp>
@@ -5412,6 +5543,17 @@
               </a:rPr>
               <a:t>4</a:t>
             </a:r>
+            <a:endParaRPr kumimoji="0" lang="en-US" altLang="en-US" sz="1800" b="0" i="0" u="none" strike="noStrike" cap="none" normalizeH="0" baseline="0" smtClean="0">
+              <a:ln>
+                <a:noFill/>
+              </a:ln>
+              <a:solidFill>
+                <a:schemeClr val="tx1"/>
+              </a:solidFill>
+              <a:effectLst/>
+              <a:latin typeface="Arial" panose="020B0604020202020204" pitchFamily="34" charset="0"/>
+              <a:ea typeface="Droid Sans Fallback" panose="020B0502000000000001" charset="-122"/>
+            </a:endParaRPr>
           </a:p>
         </p:txBody>
       </p:sp>
@@ -5443,6 +5585,9 @@
               </a:rPr>
               <a:t>UDP ports</a:t>
             </a:r>
+            <a:endParaRPr lang="en-US" altLang="en-US">
+              <a:ea typeface="Droid Sans Fallback" panose="020B0502000000000001" charset="-122"/>
+            </a:endParaRPr>
           </a:p>
         </p:txBody>
       </p:sp>
@@ -5506,6 +5651,17 @@
               </a:rPr>
               <a:t>Participant x</a:t>
             </a:r>
+            <a:endParaRPr kumimoji="0" lang="en-US" altLang="en-US" sz="2400" b="1" i="0" u="none" strike="noStrike" cap="none" normalizeH="0" baseline="0" smtClean="0">
+              <a:ln>
+                <a:noFill/>
+              </a:ln>
+              <a:solidFill>
+                <a:schemeClr val="tx1"/>
+              </a:solidFill>
+              <a:effectLst/>
+              <a:latin typeface="Arial" panose="020B0604020202020204" pitchFamily="34" charset="0"/>
+              <a:ea typeface="Droid Sans Fallback" panose="020B0502000000000001" charset="-122"/>
+            </a:endParaRPr>
           </a:p>
         </p:txBody>
       </p:sp>
@@ -5569,6 +5725,17 @@
               </a:rPr>
               <a:t>Desktop App</a:t>
             </a:r>
+            <a:endParaRPr kumimoji="0" lang="en-US" altLang="en-US" sz="1800" b="1" i="0" u="none" strike="noStrike" cap="none" normalizeH="0" baseline="0" smtClean="0">
+              <a:ln>
+                <a:noFill/>
+              </a:ln>
+              <a:solidFill>
+                <a:schemeClr val="bg1"/>
+              </a:solidFill>
+              <a:effectLst/>
+              <a:latin typeface="Arial" panose="020B0604020202020204" pitchFamily="34" charset="0"/>
+              <a:ea typeface="Droid Sans Fallback" panose="020B0502000000000001" charset="-122"/>
+            </a:endParaRPr>
           </a:p>
           <a:p>
             <a:pPr marL="0" marR="0" indent="0" algn="l" defTabSz="914400" rtl="0" eaLnBrk="1" fontAlgn="base" latinLnBrk="0" hangingPunct="1">
@@ -5600,6 +5767,17 @@
               </a:rPr>
               <a:t>using UDP </a:t>
             </a:r>
+            <a:endParaRPr kumimoji="0" lang="en-US" altLang="en-US" sz="1800" b="1" i="0" u="none" strike="noStrike" cap="none" normalizeH="0" baseline="0" smtClean="0">
+              <a:ln>
+                <a:noFill/>
+              </a:ln>
+              <a:solidFill>
+                <a:schemeClr val="bg1"/>
+              </a:solidFill>
+              <a:effectLst/>
+              <a:latin typeface="Arial" panose="020B0604020202020204" pitchFamily="34" charset="0"/>
+              <a:ea typeface="Droid Sans Fallback" panose="020B0502000000000001" charset="-122"/>
+            </a:endParaRPr>
           </a:p>
           <a:p>
             <a:pPr marL="0" marR="0" indent="0" algn="l" defTabSz="914400" rtl="0" eaLnBrk="1" fontAlgn="base" latinLnBrk="0" hangingPunct="1">
@@ -5631,6 +5809,17 @@
               </a:rPr>
               <a:t>socket</a:t>
             </a:r>
+            <a:endParaRPr kumimoji="0" lang="en-US" altLang="en-US" sz="1800" b="1" i="0" u="none" strike="noStrike" cap="none" normalizeH="0" baseline="0" smtClean="0">
+              <a:ln>
+                <a:noFill/>
+              </a:ln>
+              <a:solidFill>
+                <a:schemeClr val="bg1"/>
+              </a:solidFill>
+              <a:effectLst/>
+              <a:latin typeface="Arial" panose="020B0604020202020204" pitchFamily="34" charset="0"/>
+              <a:ea typeface="Droid Sans Fallback" panose="020B0502000000000001" charset="-122"/>
+            </a:endParaRPr>
           </a:p>
         </p:txBody>
       </p:sp>
@@ -5694,6 +5883,17 @@
               </a:rPr>
               <a:t>Browser</a:t>
             </a:r>
+            <a:endParaRPr kumimoji="0" lang="en-US" altLang="en-US" sz="1800" b="1" i="0" u="none" strike="noStrike" cap="none" normalizeH="0" baseline="0" smtClean="0">
+              <a:ln>
+                <a:noFill/>
+              </a:ln>
+              <a:solidFill>
+                <a:schemeClr val="bg1"/>
+              </a:solidFill>
+              <a:effectLst/>
+              <a:latin typeface="Arial" panose="020B0604020202020204" pitchFamily="34" charset="0"/>
+              <a:ea typeface="Droid Sans Fallback" panose="020B0502000000000001" charset="-122"/>
+            </a:endParaRPr>
           </a:p>
         </p:txBody>
       </p:sp>
@@ -5890,6 +6090,9 @@
               </a:rPr>
               <a:t>I. OVERALL DESIGN</a:t>
             </a:r>
+            <a:endParaRPr lang="en-US" altLang="en-US" sz="2000" b="1">
+              <a:ea typeface="Droid Sans Fallback" panose="020B0502000000000001" charset="-122"/>
+            </a:endParaRPr>
           </a:p>
           <a:p>
             <a:r>
@@ -5905,6 +6108,9 @@
               </a:rPr>
               <a:t> ARCHITECTURE</a:t>
             </a:r>
+            <a:endParaRPr lang="en-US" altLang="en-US" sz="2000">
+              <a:ea typeface="Droid Sans Fallback" panose="020B0502000000000001" charset="-122"/>
+            </a:endParaRPr>
           </a:p>
         </p:txBody>
       </p:sp>
@@ -5990,6 +6196,9 @@
                 </a:rPr>
                 <a:t>3</a:t>
               </a:r>
+              <a:endParaRPr lang="en-US">
+                <a:ea typeface="Droid Sans Fallback" panose="020B0502000000000001" charset="-122"/>
+              </a:endParaRPr>
             </a:p>
           </p:txBody>
         </p:sp>
@@ -6053,6 +6262,17 @@
                 </a:rPr>
                 <a:t>Browser</a:t>
               </a:r>
+              <a:endParaRPr kumimoji="0" lang="en-US" altLang="en-US" sz="1800" b="0" i="0" u="none" strike="noStrike" cap="none" normalizeH="0" baseline="0" smtClean="0">
+                <a:ln>
+                  <a:noFill/>
+                </a:ln>
+                <a:solidFill>
+                  <a:schemeClr val="tx1"/>
+                </a:solidFill>
+                <a:effectLst/>
+                <a:latin typeface="Arial" panose="020B0604020202020204" pitchFamily="34" charset="0"/>
+                <a:ea typeface="Droid Sans Fallback" panose="020B0502000000000001" charset="-122"/>
+              </a:endParaRPr>
             </a:p>
           </p:txBody>
         </p:sp>
@@ -6116,6 +6336,17 @@
                 </a:rPr>
                 <a:t>Desktop App</a:t>
               </a:r>
+              <a:endParaRPr kumimoji="0" lang="en-US" altLang="en-US" sz="1800" b="0" i="0" u="none" strike="noStrike" cap="none" normalizeH="0" baseline="0" smtClean="0">
+                <a:ln>
+                  <a:noFill/>
+                </a:ln>
+                <a:solidFill>
+                  <a:schemeClr val="tx1"/>
+                </a:solidFill>
+                <a:effectLst/>
+                <a:latin typeface="Arial" panose="020B0604020202020204" pitchFamily="34" charset="0"/>
+                <a:ea typeface="Droid Sans Fallback" panose="020B0502000000000001" charset="-122"/>
+              </a:endParaRPr>
             </a:p>
           </p:txBody>
         </p:sp>
@@ -6203,6 +6434,17 @@
                 </a:rPr>
                 <a:t>Server</a:t>
               </a:r>
+              <a:endParaRPr kumimoji="0" lang="en-US" altLang="zh-CN" sz="3200" b="0" i="0" u="none" strike="noStrike" cap="none" normalizeH="0" baseline="0" smtClean="0">
+                <a:ln>
+                  <a:noFill/>
+                </a:ln>
+                <a:solidFill>
+                  <a:schemeClr val="bg1"/>
+                </a:solidFill>
+                <a:effectLst/>
+                <a:latin typeface="Arial" panose="020B0604020202020204" pitchFamily="34" charset="0"/>
+                <a:ea typeface="Droid Sans Fallback" panose="020B0502000000000001" charset="-122"/>
+              </a:endParaRPr>
             </a:p>
           </p:txBody>
         </p:sp>
@@ -6266,6 +6508,17 @@
                 </a:rPr>
                 <a:t>UDP</a:t>
               </a:r>
+              <a:endParaRPr kumimoji="0" lang="en-US" altLang="zh-CN" sz="1800" b="0" i="0" u="none" strike="noStrike" cap="none" normalizeH="0" baseline="0" smtClean="0">
+                <a:ln>
+                  <a:noFill/>
+                </a:ln>
+                <a:solidFill>
+                  <a:schemeClr val="tx1"/>
+                </a:solidFill>
+                <a:effectLst/>
+                <a:latin typeface="Arial" panose="020B0604020202020204" pitchFamily="34" charset="0"/>
+                <a:ea typeface="Droid Sans Fallback" panose="020B0502000000000001" charset="-122"/>
+              </a:endParaRPr>
             </a:p>
           </p:txBody>
         </p:sp>
@@ -6329,6 +6582,17 @@
                 </a:rPr>
                 <a:t>TCP</a:t>
               </a:r>
+              <a:endParaRPr kumimoji="0" lang="en-US" altLang="en-US" sz="1800" b="0" i="0" u="none" strike="noStrike" cap="none" normalizeH="0" baseline="0" smtClean="0">
+                <a:ln>
+                  <a:noFill/>
+                </a:ln>
+                <a:solidFill>
+                  <a:schemeClr val="tx1"/>
+                </a:solidFill>
+                <a:effectLst/>
+                <a:latin typeface="Arial" panose="020B0604020202020204" pitchFamily="34" charset="0"/>
+                <a:ea typeface="Droid Sans Fallback" panose="020B0502000000000001" charset="-122"/>
+              </a:endParaRPr>
             </a:p>
           </p:txBody>
         </p:sp>
@@ -6400,6 +6664,17 @@
                 </a:rPr>
                 <a:t>HTTP</a:t>
               </a:r>
+              <a:endParaRPr kumimoji="0" lang="en-US" altLang="zh-CN" sz="1800" b="0" i="0" u="none" strike="noStrike" cap="none" normalizeH="0" baseline="0" smtClean="0">
+                <a:ln>
+                  <a:noFill/>
+                </a:ln>
+                <a:solidFill>
+                  <a:schemeClr val="tx1"/>
+                </a:solidFill>
+                <a:effectLst/>
+                <a:latin typeface="Arial" panose="020B0604020202020204" pitchFamily="34" charset="0"/>
+                <a:ea typeface="Droid Sans Fallback" panose="020B0502000000000001" charset="-122"/>
+              </a:endParaRPr>
             </a:p>
           </p:txBody>
         </p:sp>
@@ -6557,6 +6832,9 @@
                 </a:rPr>
                 <a:t>Participant 2</a:t>
               </a:r>
+              <a:endParaRPr lang="en-US" altLang="en-US">
+                <a:ea typeface="Droid Sans Fallback" panose="020B0502000000000001" charset="-122"/>
+              </a:endParaRPr>
             </a:p>
           </p:txBody>
         </p:sp>
@@ -6628,6 +6906,9 @@
                 </a:rPr>
                 <a:t>1</a:t>
               </a:r>
+              <a:endParaRPr lang="en-US" altLang="en-US">
+                <a:ea typeface="Droid Sans Fallback" panose="020B0502000000000001" charset="-122"/>
+              </a:endParaRPr>
             </a:p>
           </p:txBody>
         </p:sp>
@@ -6699,6 +6980,9 @@
                 </a:rPr>
                 <a:t>3</a:t>
               </a:r>
+              <a:endParaRPr lang="en-US" altLang="en-US">
+                <a:ea typeface="Droid Sans Fallback" panose="020B0502000000000001" charset="-122"/>
+              </a:endParaRPr>
             </a:p>
           </p:txBody>
         </p:sp>
@@ -6770,6 +7054,9 @@
                 </a:rPr>
                 <a:t>n</a:t>
               </a:r>
+              <a:endParaRPr lang="en-US" altLang="en-US">
+                <a:ea typeface="Droid Sans Fallback" panose="020B0502000000000001" charset="-122"/>
+              </a:endParaRPr>
             </a:p>
           </p:txBody>
         </p:sp>
@@ -6842,6 +7129,17 @@
                 </a:rPr>
                 <a:t>Server</a:t>
               </a:r>
+              <a:endParaRPr kumimoji="0" lang="en-US" altLang="zh-CN" sz="3200" b="0" i="0" u="none" strike="noStrike" cap="none" normalizeH="0" baseline="0" smtClean="0">
+                <a:ln>
+                  <a:noFill/>
+                </a:ln>
+                <a:solidFill>
+                  <a:schemeClr val="bg1"/>
+                </a:solidFill>
+                <a:effectLst/>
+                <a:latin typeface="Arial" panose="020B0604020202020204" pitchFamily="34" charset="0"/>
+                <a:ea typeface="Droid Sans Fallback" panose="020B0502000000000001" charset="-122"/>
+              </a:endParaRPr>
             </a:p>
           </p:txBody>
         </p:sp>
@@ -7025,6 +7323,10 @@
                 </a:rPr>
                 <a:t>Server-Client Architecture</a:t>
               </a:r>
+              <a:endParaRPr lang="en-US" sz="2400" b="1">
+                <a:ea typeface="Droid Sans Fallback" panose="020B0502000000000001" charset="-122"/>
+                <a:sym typeface="+mn-ea"/>
+              </a:endParaRPr>
             </a:p>
           </p:txBody>
         </p:sp>
@@ -7058,6 +7360,10 @@
               </a:rPr>
               <a:t>Connection between </a:t>
             </a:r>
+            <a:endParaRPr lang="en-US" sz="2400" b="1">
+              <a:ea typeface="Droid Sans Fallback" panose="020B0502000000000001" charset="-122"/>
+              <a:sym typeface="+mn-ea"/>
+            </a:endParaRPr>
           </a:p>
           <a:p>
             <a:r>
@@ -7067,6 +7373,10 @@
               </a:rPr>
               <a:t>1 client and server</a:t>
             </a:r>
+            <a:endParaRPr lang="en-US" sz="2400" b="1">
+              <a:ea typeface="Droid Sans Fallback" panose="020B0502000000000001" charset="-122"/>
+              <a:sym typeface="+mn-ea"/>
+            </a:endParaRPr>
           </a:p>
         </p:txBody>
       </p:sp>
@@ -7117,7 +7427,7 @@
           <p:nvPr/>
         </p:nvPicPr>
         <p:blipFill>
-          <a:blip r:embed="rId2"/>
+          <a:blip r:embed="rId1"/>
           <a:stretch>
             <a:fillRect/>
           </a:stretch>
@@ -7325,6 +7635,9 @@
               </a:rPr>
               <a:t>I. OVERALL DESIGN</a:t>
             </a:r>
+            <a:endParaRPr lang="en-US" altLang="en-US" sz="2000" b="1">
+              <a:ea typeface="Droid Sans Fallback" panose="020B0502000000000001" charset="-122"/>
+            </a:endParaRPr>
           </a:p>
           <a:p>
             <a:r>
@@ -7482,6 +7795,17 @@
                 </a:rPr>
                 <a:t>Browser</a:t>
               </a:r>
+              <a:endParaRPr kumimoji="0" lang="en-US" altLang="en-US" sz="1800" b="0" i="0" u="none" strike="noStrike" cap="none" normalizeH="0" baseline="0" smtClean="0">
+                <a:ln>
+                  <a:noFill/>
+                </a:ln>
+                <a:solidFill>
+                  <a:schemeClr val="tx1"/>
+                </a:solidFill>
+                <a:effectLst/>
+                <a:latin typeface="Arial" panose="020B0604020202020204" pitchFamily="34" charset="0"/>
+                <a:ea typeface="Droid Sans Fallback" panose="020B0502000000000001" charset="-122"/>
+              </a:endParaRPr>
             </a:p>
           </p:txBody>
         </p:sp>
@@ -7545,6 +7869,17 @@
                 </a:rPr>
                 <a:t>Desktop App</a:t>
               </a:r>
+              <a:endParaRPr kumimoji="0" lang="en-US" altLang="en-US" sz="1800" b="0" i="0" u="none" strike="noStrike" cap="none" normalizeH="0" baseline="0" smtClean="0">
+                <a:ln>
+                  <a:noFill/>
+                </a:ln>
+                <a:solidFill>
+                  <a:schemeClr val="tx1"/>
+                </a:solidFill>
+                <a:effectLst/>
+                <a:latin typeface="Arial" panose="020B0604020202020204" pitchFamily="34" charset="0"/>
+                <a:ea typeface="Droid Sans Fallback" panose="020B0502000000000001" charset="-122"/>
+              </a:endParaRPr>
             </a:p>
           </p:txBody>
         </p:sp>
@@ -7632,6 +7967,17 @@
                 </a:rPr>
                 <a:t>Server</a:t>
               </a:r>
+              <a:endParaRPr kumimoji="0" lang="en-US" altLang="zh-CN" sz="3200" b="0" i="0" u="none" strike="noStrike" cap="none" normalizeH="0" baseline="0" smtClean="0">
+                <a:ln>
+                  <a:noFill/>
+                </a:ln>
+                <a:solidFill>
+                  <a:schemeClr val="bg1"/>
+                </a:solidFill>
+                <a:effectLst/>
+                <a:latin typeface="Arial" panose="020B0604020202020204" pitchFamily="34" charset="0"/>
+                <a:ea typeface="Droid Sans Fallback" panose="020B0502000000000001" charset="-122"/>
+              </a:endParaRPr>
             </a:p>
           </p:txBody>
         </p:sp>
@@ -7695,6 +8041,17 @@
                 </a:rPr>
                 <a:t>UDP</a:t>
               </a:r>
+              <a:endParaRPr kumimoji="0" lang="en-US" altLang="zh-CN" sz="1800" b="0" i="0" u="none" strike="noStrike" cap="none" normalizeH="0" baseline="0" smtClean="0">
+                <a:ln>
+                  <a:noFill/>
+                </a:ln>
+                <a:solidFill>
+                  <a:schemeClr val="tx1"/>
+                </a:solidFill>
+                <a:effectLst/>
+                <a:latin typeface="Arial" panose="020B0604020202020204" pitchFamily="34" charset="0"/>
+                <a:ea typeface="Droid Sans Fallback" panose="020B0502000000000001" charset="-122"/>
+              </a:endParaRPr>
             </a:p>
           </p:txBody>
         </p:sp>
@@ -7758,6 +8115,17 @@
                 </a:rPr>
                 <a:t>TCP</a:t>
               </a:r>
+              <a:endParaRPr kumimoji="0" lang="en-US" altLang="en-US" sz="1800" b="0" i="0" u="none" strike="noStrike" cap="none" normalizeH="0" baseline="0" smtClean="0">
+                <a:ln>
+                  <a:noFill/>
+                </a:ln>
+                <a:solidFill>
+                  <a:schemeClr val="tx1"/>
+                </a:solidFill>
+                <a:effectLst/>
+                <a:latin typeface="Arial" panose="020B0604020202020204" pitchFamily="34" charset="0"/>
+                <a:ea typeface="Droid Sans Fallback" panose="020B0502000000000001" charset="-122"/>
+              </a:endParaRPr>
             </a:p>
           </p:txBody>
         </p:sp>
@@ -7829,6 +8197,17 @@
                 </a:rPr>
                 <a:t>HTTP</a:t>
               </a:r>
+              <a:endParaRPr kumimoji="0" lang="en-US" altLang="zh-CN" sz="1800" b="0" i="0" u="none" strike="noStrike" cap="none" normalizeH="0" baseline="0" smtClean="0">
+                <a:ln>
+                  <a:noFill/>
+                </a:ln>
+                <a:solidFill>
+                  <a:schemeClr val="tx1"/>
+                </a:solidFill>
+                <a:effectLst/>
+                <a:latin typeface="Arial" panose="020B0604020202020204" pitchFamily="34" charset="0"/>
+                <a:ea typeface="Droid Sans Fallback" panose="020B0502000000000001" charset="-122"/>
+              </a:endParaRPr>
             </a:p>
           </p:txBody>
         </p:sp>
@@ -8029,6 +8408,17 @@
               </a:rPr>
               <a:t>- Admin:  </a:t>
             </a:r>
+            <a:endParaRPr kumimoji="0" lang="en-US" altLang="zh-CN" sz="1800" b="0" i="0" u="none" strike="noStrike" cap="none" normalizeH="0" baseline="0" smtClean="0">
+              <a:ln>
+                <a:noFill/>
+              </a:ln>
+              <a:solidFill>
+                <a:schemeClr val="tx1"/>
+              </a:solidFill>
+              <a:effectLst/>
+              <a:latin typeface="Arial" panose="020B0604020202020204" pitchFamily="34" charset="0"/>
+              <a:ea typeface="Droid Sans Fallback" panose="020B0502000000000001" charset="-122"/>
+            </a:endParaRPr>
           </a:p>
           <a:p>
             <a:pPr marL="0" marR="0" indent="0" algn="l" defTabSz="914400" rtl="0" eaLnBrk="1" fontAlgn="base" latinLnBrk="0" hangingPunct="1">
@@ -8060,6 +8450,17 @@
               </a:rPr>
               <a:t>   + Config, start/stop/</a:t>
             </a:r>
+            <a:endParaRPr kumimoji="0" lang="en-US" altLang="zh-CN" sz="1800" b="0" i="0" u="none" strike="noStrike" cap="none" normalizeH="0" baseline="0" smtClean="0">
+              <a:ln>
+                <a:noFill/>
+              </a:ln>
+              <a:solidFill>
+                <a:schemeClr val="tx1"/>
+              </a:solidFill>
+              <a:effectLst/>
+              <a:latin typeface="Arial" panose="020B0604020202020204" pitchFamily="34" charset="0"/>
+              <a:ea typeface="Droid Sans Fallback" panose="020B0502000000000001" charset="-122"/>
+            </a:endParaRPr>
           </a:p>
           <a:p>
             <a:pPr marL="0" marR="0" indent="0" algn="l" defTabSz="914400" rtl="0" eaLnBrk="1" fontAlgn="base" latinLnBrk="0" hangingPunct="1">
@@ -8091,6 +8492,17 @@
               </a:rPr>
               <a:t>monitor server.</a:t>
             </a:r>
+            <a:endParaRPr kumimoji="0" lang="en-US" altLang="zh-CN" sz="1800" b="0" i="0" u="none" strike="noStrike" cap="none" normalizeH="0" baseline="0" smtClean="0">
+              <a:ln>
+                <a:noFill/>
+              </a:ln>
+              <a:solidFill>
+                <a:schemeClr val="tx1"/>
+              </a:solidFill>
+              <a:effectLst/>
+              <a:latin typeface="Arial" panose="020B0604020202020204" pitchFamily="34" charset="0"/>
+              <a:ea typeface="Droid Sans Fallback" panose="020B0502000000000001" charset="-122"/>
+            </a:endParaRPr>
           </a:p>
           <a:p>
             <a:pPr marL="0" marR="0" indent="0" algn="l" defTabSz="914400" rtl="0" eaLnBrk="1" fontAlgn="base" latinLnBrk="0" hangingPunct="1">
@@ -8122,6 +8534,17 @@
               </a:rPr>
               <a:t>   + Create participant</a:t>
             </a:r>
+            <a:endParaRPr kumimoji="0" lang="en-US" altLang="zh-CN" sz="1800" b="0" i="0" u="none" strike="noStrike" cap="none" normalizeH="0" baseline="0" smtClean="0">
+              <a:ln>
+                <a:noFill/>
+              </a:ln>
+              <a:solidFill>
+                <a:schemeClr val="tx1"/>
+              </a:solidFill>
+              <a:effectLst/>
+              <a:latin typeface="Arial" panose="020B0604020202020204" pitchFamily="34" charset="0"/>
+              <a:ea typeface="Droid Sans Fallback" panose="020B0502000000000001" charset="-122"/>
+            </a:endParaRPr>
           </a:p>
           <a:p>
             <a:pPr marL="0" marR="0" indent="0" algn="l" defTabSz="914400" rtl="0" eaLnBrk="1" fontAlgn="base" latinLnBrk="0" hangingPunct="1">
@@ -8153,6 +8576,17 @@
               </a:rPr>
               <a:t>accounts</a:t>
             </a:r>
+            <a:endParaRPr kumimoji="0" lang="en-US" altLang="zh-CN" sz="1800" b="0" i="0" u="none" strike="noStrike" cap="none" normalizeH="0" baseline="0" smtClean="0">
+              <a:ln>
+                <a:noFill/>
+              </a:ln>
+              <a:solidFill>
+                <a:schemeClr val="tx1"/>
+              </a:solidFill>
+              <a:effectLst/>
+              <a:latin typeface="Arial" panose="020B0604020202020204" pitchFamily="34" charset="0"/>
+              <a:ea typeface="Droid Sans Fallback" panose="020B0502000000000001" charset="-122"/>
+            </a:endParaRPr>
           </a:p>
           <a:p>
             <a:pPr marL="0" marR="0" indent="0" algn="l" defTabSz="914400" rtl="0" eaLnBrk="1" fontAlgn="base" latinLnBrk="0" hangingPunct="1">
@@ -8184,6 +8618,17 @@
               </a:rPr>
               <a:t>   + Hold a conference.</a:t>
             </a:r>
+            <a:endParaRPr kumimoji="0" lang="en-US" altLang="zh-CN" sz="1800" b="0" i="0" u="none" strike="noStrike" cap="none" normalizeH="0" baseline="0" smtClean="0">
+              <a:ln>
+                <a:noFill/>
+              </a:ln>
+              <a:solidFill>
+                <a:schemeClr val="tx1"/>
+              </a:solidFill>
+              <a:effectLst/>
+              <a:latin typeface="Arial" panose="020B0604020202020204" pitchFamily="34" charset="0"/>
+              <a:ea typeface="Droid Sans Fallback" panose="020B0502000000000001" charset="-122"/>
+            </a:endParaRPr>
           </a:p>
           <a:p>
             <a:pPr marL="0" marR="0" indent="0" algn="l" defTabSz="914400" rtl="0" eaLnBrk="1" fontAlgn="base" latinLnBrk="0" hangingPunct="1">
@@ -8215,6 +8660,17 @@
               </a:rPr>
               <a:t>- Participant</a:t>
             </a:r>
+            <a:endParaRPr kumimoji="0" lang="en-US" altLang="zh-CN" sz="1800" b="0" i="0" u="none" strike="noStrike" cap="none" normalizeH="0" baseline="0" smtClean="0">
+              <a:ln>
+                <a:noFill/>
+              </a:ln>
+              <a:solidFill>
+                <a:schemeClr val="tx1"/>
+              </a:solidFill>
+              <a:effectLst/>
+              <a:latin typeface="Arial" panose="020B0604020202020204" pitchFamily="34" charset="0"/>
+              <a:ea typeface="Droid Sans Fallback" panose="020B0502000000000001" charset="-122"/>
+            </a:endParaRPr>
           </a:p>
           <a:p>
             <a:pPr marL="0" marR="0" indent="0" algn="l" defTabSz="914400" rtl="0" eaLnBrk="1" fontAlgn="base" latinLnBrk="0" hangingPunct="1">
@@ -8246,6 +8702,17 @@
               </a:rPr>
               <a:t>   + Download config </a:t>
             </a:r>
+            <a:endParaRPr kumimoji="0" lang="en-US" altLang="zh-CN" sz="1800" b="0" i="0" u="none" strike="noStrike" cap="none" normalizeH="0" baseline="0" smtClean="0">
+              <a:ln>
+                <a:noFill/>
+              </a:ln>
+              <a:solidFill>
+                <a:schemeClr val="tx1"/>
+              </a:solidFill>
+              <a:effectLst/>
+              <a:latin typeface="Arial" panose="020B0604020202020204" pitchFamily="34" charset="0"/>
+              <a:ea typeface="Droid Sans Fallback" panose="020B0502000000000001" charset="-122"/>
+            </a:endParaRPr>
           </a:p>
           <a:p>
             <a:pPr marL="0" marR="0" indent="0" algn="l" defTabSz="914400" rtl="0" eaLnBrk="1" fontAlgn="base" latinLnBrk="0" hangingPunct="1">
@@ -8277,6 +8744,17 @@
               </a:rPr>
               <a:t>file, secure key...</a:t>
             </a:r>
+            <a:endParaRPr kumimoji="0" lang="en-US" altLang="zh-CN" sz="1800" b="0" i="0" u="none" strike="noStrike" cap="none" normalizeH="0" baseline="0" smtClean="0">
+              <a:ln>
+                <a:noFill/>
+              </a:ln>
+              <a:solidFill>
+                <a:schemeClr val="tx1"/>
+              </a:solidFill>
+              <a:effectLst/>
+              <a:latin typeface="Arial" panose="020B0604020202020204" pitchFamily="34" charset="0"/>
+              <a:ea typeface="Droid Sans Fallback" panose="020B0502000000000001" charset="-122"/>
+            </a:endParaRPr>
           </a:p>
         </p:txBody>
       </p:sp>
@@ -8426,6 +8904,17 @@
               </a:rPr>
               <a:t>Transfer images </a:t>
             </a:r>
+            <a:endParaRPr kumimoji="0" lang="en-US" altLang="en-US" sz="1800" b="0" i="0" u="none" strike="noStrike" cap="none" normalizeH="0" baseline="0" smtClean="0">
+              <a:ln>
+                <a:noFill/>
+              </a:ln>
+              <a:solidFill>
+                <a:schemeClr val="tx1"/>
+              </a:solidFill>
+              <a:effectLst/>
+              <a:latin typeface="Arial" panose="020B0604020202020204" pitchFamily="34" charset="0"/>
+              <a:ea typeface="Droid Sans Fallback" panose="020B0502000000000001" charset="-122"/>
+            </a:endParaRPr>
           </a:p>
           <a:p>
             <a:pPr marL="0" marR="0" indent="0" algn="l" defTabSz="914400" rtl="0" eaLnBrk="1" fontAlgn="base" latinLnBrk="0" hangingPunct="1">
@@ -8457,6 +8946,17 @@
               </a:rPr>
               <a:t>and audio</a:t>
             </a:r>
+            <a:endParaRPr kumimoji="0" lang="en-US" altLang="en-US" sz="1800" b="0" i="0" u="none" strike="noStrike" cap="none" normalizeH="0" baseline="0" smtClean="0">
+              <a:ln>
+                <a:noFill/>
+              </a:ln>
+              <a:solidFill>
+                <a:schemeClr val="tx1"/>
+              </a:solidFill>
+              <a:effectLst/>
+              <a:latin typeface="Arial" panose="020B0604020202020204" pitchFamily="34" charset="0"/>
+              <a:ea typeface="Droid Sans Fallback" panose="020B0502000000000001" charset="-122"/>
+            </a:endParaRPr>
           </a:p>
           <a:p>
             <a:pPr marL="0" marR="0" indent="0" algn="l" defTabSz="914400" rtl="0" eaLnBrk="1" fontAlgn="base" latinLnBrk="0" hangingPunct="1">
@@ -8488,6 +8988,17 @@
               </a:rPr>
               <a:t>- Control the transmisson</a:t>
             </a:r>
+            <a:endParaRPr kumimoji="0" lang="en-US" altLang="en-US" sz="1800" b="0" i="0" u="none" strike="noStrike" cap="none" normalizeH="0" baseline="0" smtClean="0">
+              <a:ln>
+                <a:noFill/>
+              </a:ln>
+              <a:solidFill>
+                <a:schemeClr val="tx1"/>
+              </a:solidFill>
+              <a:effectLst/>
+              <a:latin typeface="Arial" panose="020B0604020202020204" pitchFamily="34" charset="0"/>
+              <a:ea typeface="Droid Sans Fallback" panose="020B0502000000000001" charset="-122"/>
+            </a:endParaRPr>
           </a:p>
           <a:p>
             <a:pPr marL="0" marR="0" indent="0" algn="l" defTabSz="914400" rtl="0" eaLnBrk="1" fontAlgn="base" latinLnBrk="0" hangingPunct="1">
@@ -8519,6 +9030,17 @@
               </a:rPr>
               <a:t>(transmission mode,</a:t>
             </a:r>
+            <a:endParaRPr kumimoji="0" lang="en-US" altLang="en-US" sz="1800" b="0" i="0" u="none" strike="noStrike" cap="none" normalizeH="0" baseline="0" smtClean="0">
+              <a:ln>
+                <a:noFill/>
+              </a:ln>
+              <a:solidFill>
+                <a:schemeClr val="tx1"/>
+              </a:solidFill>
+              <a:effectLst/>
+              <a:latin typeface="Arial" panose="020B0604020202020204" pitchFamily="34" charset="0"/>
+              <a:ea typeface="Droid Sans Fallback" panose="020B0502000000000001" charset="-122"/>
+            </a:endParaRPr>
           </a:p>
           <a:p>
             <a:pPr marL="0" marR="0" indent="0" algn="l" defTabSz="914400" rtl="0" eaLnBrk="1" fontAlgn="base" latinLnBrk="0" hangingPunct="1">
@@ -8550,6 +9072,17 @@
               </a:rPr>
               <a:t>quality, speed)</a:t>
             </a:r>
+            <a:endParaRPr kumimoji="0" lang="en-US" altLang="en-US" sz="1800" b="0" i="0" u="none" strike="noStrike" cap="none" normalizeH="0" baseline="0" smtClean="0">
+              <a:ln>
+                <a:noFill/>
+              </a:ln>
+              <a:solidFill>
+                <a:schemeClr val="tx1"/>
+              </a:solidFill>
+              <a:effectLst/>
+              <a:latin typeface="Arial" panose="020B0604020202020204" pitchFamily="34" charset="0"/>
+              <a:ea typeface="Droid Sans Fallback" panose="020B0502000000000001" charset="-122"/>
+            </a:endParaRPr>
           </a:p>
         </p:txBody>
       </p:sp>
@@ -8606,6 +9139,9 @@
               </a:rPr>
               <a:t>How a conference is held?</a:t>
             </a:r>
+            <a:endParaRPr lang="en-US" altLang="en-US" sz="2400" b="1">
+              <a:ea typeface="Droid Sans Fallback" panose="020B0502000000000001" charset="-122"/>
+            </a:endParaRPr>
           </a:p>
         </p:txBody>
       </p:sp>
@@ -8673,6 +9209,19 @@
               </a:rPr>
               <a:t>(1)</a:t>
             </a:r>
+            <a:endParaRPr kumimoji="0" lang="en-US" altLang="zh-CN" sz="1800" b="1" i="0" u="none" strike="noStrike" cap="none" normalizeH="0" baseline="0" smtClean="0">
+              <a:ln>
+                <a:noFill/>
+              </a:ln>
+              <a:solidFill>
+                <a:schemeClr val="accent3">
+                  <a:lumMod val="95000"/>
+                </a:schemeClr>
+              </a:solidFill>
+              <a:effectLst/>
+              <a:latin typeface="Arial" panose="020B0604020202020204" pitchFamily="34" charset="0"/>
+              <a:ea typeface="Droid Sans Fallback" panose="020B0502000000000001" charset="-122"/>
+            </a:endParaRPr>
           </a:p>
           <a:p>
             <a:pPr marL="0" marR="0" indent="0" algn="l" defTabSz="914400" rtl="0" eaLnBrk="1" fontAlgn="base" latinLnBrk="0" hangingPunct="1">
@@ -8706,6 +9255,19 @@
               </a:rPr>
               <a:t>Admin login into</a:t>
             </a:r>
+            <a:endParaRPr kumimoji="0" lang="en-US" altLang="zh-CN" sz="1800" b="1" i="0" u="none" strike="noStrike" cap="none" normalizeH="0" baseline="0" smtClean="0">
+              <a:ln>
+                <a:noFill/>
+              </a:ln>
+              <a:solidFill>
+                <a:schemeClr val="accent3">
+                  <a:lumMod val="95000"/>
+                </a:schemeClr>
+              </a:solidFill>
+              <a:effectLst/>
+              <a:latin typeface="Arial" panose="020B0604020202020204" pitchFamily="34" charset="0"/>
+              <a:ea typeface="Droid Sans Fallback" panose="020B0502000000000001" charset="-122"/>
+            </a:endParaRPr>
           </a:p>
           <a:p>
             <a:pPr marL="0" marR="0" indent="0" algn="l" defTabSz="914400" rtl="0" eaLnBrk="1" fontAlgn="base" latinLnBrk="0" hangingPunct="1">
@@ -8739,6 +9301,19 @@
               </a:rPr>
               <a:t>webpage and create</a:t>
             </a:r>
+            <a:endParaRPr kumimoji="0" lang="en-US" altLang="zh-CN" sz="1800" b="1" i="0" u="none" strike="noStrike" cap="none" normalizeH="0" baseline="0" smtClean="0">
+              <a:ln>
+                <a:noFill/>
+              </a:ln>
+              <a:solidFill>
+                <a:schemeClr val="accent3">
+                  <a:lumMod val="95000"/>
+                </a:schemeClr>
+              </a:solidFill>
+              <a:effectLst/>
+              <a:latin typeface="Arial" panose="020B0604020202020204" pitchFamily="34" charset="0"/>
+              <a:ea typeface="Droid Sans Fallback" panose="020B0502000000000001" charset="-122"/>
+            </a:endParaRPr>
           </a:p>
           <a:p>
             <a:pPr marL="0" marR="0" indent="0" algn="l" defTabSz="914400" rtl="0" eaLnBrk="1" fontAlgn="base" latinLnBrk="0" hangingPunct="1">
@@ -8772,6 +9347,19 @@
               </a:rPr>
               <a:t>a conference</a:t>
             </a:r>
+            <a:endParaRPr kumimoji="0" lang="en-US" altLang="zh-CN" sz="1800" b="1" i="0" u="none" strike="noStrike" cap="none" normalizeH="0" baseline="0" smtClean="0">
+              <a:ln>
+                <a:noFill/>
+              </a:ln>
+              <a:solidFill>
+                <a:schemeClr val="accent3">
+                  <a:lumMod val="95000"/>
+                </a:schemeClr>
+              </a:solidFill>
+              <a:effectLst/>
+              <a:latin typeface="Arial" panose="020B0604020202020204" pitchFamily="34" charset="0"/>
+              <a:ea typeface="Droid Sans Fallback" panose="020B0502000000000001" charset="-122"/>
+            </a:endParaRPr>
           </a:p>
         </p:txBody>
       </p:sp>
@@ -8839,6 +9427,19 @@
               </a:rPr>
               <a:t>(2)</a:t>
             </a:r>
+            <a:endParaRPr kumimoji="0" lang="en-US" altLang="en-US" sz="1800" b="1" i="0" u="none" strike="noStrike" cap="none" normalizeH="0" baseline="0" smtClean="0">
+              <a:ln>
+                <a:noFill/>
+              </a:ln>
+              <a:solidFill>
+                <a:schemeClr val="accent3">
+                  <a:lumMod val="95000"/>
+                </a:schemeClr>
+              </a:solidFill>
+              <a:effectLst/>
+              <a:latin typeface="Arial" panose="020B0604020202020204" pitchFamily="34" charset="0"/>
+              <a:ea typeface="Droid Sans Fallback" panose="020B0502000000000001" charset="-122"/>
+            </a:endParaRPr>
           </a:p>
           <a:p>
             <a:pPr marL="0" marR="0" indent="0" algn="l" defTabSz="914400" rtl="0" eaLnBrk="1" fontAlgn="base" latinLnBrk="0" hangingPunct="1">
@@ -8872,6 +9473,19 @@
               </a:rPr>
               <a:t>Participate login </a:t>
             </a:r>
+            <a:endParaRPr kumimoji="0" lang="en-US" altLang="en-US" sz="1800" b="1" i="0" u="none" strike="noStrike" cap="none" normalizeH="0" baseline="0" smtClean="0">
+              <a:ln>
+                <a:noFill/>
+              </a:ln>
+              <a:solidFill>
+                <a:schemeClr val="accent3">
+                  <a:lumMod val="95000"/>
+                </a:schemeClr>
+              </a:solidFill>
+              <a:effectLst/>
+              <a:latin typeface="Arial" panose="020B0604020202020204" pitchFamily="34" charset="0"/>
+              <a:ea typeface="Droid Sans Fallback" panose="020B0502000000000001" charset="-122"/>
+            </a:endParaRPr>
           </a:p>
           <a:p>
             <a:pPr marL="0" marR="0" indent="0" algn="l" defTabSz="914400" rtl="0" eaLnBrk="1" fontAlgn="base" latinLnBrk="0" hangingPunct="1">
@@ -8905,6 +9519,19 @@
               </a:rPr>
               <a:t>into webpage </a:t>
             </a:r>
+            <a:endParaRPr kumimoji="0" lang="en-US" altLang="en-US" sz="1800" b="1" i="0" u="none" strike="noStrike" cap="none" normalizeH="0" baseline="0" smtClean="0">
+              <a:ln>
+                <a:noFill/>
+              </a:ln>
+              <a:solidFill>
+                <a:schemeClr val="accent3">
+                  <a:lumMod val="95000"/>
+                </a:schemeClr>
+              </a:solidFill>
+              <a:effectLst/>
+              <a:latin typeface="Arial" panose="020B0604020202020204" pitchFamily="34" charset="0"/>
+              <a:ea typeface="Droid Sans Fallback" panose="020B0502000000000001" charset="-122"/>
+            </a:endParaRPr>
           </a:p>
           <a:p>
             <a:pPr marL="0" marR="0" indent="0" algn="l" defTabSz="914400" rtl="0" eaLnBrk="1" fontAlgn="base" latinLnBrk="0" hangingPunct="1">
@@ -8938,6 +9565,19 @@
               </a:rPr>
               <a:t>and download the</a:t>
             </a:r>
+            <a:endParaRPr kumimoji="0" lang="en-US" altLang="en-US" sz="1800" b="1" i="0" u="none" strike="noStrike" cap="none" normalizeH="0" baseline="0" smtClean="0">
+              <a:ln>
+                <a:noFill/>
+              </a:ln>
+              <a:solidFill>
+                <a:schemeClr val="accent3">
+                  <a:lumMod val="95000"/>
+                </a:schemeClr>
+              </a:solidFill>
+              <a:effectLst/>
+              <a:latin typeface="Arial" panose="020B0604020202020204" pitchFamily="34" charset="0"/>
+              <a:ea typeface="Droid Sans Fallback" panose="020B0502000000000001" charset="-122"/>
+            </a:endParaRPr>
           </a:p>
           <a:p>
             <a:pPr marL="0" marR="0" indent="0" algn="l" defTabSz="914400" rtl="0" eaLnBrk="1" fontAlgn="base" latinLnBrk="0" hangingPunct="1">
@@ -8971,6 +9611,19 @@
               </a:rPr>
               <a:t>config file for</a:t>
             </a:r>
+            <a:endParaRPr kumimoji="0" lang="en-US" altLang="en-US" sz="1800" b="1" i="0" u="none" strike="noStrike" cap="none" normalizeH="0" baseline="0" smtClean="0">
+              <a:ln>
+                <a:noFill/>
+              </a:ln>
+              <a:solidFill>
+                <a:schemeClr val="accent3">
+                  <a:lumMod val="95000"/>
+                </a:schemeClr>
+              </a:solidFill>
+              <a:effectLst/>
+              <a:latin typeface="Arial" panose="020B0604020202020204" pitchFamily="34" charset="0"/>
+              <a:ea typeface="Droid Sans Fallback" panose="020B0502000000000001" charset="-122"/>
+            </a:endParaRPr>
           </a:p>
           <a:p>
             <a:pPr marL="0" marR="0" indent="0" algn="l" defTabSz="914400" rtl="0" eaLnBrk="1" fontAlgn="base" latinLnBrk="0" hangingPunct="1">
@@ -9004,6 +9657,19 @@
               </a:rPr>
               <a:t>created conference</a:t>
             </a:r>
+            <a:endParaRPr kumimoji="0" lang="en-US" altLang="en-US" sz="1800" b="1" i="0" u="none" strike="noStrike" cap="none" normalizeH="0" baseline="0" smtClean="0">
+              <a:ln>
+                <a:noFill/>
+              </a:ln>
+              <a:solidFill>
+                <a:schemeClr val="accent3">
+                  <a:lumMod val="95000"/>
+                </a:schemeClr>
+              </a:solidFill>
+              <a:effectLst/>
+              <a:latin typeface="Arial" panose="020B0604020202020204" pitchFamily="34" charset="0"/>
+              <a:ea typeface="Droid Sans Fallback" panose="020B0502000000000001" charset="-122"/>
+            </a:endParaRPr>
           </a:p>
         </p:txBody>
       </p:sp>
@@ -9071,6 +9737,19 @@
               </a:rPr>
               <a:t>(3)</a:t>
             </a:r>
+            <a:endParaRPr kumimoji="0" lang="en-US" altLang="en-US" sz="1800" b="1" i="0" u="none" strike="noStrike" cap="none" normalizeH="0" baseline="0" smtClean="0">
+              <a:ln>
+                <a:noFill/>
+              </a:ln>
+              <a:solidFill>
+                <a:schemeClr val="accent3">
+                  <a:lumMod val="95000"/>
+                </a:schemeClr>
+              </a:solidFill>
+              <a:effectLst/>
+              <a:latin typeface="Arial" panose="020B0604020202020204" pitchFamily="34" charset="0"/>
+              <a:ea typeface="Droid Sans Fallback" panose="020B0502000000000001" charset="-122"/>
+            </a:endParaRPr>
           </a:p>
           <a:p>
             <a:pPr marL="0" marR="0" indent="0" algn="l" defTabSz="914400" rtl="0" eaLnBrk="1" fontAlgn="base" latinLnBrk="0" hangingPunct="1">
@@ -9104,6 +9783,19 @@
               </a:rPr>
               <a:t>Participate import</a:t>
             </a:r>
+            <a:endParaRPr kumimoji="0" lang="en-US" altLang="en-US" sz="1800" b="1" i="0" u="none" strike="noStrike" cap="none" normalizeH="0" baseline="0" smtClean="0">
+              <a:ln>
+                <a:noFill/>
+              </a:ln>
+              <a:solidFill>
+                <a:schemeClr val="accent3">
+                  <a:lumMod val="95000"/>
+                </a:schemeClr>
+              </a:solidFill>
+              <a:effectLst/>
+              <a:latin typeface="Arial" panose="020B0604020202020204" pitchFamily="34" charset="0"/>
+              <a:ea typeface="Droid Sans Fallback" panose="020B0502000000000001" charset="-122"/>
+            </a:endParaRPr>
           </a:p>
           <a:p>
             <a:pPr marL="0" marR="0" indent="0" algn="l" defTabSz="914400" rtl="0" eaLnBrk="1" fontAlgn="base" latinLnBrk="0" hangingPunct="1">
@@ -9137,6 +9829,19 @@
               </a:rPr>
               <a:t>config file into desktop</a:t>
             </a:r>
+            <a:endParaRPr kumimoji="0" lang="en-US" altLang="en-US" sz="1800" b="1" i="0" u="none" strike="noStrike" cap="none" normalizeH="0" baseline="0" smtClean="0">
+              <a:ln>
+                <a:noFill/>
+              </a:ln>
+              <a:solidFill>
+                <a:schemeClr val="accent3">
+                  <a:lumMod val="95000"/>
+                </a:schemeClr>
+              </a:solidFill>
+              <a:effectLst/>
+              <a:latin typeface="Arial" panose="020B0604020202020204" pitchFamily="34" charset="0"/>
+              <a:ea typeface="Droid Sans Fallback" panose="020B0502000000000001" charset="-122"/>
+            </a:endParaRPr>
           </a:p>
           <a:p>
             <a:pPr marL="0" marR="0" indent="0" algn="l" defTabSz="914400" rtl="0" eaLnBrk="1" fontAlgn="base" latinLnBrk="0" hangingPunct="1">
@@ -9170,6 +9875,19 @@
               </a:rPr>
               <a:t>application and join</a:t>
             </a:r>
+            <a:endParaRPr kumimoji="0" lang="en-US" altLang="en-US" sz="1800" b="1" i="0" u="none" strike="noStrike" cap="none" normalizeH="0" baseline="0" smtClean="0">
+              <a:ln>
+                <a:noFill/>
+              </a:ln>
+              <a:solidFill>
+                <a:schemeClr val="accent3">
+                  <a:lumMod val="95000"/>
+                </a:schemeClr>
+              </a:solidFill>
+              <a:effectLst/>
+              <a:latin typeface="Arial" panose="020B0604020202020204" pitchFamily="34" charset="0"/>
+              <a:ea typeface="Droid Sans Fallback" panose="020B0502000000000001" charset="-122"/>
+            </a:endParaRPr>
           </a:p>
           <a:p>
             <a:pPr marL="0" marR="0" indent="0" algn="l" defTabSz="914400" rtl="0" eaLnBrk="1" fontAlgn="base" latinLnBrk="0" hangingPunct="1">
@@ -9203,6 +9921,19 @@
               </a:rPr>
               <a:t>the conference</a:t>
             </a:r>
+            <a:endParaRPr kumimoji="0" lang="en-US" altLang="en-US" sz="1800" b="1" i="0" u="none" strike="noStrike" cap="none" normalizeH="0" baseline="0" smtClean="0">
+              <a:ln>
+                <a:noFill/>
+              </a:ln>
+              <a:solidFill>
+                <a:schemeClr val="accent3">
+                  <a:lumMod val="95000"/>
+                </a:schemeClr>
+              </a:solidFill>
+              <a:effectLst/>
+              <a:latin typeface="Arial" panose="020B0604020202020204" pitchFamily="34" charset="0"/>
+              <a:ea typeface="Droid Sans Fallback" panose="020B0502000000000001" charset="-122"/>
+            </a:endParaRPr>
           </a:p>
         </p:txBody>
       </p:sp>
@@ -9374,6 +10105,9 @@
               </a:rPr>
               <a:t>I. OVERALL DESIGN</a:t>
             </a:r>
+            <a:endParaRPr lang="en-US" altLang="en-US" sz="2000" b="1">
+              <a:ea typeface="Droid Sans Fallback" panose="020B0502000000000001" charset="-122"/>
+            </a:endParaRPr>
           </a:p>
         </p:txBody>
       </p:sp>
@@ -9431,6 +10165,10 @@
               </a:rPr>
               <a:t>II. STREAMING</a:t>
             </a:r>
+            <a:endParaRPr lang="en-US" altLang="en-US" sz="5400" b="1">
+              <a:ea typeface="Droid Sans Fallback" panose="020B0502000000000001" charset="-122"/>
+              <a:sym typeface="+mn-ea"/>
+            </a:endParaRPr>
           </a:p>
           <a:p>
             <a:r>
@@ -9440,6 +10178,10 @@
               </a:rPr>
               <a:t>PROTOCOL DESIGN</a:t>
             </a:r>
+            <a:endParaRPr lang="en-US" altLang="en-US" sz="5400" b="1">
+              <a:ea typeface="Droid Sans Fallback" panose="020B0502000000000001" charset="-122"/>
+              <a:sym typeface="+mn-ea"/>
+            </a:endParaRPr>
           </a:p>
         </p:txBody>
       </p:sp>
@@ -9507,6 +10249,19 @@
               </a:rPr>
               <a:t>Import config to app</a:t>
             </a:r>
+            <a:endParaRPr kumimoji="0" lang="en-US" altLang="en-US" sz="1800" b="1" i="0" u="none" strike="noStrike" cap="none" normalizeH="0" baseline="0" smtClean="0">
+              <a:ln>
+                <a:noFill/>
+              </a:ln>
+              <a:solidFill>
+                <a:schemeClr val="accent3">
+                  <a:lumMod val="95000"/>
+                </a:schemeClr>
+              </a:solidFill>
+              <a:effectLst/>
+              <a:latin typeface="Arial" panose="020B0604020202020204" pitchFamily="34" charset="0"/>
+              <a:ea typeface="Droid Sans Fallback" panose="020B0502000000000001" charset="-122"/>
+            </a:endParaRPr>
           </a:p>
           <a:p>
             <a:pPr marL="0" marR="0" indent="0" algn="l" defTabSz="914400" rtl="0" eaLnBrk="1" fontAlgn="base" latinLnBrk="0" hangingPunct="1">
@@ -9540,6 +10295,19 @@
               </a:rPr>
               <a:t>and Join the conference</a:t>
             </a:r>
+            <a:endParaRPr kumimoji="0" lang="en-US" altLang="en-US" sz="1800" b="1" i="0" u="none" strike="noStrike" cap="none" normalizeH="0" baseline="0" smtClean="0">
+              <a:ln>
+                <a:noFill/>
+              </a:ln>
+              <a:solidFill>
+                <a:schemeClr val="accent3">
+                  <a:lumMod val="95000"/>
+                </a:schemeClr>
+              </a:solidFill>
+              <a:effectLst/>
+              <a:latin typeface="Arial" panose="020B0604020202020204" pitchFamily="34" charset="0"/>
+              <a:ea typeface="Droid Sans Fallback" panose="020B0502000000000001" charset="-122"/>
+            </a:endParaRPr>
           </a:p>
         </p:txBody>
       </p:sp>
@@ -9607,6 +10375,19 @@
               </a:rPr>
               <a:t>Start streaming </a:t>
             </a:r>
+            <a:endParaRPr kumimoji="0" lang="en-US" altLang="en-US" sz="1800" b="1" i="0" u="none" strike="noStrike" cap="none" normalizeH="0" baseline="0" smtClean="0">
+              <a:ln>
+                <a:noFill/>
+              </a:ln>
+              <a:solidFill>
+                <a:schemeClr val="accent3">
+                  <a:lumMod val="95000"/>
+                </a:schemeClr>
+              </a:solidFill>
+              <a:effectLst/>
+              <a:latin typeface="Arial" panose="020B0604020202020204" pitchFamily="34" charset="0"/>
+              <a:ea typeface="Droid Sans Fallback" panose="020B0502000000000001" charset="-122"/>
+            </a:endParaRPr>
           </a:p>
           <a:p>
             <a:pPr marL="0" marR="0" indent="0" algn="l" defTabSz="914400" rtl="0" eaLnBrk="1" fontAlgn="base" latinLnBrk="0" hangingPunct="1">
@@ -9640,6 +10421,19 @@
               </a:rPr>
               <a:t>with the server</a:t>
             </a:r>
+            <a:endParaRPr kumimoji="0" lang="en-US" altLang="en-US" sz="1800" b="1" i="0" u="none" strike="noStrike" cap="none" normalizeH="0" baseline="0" smtClean="0">
+              <a:ln>
+                <a:noFill/>
+              </a:ln>
+              <a:solidFill>
+                <a:schemeClr val="accent3">
+                  <a:lumMod val="95000"/>
+                </a:schemeClr>
+              </a:solidFill>
+              <a:effectLst/>
+              <a:latin typeface="Arial" panose="020B0604020202020204" pitchFamily="34" charset="0"/>
+              <a:ea typeface="Droid Sans Fallback" panose="020B0502000000000001" charset="-122"/>
+            </a:endParaRPr>
           </a:p>
         </p:txBody>
       </p:sp>
@@ -9702,6 +10496,9 @@
               </a:rPr>
               <a:t>: byte code</a:t>
             </a:r>
+            <a:endParaRPr lang="en-US" altLang="en-US">
+              <a:ea typeface="Droid Sans Fallback" panose="020B0502000000000001" charset="-122"/>
+            </a:endParaRPr>
           </a:p>
         </p:txBody>
       </p:sp>
@@ -9765,6 +10562,17 @@
               </a:rPr>
               <a:t>HEADER - 16 bytes</a:t>
             </a:r>
+            <a:endParaRPr kumimoji="0" lang="en-US" altLang="zh-CN" sz="1800" b="0" i="0" u="none" strike="noStrike" cap="none" normalizeH="0" baseline="0" smtClean="0">
+              <a:ln>
+                <a:noFill/>
+              </a:ln>
+              <a:solidFill>
+                <a:schemeClr val="tx1"/>
+              </a:solidFill>
+              <a:effectLst/>
+              <a:latin typeface="Arial" panose="020B0604020202020204" pitchFamily="34" charset="0"/>
+              <a:ea typeface="Droid Sans Fallback" panose="020B0502000000000001" charset="-122"/>
+            </a:endParaRPr>
           </a:p>
         </p:txBody>
       </p:sp>
@@ -9828,6 +10636,17 @@
               </a:rPr>
               <a:t>PAYLOAD (DATA) - length is not specified</a:t>
             </a:r>
+            <a:endParaRPr kumimoji="0" lang="en-US" altLang="zh-CN" sz="1800" b="0" i="0" u="none" strike="noStrike" cap="none" normalizeH="0" baseline="0" smtClean="0">
+              <a:ln>
+                <a:noFill/>
+              </a:ln>
+              <a:solidFill>
+                <a:schemeClr val="tx1"/>
+              </a:solidFill>
+              <a:effectLst/>
+              <a:latin typeface="Arial" panose="020B0604020202020204" pitchFamily="34" charset="0"/>
+              <a:ea typeface="Droid Sans Fallback" panose="020B0502000000000001" charset="-122"/>
+            </a:endParaRPr>
           </a:p>
         </p:txBody>
       </p:sp>
@@ -10896,6 +11715,17 @@
               </a:rPr>
               <a:t>Message</a:t>
             </a:r>
+            <a:endParaRPr kumimoji="0" lang="en-US" altLang="zh-CN" sz="1800" b="0" i="0" u="none" strike="noStrike" cap="none" normalizeH="0" baseline="0" smtClean="0">
+              <a:ln>
+                <a:noFill/>
+              </a:ln>
+              <a:solidFill>
+                <a:schemeClr val="tx1"/>
+              </a:solidFill>
+              <a:effectLst/>
+              <a:latin typeface="Arial" panose="020B0604020202020204" pitchFamily="34" charset="0"/>
+              <a:ea typeface="Droid Sans Fallback" panose="020B0502000000000001" charset="-122"/>
+            </a:endParaRPr>
           </a:p>
         </p:txBody>
       </p:sp>
@@ -10965,6 +11795,17 @@
               </a:rPr>
               <a:t>ClientID: Id of participant</a:t>
             </a:r>
+            <a:endParaRPr kumimoji="0" lang="en-US" altLang="en-US" sz="1800" b="0" i="0" u="none" strike="noStrike" cap="none" normalizeH="0" baseline="0" smtClean="0">
+              <a:ln>
+                <a:noFill/>
+              </a:ln>
+              <a:solidFill>
+                <a:schemeClr val="tx1"/>
+              </a:solidFill>
+              <a:effectLst/>
+              <a:latin typeface="Arial" panose="020B0604020202020204" pitchFamily="34" charset="0"/>
+              <a:ea typeface="Droid Sans Fallback" panose="020B0502000000000001" charset="-122"/>
+            </a:endParaRPr>
           </a:p>
         </p:txBody>
       </p:sp>
@@ -11073,6 +11914,17 @@
               </a:rPr>
               <a:t>AuthCode: Authentication code for client</a:t>
             </a:r>
+            <a:endParaRPr kumimoji="0" lang="en-US" altLang="en-US" sz="1800" b="0" i="0" u="none" strike="noStrike" cap="none" normalizeH="0" baseline="0" smtClean="0">
+              <a:ln>
+                <a:noFill/>
+              </a:ln>
+              <a:solidFill>
+                <a:schemeClr val="tx1"/>
+              </a:solidFill>
+              <a:effectLst/>
+              <a:latin typeface="Arial" panose="020B0604020202020204" pitchFamily="34" charset="0"/>
+              <a:ea typeface="Droid Sans Fallback" panose="020B0502000000000001" charset="-122"/>
+            </a:endParaRPr>
           </a:p>
         </p:txBody>
       </p:sp>
@@ -11293,6 +12145,17 @@
               </a:rPr>
               <a:t>Other header data</a:t>
             </a:r>
+            <a:endParaRPr kumimoji="0" lang="en-US" altLang="en-US" sz="1800" b="0" i="0" u="none" strike="noStrike" cap="none" normalizeH="0" baseline="0" smtClean="0">
+              <a:ln>
+                <a:noFill/>
+              </a:ln>
+              <a:solidFill>
+                <a:schemeClr val="tx1"/>
+              </a:solidFill>
+              <a:effectLst/>
+              <a:latin typeface="Arial" panose="020B0604020202020204" pitchFamily="34" charset="0"/>
+              <a:ea typeface="Droid Sans Fallback" panose="020B0502000000000001" charset="-122"/>
+            </a:endParaRPr>
           </a:p>
         </p:txBody>
       </p:sp>
@@ -11739,6 +12602,17 @@
               </a:rPr>
               <a:t>The body of the packet</a:t>
             </a:r>
+            <a:endParaRPr kumimoji="0" lang="en-US" altLang="en-US" sz="1800" b="0" i="0" u="none" strike="noStrike" cap="none" normalizeH="0" baseline="0" smtClean="0">
+              <a:ln>
+                <a:noFill/>
+              </a:ln>
+              <a:solidFill>
+                <a:schemeClr val="tx1"/>
+              </a:solidFill>
+              <a:effectLst/>
+              <a:latin typeface="Arial" panose="020B0604020202020204" pitchFamily="34" charset="0"/>
+              <a:ea typeface="Droid Sans Fallback" panose="020B0502000000000001" charset="-122"/>
+            </a:endParaRPr>
           </a:p>
           <a:p>
             <a:pPr marL="0" marR="0" indent="0" algn="l" defTabSz="914400" rtl="0" eaLnBrk="1" fontAlgn="base" latinLnBrk="0" hangingPunct="1">
@@ -11770,6 +12644,17 @@
               </a:rPr>
               <a:t>This part can be available or not</a:t>
             </a:r>
+            <a:endParaRPr kumimoji="0" lang="en-US" altLang="en-US" sz="1800" b="0" i="0" u="none" strike="noStrike" cap="none" normalizeH="0" baseline="0" smtClean="0">
+              <a:ln>
+                <a:noFill/>
+              </a:ln>
+              <a:solidFill>
+                <a:schemeClr val="tx1"/>
+              </a:solidFill>
+              <a:effectLst/>
+              <a:latin typeface="Arial" panose="020B0604020202020204" pitchFamily="34" charset="0"/>
+              <a:ea typeface="Droid Sans Fallback" panose="020B0502000000000001" charset="-122"/>
+            </a:endParaRPr>
           </a:p>
         </p:txBody>
       </p:sp>
@@ -11982,6 +12867,9 @@
               </a:rPr>
               <a:t>II. STREAMING PROTOCOL DESIGN</a:t>
             </a:r>
+            <a:endParaRPr lang="en-US" altLang="en-US" sz="2000" b="1">
+              <a:ea typeface="Droid Sans Fallback" panose="020B0502000000000001" charset="-122"/>
+            </a:endParaRPr>
           </a:p>
           <a:p>
             <a:r>
@@ -11990,6 +12878,9 @@
               </a:rPr>
               <a:t>MESSAGE STRUCTURE</a:t>
             </a:r>
+            <a:endParaRPr lang="en-US" altLang="en-US" sz="2000">
+              <a:ea typeface="Droid Sans Fallback" panose="020B0502000000000001" charset="-122"/>
+            </a:endParaRPr>
           </a:p>
         </p:txBody>
       </p:sp>
@@ -12042,6 +12933,7 @@
               <a:rPr lang="en-US" altLang="en-US"/>
               <a:t>IMAGE STREAMING</a:t>
             </a:r>
+            <a:endParaRPr lang="en-US" altLang="en-US"/>
           </a:p>
         </p:txBody>
       </p:sp>
@@ -12213,6 +13105,9 @@
               </a:rPr>
               <a:t>II. STREAMING PROTOCOL DESIGN</a:t>
             </a:r>
+            <a:endParaRPr lang="en-US" altLang="en-US" sz="2000" b="1">
+              <a:ea typeface="Droid Sans Fallback" panose="020B0502000000000001" charset="-122"/>
+            </a:endParaRPr>
           </a:p>
           <a:p>
             <a:endParaRPr lang="en-US" altLang="en-US" sz="2000">
@@ -12414,6 +13309,9 @@
               </a:rPr>
               <a:t>II. STREAMING PROTOCOL DESIGN</a:t>
             </a:r>
+            <a:endParaRPr lang="en-US" altLang="en-US" sz="2000" b="1">
+              <a:ea typeface="Droid Sans Fallback" panose="020B0502000000000001" charset="-122"/>
+            </a:endParaRPr>
           </a:p>
           <a:p>
             <a:r>
@@ -12422,6 +13320,9 @@
               </a:rPr>
               <a:t>IMAGE STREAMING</a:t>
             </a:r>
+            <a:endParaRPr lang="en-US" altLang="en-US" sz="2000">
+              <a:ea typeface="Droid Sans Fallback" panose="020B0502000000000001" charset="-122"/>
+            </a:endParaRPr>
           </a:p>
         </p:txBody>
       </p:sp>
@@ -12460,6 +13361,9 @@
               </a:rPr>
               <a:t>: JPEG</a:t>
             </a:r>
+            <a:endParaRPr lang="en-US" altLang="en-US" sz="2000">
+              <a:ea typeface="Droid Sans Fallback" panose="020B0502000000000001" charset="-122"/>
+            </a:endParaRPr>
           </a:p>
           <a:p>
             <a:pPr algn="l"/>
@@ -12475,6 +13379,9 @@
               </a:rPr>
               <a:t>Sending JPEG continuously</a:t>
             </a:r>
+            <a:endParaRPr lang="en-US" altLang="en-US" sz="2000">
+              <a:ea typeface="Droid Sans Fallback" panose="020B0502000000000001" charset="-122"/>
+            </a:endParaRPr>
           </a:p>
           <a:p>
             <a:pPr algn="l"/>
@@ -12535,6 +13442,11 @@
               </a:rPr>
               <a:t>640 x 480 x 3 = 921600 bytes ~ 921 kilobytes. (1)</a:t>
             </a:r>
+            <a:endParaRPr lang="en-US" sz="2000" b="0">
+              <a:latin typeface="Arial" panose="020B0604020202020204" pitchFamily="34" charset="0"/>
+              <a:ea typeface="Droid Sans Fallback" panose="020B0502000000000001" charset="-122"/>
+              <a:cs typeface="Droid Sans Fallback" panose="020B0502000000000001" charset="-122"/>
+            </a:endParaRPr>
           </a:p>
           <a:p>
             <a:r>
@@ -12545,6 +13457,11 @@
               </a:rPr>
               <a:t>** Quality = 80 % - Size = 59192 bytes ~ 59 kilobytes. (2) </a:t>
             </a:r>
+            <a:endParaRPr lang="en-US" sz="2000" b="0">
+              <a:latin typeface="Arial" panose="020B0604020202020204" pitchFamily="34" charset="0"/>
+              <a:ea typeface="Droid Sans Fallback" panose="020B0502000000000001" charset="-122"/>
+              <a:cs typeface="Droid Sans Fallback" panose="020B0502000000000001" charset="-122"/>
+            </a:endParaRPr>
           </a:p>
           <a:p>
             <a:r>
@@ -12555,6 +13472,11 @@
               </a:rPr>
               <a:t>** Quality = 50 % - Size = 33507 bytes ~ 33 kilobytes. (3)</a:t>
             </a:r>
+            <a:endParaRPr lang="en-US" sz="2000" b="0">
+              <a:latin typeface="Arial" panose="020B0604020202020204" pitchFamily="34" charset="0"/>
+              <a:ea typeface="Droid Sans Fallback" panose="020B0502000000000001" charset="-122"/>
+              <a:cs typeface="Droid Sans Fallback" panose="020B0502000000000001" charset="-122"/>
+            </a:endParaRPr>
           </a:p>
           <a:p>
             <a:r>
@@ -12588,6 +13510,11 @@
               </a:rPr>
               <a:t> 320 x 240 x 3 = 230400 bytes ~ 230 kilobytes.</a:t>
             </a:r>
+            <a:endParaRPr lang="en-US" sz="2000" b="0">
+              <a:latin typeface="Arial" panose="020B0604020202020204" pitchFamily="34" charset="0"/>
+              <a:ea typeface="Droid Sans Fallback" panose="020B0502000000000001" charset="-122"/>
+              <a:cs typeface="Droid Sans Fallback" panose="020B0502000000000001" charset="-122"/>
+            </a:endParaRPr>
           </a:p>
           <a:p>
             <a:r>
@@ -12598,6 +13525,11 @@
               </a:rPr>
               <a:t>** Quality = 80 % - Size = 18282 bytes ~ 18 kilobytes. (5)</a:t>
             </a:r>
+            <a:endParaRPr lang="en-US" sz="2000" b="0">
+              <a:latin typeface="Arial" panose="020B0604020202020204" pitchFamily="34" charset="0"/>
+              <a:ea typeface="Droid Sans Fallback" panose="020B0502000000000001" charset="-122"/>
+              <a:cs typeface="Droid Sans Fallback" panose="020B0502000000000001" charset="-122"/>
+            </a:endParaRPr>
           </a:p>
           <a:p>
             <a:r>
@@ -12608,6 +13540,11 @@
               </a:rPr>
               <a:t>** Quality = 50 % - Size = 11070 bytes ~ 11 kilobytes. (6)</a:t>
             </a:r>
+            <a:endParaRPr lang="en-US" sz="2000" b="0">
+              <a:latin typeface="Arial" panose="020B0604020202020204" pitchFamily="34" charset="0"/>
+              <a:ea typeface="Droid Sans Fallback" panose="020B0502000000000001" charset="-122"/>
+              <a:cs typeface="Droid Sans Fallback" panose="020B0502000000000001" charset="-122"/>
+            </a:endParaRPr>
           </a:p>
           <a:p>
             <a:r>
@@ -12618,6 +13555,11 @@
               </a:rPr>
               <a:t>** Quality = 25 % - Size = 7503 bytes ~ 7 kilobytes. (7)</a:t>
             </a:r>
+            <a:endParaRPr lang="en-US" sz="2000" b="0">
+              <a:latin typeface="Arial" panose="020B0604020202020204" pitchFamily="34" charset="0"/>
+              <a:ea typeface="Droid Sans Fallback" panose="020B0502000000000001" charset="-122"/>
+              <a:cs typeface="Droid Sans Fallback" panose="020B0502000000000001" charset="-122"/>
+            </a:endParaRPr>
           </a:p>
         </p:txBody>
       </p:sp>
@@ -12649,6 +13591,9 @@
               </a:rPr>
               <a:t>Why JPEG? </a:t>
             </a:r>
+            <a:endParaRPr lang="en-US" altLang="en-US" sz="2400" b="1">
+              <a:ea typeface="Droid Sans Fallback" panose="020B0502000000000001" charset="-122"/>
+            </a:endParaRPr>
           </a:p>
           <a:p>
             <a:r>
@@ -12657,6 +13602,9 @@
               </a:rPr>
               <a:t>- Simple</a:t>
             </a:r>
+            <a:endParaRPr lang="en-US" altLang="en-US" sz="2400" b="1">
+              <a:ea typeface="Droid Sans Fallback" panose="020B0502000000000001" charset="-122"/>
+            </a:endParaRPr>
           </a:p>
           <a:p>
             <a:r>
@@ -12671,6 +13619,9 @@
               </a:rPr>
               <a:t> </a:t>
             </a:r>
+            <a:endParaRPr lang="en-US" altLang="en-US" sz="2400">
+              <a:ea typeface="Droid Sans Fallback" panose="020B0502000000000001" charset="-122"/>
+            </a:endParaRPr>
           </a:p>
         </p:txBody>
       </p:sp>
@@ -12831,6 +13782,17 @@
               </a:rPr>
               <a:t>SERVER</a:t>
             </a:r>
+            <a:endParaRPr kumimoji="0" lang="en-US" altLang="en-US" sz="1800" b="0" i="0" u="none" strike="noStrike" cap="none" normalizeH="0" baseline="0" smtClean="0">
+              <a:ln>
+                <a:noFill/>
+              </a:ln>
+              <a:solidFill>
+                <a:schemeClr val="tx1"/>
+              </a:solidFill>
+              <a:effectLst/>
+              <a:latin typeface="Arial" panose="020B0604020202020204" pitchFamily="34" charset="0"/>
+              <a:ea typeface="Droid Sans Fallback" panose="020B0502000000000001" charset="-122"/>
+            </a:endParaRPr>
           </a:p>
         </p:txBody>
       </p:sp>
@@ -12899,6 +13861,10 @@
               </a:rPr>
               <a:t>ClientImageFrameMessage</a:t>
             </a:r>
+            <a:endParaRPr lang="en-US" altLang="en-US" b="1">
+              <a:ea typeface="Droid Sans Fallback" panose="020B0502000000000001" charset="-122"/>
+              <a:sym typeface="+mn-ea"/>
+            </a:endParaRPr>
           </a:p>
         </p:txBody>
       </p:sp>
@@ -13138,6 +14104,9 @@
               </a:rPr>
               <a:t>II. STREAMING PROTOCOL DESIGN</a:t>
             </a:r>
+            <a:endParaRPr lang="en-US" altLang="en-US" sz="2000" b="1">
+              <a:ea typeface="Droid Sans Fallback" panose="020B0502000000000001" charset="-122"/>
+            </a:endParaRPr>
           </a:p>
           <a:p>
             <a:r>
@@ -13182,6 +14151,10 @@
               </a:rPr>
               <a:t>CLIENT -&gt; SERVER STREAMING</a:t>
             </a:r>
+            <a:endParaRPr lang="en-US" sz="2400" b="1">
+              <a:ea typeface="Droid Sans Fallback" panose="020B0502000000000001" charset="-122"/>
+              <a:sym typeface="+mn-ea"/>
+            </a:endParaRPr>
           </a:p>
         </p:txBody>
       </p:sp>
@@ -13214,6 +14187,10 @@
               </a:rPr>
               <a:t>Send continuously ClientImageFrameMessage</a:t>
             </a:r>
+            <a:endParaRPr lang="en-US" altLang="en-US">
+              <a:ea typeface="Droid Sans Fallback" panose="020B0502000000000001" charset="-122"/>
+              <a:sym typeface="+mn-ea"/>
+            </a:endParaRPr>
           </a:p>
         </p:txBody>
       </p:sp>
@@ -13349,6 +14326,17 @@
               </a:rPr>
               <a:t>SERVER</a:t>
             </a:r>
+            <a:endParaRPr kumimoji="0" lang="en-US" altLang="en-US" sz="1800" b="0" i="0" u="none" strike="noStrike" cap="none" normalizeH="0" baseline="0" smtClean="0">
+              <a:ln>
+                <a:noFill/>
+              </a:ln>
+              <a:solidFill>
+                <a:schemeClr val="tx1"/>
+              </a:solidFill>
+              <a:effectLst/>
+              <a:latin typeface="Arial" panose="020B0604020202020204" pitchFamily="34" charset="0"/>
+              <a:ea typeface="Droid Sans Fallback" panose="020B0502000000000001" charset="-122"/>
+            </a:endParaRPr>
           </a:p>
         </p:txBody>
       </p:sp>
@@ -13420,6 +14408,10 @@
               </a:rPr>
               <a:t>ImageStreamAdjustMessage</a:t>
             </a:r>
+            <a:endParaRPr lang="en-US" altLang="en-US" b="1">
+              <a:ea typeface="Droid Sans Fallback" panose="020B0502000000000001" charset="-122"/>
+              <a:sym typeface="+mn-ea"/>
+            </a:endParaRPr>
           </a:p>
         </p:txBody>
       </p:sp>
@@ -13452,6 +14444,10 @@
               </a:rPr>
               <a:t>Server set quality of streaming</a:t>
             </a:r>
+            <a:endParaRPr lang="en-US" altLang="en-US">
+              <a:ea typeface="Droid Sans Fallback" panose="020B0502000000000001" charset="-122"/>
+              <a:sym typeface="+mn-ea"/>
+            </a:endParaRPr>
           </a:p>
           <a:p>
             <a:r>
@@ -13461,6 +14457,10 @@
               </a:rPr>
               <a:t>(when the quality of the network changes)</a:t>
             </a:r>
+            <a:endParaRPr lang="en-US" altLang="en-US">
+              <a:ea typeface="Droid Sans Fallback" panose="020B0502000000000001" charset="-122"/>
+              <a:sym typeface="+mn-ea"/>
+            </a:endParaRPr>
           </a:p>
         </p:txBody>
       </p:sp>
@@ -13596,6 +14596,17 @@
               </a:rPr>
               <a:t>SERVER</a:t>
             </a:r>
+            <a:endParaRPr kumimoji="0" lang="en-US" altLang="en-US" sz="1800" b="0" i="0" u="none" strike="noStrike" cap="none" normalizeH="0" baseline="0" smtClean="0">
+              <a:ln>
+                <a:noFill/>
+              </a:ln>
+              <a:solidFill>
+                <a:schemeClr val="tx1"/>
+              </a:solidFill>
+              <a:effectLst/>
+              <a:latin typeface="Arial" panose="020B0604020202020204" pitchFamily="34" charset="0"/>
+              <a:ea typeface="Droid Sans Fallback" panose="020B0502000000000001" charset="-122"/>
+            </a:endParaRPr>
           </a:p>
         </p:txBody>
       </p:sp>
@@ -13661,12 +14672,16 @@
           <a:lstStyle/>
           <a:p>
             <a:r>
-              <a:rPr lang="" altLang="en-US" b="1">
+              <a:rPr lang="en-US" altLang="en-US" b="1">
                 <a:ea typeface="Droid Sans Fallback" panose="020B0502000000000001" charset="-122"/>
                 <a:sym typeface="+mn-ea"/>
               </a:rPr>
               <a:t>AccessDenied</a:t>
             </a:r>
+            <a:endParaRPr lang="en-US" altLang="en-US" b="1">
+              <a:ea typeface="Droid Sans Fallback" panose="020B0502000000000001" charset="-122"/>
+              <a:sym typeface="+mn-ea"/>
+            </a:endParaRPr>
           </a:p>
         </p:txBody>
       </p:sp>
@@ -13693,12 +14708,16 @@
           <a:lstStyle/>
           <a:p>
             <a:r>
-              <a:rPr lang="" altLang="en-US">
+              <a:rPr lang="en-US" altLang="en-US">
                 <a:ea typeface="Droid Sans Fallback" panose="020B0502000000000001" charset="-122"/>
                 <a:sym typeface="+mn-ea"/>
               </a:rPr>
               <a:t>Authentication failed</a:t>
             </a:r>
+            <a:endParaRPr lang="en-US" altLang="en-US">
+              <a:ea typeface="Droid Sans Fallback" panose="020B0502000000000001" charset="-122"/>
+              <a:sym typeface="+mn-ea"/>
+            </a:endParaRPr>
           </a:p>
         </p:txBody>
       </p:sp>
@@ -13787,6 +14806,17 @@
               </a:rPr>
               <a:t>HEADER - 16 bytes</a:t>
             </a:r>
+            <a:endParaRPr kumimoji="0" lang="en-US" altLang="zh-CN" sz="1800" b="0" i="0" u="none" strike="noStrike" cap="none" normalizeH="0" baseline="0" smtClean="0">
+              <a:ln>
+                <a:noFill/>
+              </a:ln>
+              <a:solidFill>
+                <a:schemeClr val="tx1"/>
+              </a:solidFill>
+              <a:effectLst/>
+              <a:latin typeface="Arial" panose="020B0604020202020204" pitchFamily="34" charset="0"/>
+              <a:ea typeface="Droid Sans Fallback" panose="020B0502000000000001" charset="-122"/>
+            </a:endParaRPr>
           </a:p>
         </p:txBody>
       </p:sp>
@@ -14873,7 +15903,7 @@
               <a:t>: </a:t>
             </a:r>
             <a:r>
-              <a:rPr lang="" altLang="en-US">
+              <a:rPr lang="en-US" altLang="en-US">
                 <a:ea typeface="Droid Sans Fallback" panose="020B0502000000000001" charset="-122"/>
                 <a:sym typeface="+mn-ea"/>
               </a:rPr>
@@ -14887,13 +15917,13 @@
               <a:t> = </a:t>
             </a:r>
             <a:r>
-              <a:rPr lang="" altLang="en-US">
+              <a:rPr lang="en-US" altLang="en-US">
                 <a:ea typeface="Droid Sans Fallback" panose="020B0502000000000001" charset="-122"/>
                 <a:sym typeface="+mn-ea"/>
               </a:rPr>
               <a:t>17</a:t>
             </a:r>
-            <a:endParaRPr kumimoji="0" lang="" altLang="en-US" sz="1800" b="0" i="0" u="none" strike="noStrike" cap="none" normalizeH="0" baseline="0" smtClean="0">
+            <a:endParaRPr kumimoji="0" lang="en-US" altLang="en-US" sz="1800" b="0" i="0" u="none" strike="noStrike" cap="none" normalizeH="0" baseline="0" smtClean="0">
               <a:ln>
                 <a:noFill/>
               </a:ln>
@@ -14930,12 +15960,16 @@
           <a:lstStyle/>
           <a:p>
             <a:r>
-              <a:rPr lang="" altLang="en-US" sz="2000" b="1">
+              <a:rPr lang="en-US" altLang="en-US" sz="2000" b="1">
                 <a:ea typeface="Droid Sans Fallback" panose="020B0502000000000001" charset="-122"/>
                 <a:sym typeface="+mn-ea"/>
               </a:rPr>
               <a:t>AccessDenied</a:t>
             </a:r>
+            <a:endParaRPr lang="en-US" altLang="en-US" sz="2000" b="1">
+              <a:ea typeface="Droid Sans Fallback" panose="020B0502000000000001" charset="-122"/>
+              <a:sym typeface="+mn-ea"/>
+            </a:endParaRPr>
           </a:p>
         </p:txBody>
       </p:sp>
@@ -15107,6 +16141,9 @@
               </a:rPr>
               <a:t>II. STREAMING PROTOCOL DESIGN</a:t>
             </a:r>
+            <a:endParaRPr lang="en-US" altLang="en-US" sz="2000" b="1">
+              <a:ea typeface="Droid Sans Fallback" panose="020B0502000000000001" charset="-122"/>
+            </a:endParaRPr>
           </a:p>
           <a:p>
             <a:r>
@@ -15172,6 +16209,7 @@
               <a:rPr lang="en-US" altLang="en-US" b="1"/>
               <a:t>OBJECTIVES</a:t>
             </a:r>
+            <a:endParaRPr lang="en-US" altLang="en-US" b="1"/>
           </a:p>
         </p:txBody>
       </p:sp>
@@ -15204,6 +16242,7 @@
               <a:rPr lang="en-US" altLang="en-US" sz="2400"/>
               <a:t>Video conferencing software solution for small groups.</a:t>
             </a:r>
+            <a:endParaRPr lang="en-US" altLang="en-US" sz="2400"/>
           </a:p>
           <a:p>
             <a:pPr>
@@ -15215,6 +16254,7 @@
               <a:rPr lang="en-US" altLang="en-US" sz="2400"/>
               <a:t>Light weight streaming protocol on top of UDP.</a:t>
             </a:r>
+            <a:endParaRPr lang="en-US" altLang="en-US" sz="2400"/>
           </a:p>
           <a:p>
             <a:pPr>
@@ -15226,6 +16266,7 @@
               <a:rPr lang="en-US" altLang="en-US" sz="2400"/>
               <a:t>Client-Server model</a:t>
             </a:r>
+            <a:endParaRPr lang="en-US" altLang="en-US" sz="2400"/>
           </a:p>
         </p:txBody>
       </p:sp>
@@ -15321,6 +16362,17 @@
               </a:rPr>
               <a:t>HEADER - 16 bytes</a:t>
             </a:r>
+            <a:endParaRPr kumimoji="0" lang="en-US" altLang="zh-CN" sz="1800" b="0" i="0" u="none" strike="noStrike" cap="none" normalizeH="0" baseline="0" smtClean="0">
+              <a:ln>
+                <a:noFill/>
+              </a:ln>
+              <a:solidFill>
+                <a:schemeClr val="tx1"/>
+              </a:solidFill>
+              <a:effectLst/>
+              <a:latin typeface="Arial" panose="020B0604020202020204" pitchFamily="34" charset="0"/>
+              <a:ea typeface="Droid Sans Fallback" panose="020B0502000000000001" charset="-122"/>
+            </a:endParaRPr>
           </a:p>
         </p:txBody>
       </p:sp>
@@ -15384,6 +16436,17 @@
               </a:rPr>
               <a:t>PAYLOAD (DATA) - length is not specified</a:t>
             </a:r>
+            <a:endParaRPr kumimoji="0" lang="en-US" altLang="zh-CN" sz="1800" b="0" i="0" u="none" strike="noStrike" cap="none" normalizeH="0" baseline="0" smtClean="0">
+              <a:ln>
+                <a:noFill/>
+              </a:ln>
+              <a:solidFill>
+                <a:schemeClr val="tx1"/>
+              </a:solidFill>
+              <a:effectLst/>
+              <a:latin typeface="Arial" panose="020B0604020202020204" pitchFamily="34" charset="0"/>
+              <a:ea typeface="Droid Sans Fallback" panose="020B0502000000000001" charset="-122"/>
+            </a:endParaRPr>
           </a:p>
         </p:txBody>
       </p:sp>
@@ -16570,6 +17633,17 @@
               </a:rPr>
               <a:t>ClientID: Id of participant</a:t>
             </a:r>
+            <a:endParaRPr kumimoji="0" lang="en-US" altLang="en-US" sz="1800" b="0" i="0" u="none" strike="noStrike" cap="none" normalizeH="0" baseline="0" smtClean="0">
+              <a:ln>
+                <a:noFill/>
+              </a:ln>
+              <a:solidFill>
+                <a:schemeClr val="tx1"/>
+              </a:solidFill>
+              <a:effectLst/>
+              <a:latin typeface="Arial" panose="020B0604020202020204" pitchFamily="34" charset="0"/>
+              <a:ea typeface="Droid Sans Fallback" panose="020B0502000000000001" charset="-122"/>
+            </a:endParaRPr>
           </a:p>
         </p:txBody>
       </p:sp>
@@ -16678,6 +17752,17 @@
               </a:rPr>
               <a:t>AuthCode: Authentication code for client</a:t>
             </a:r>
+            <a:endParaRPr kumimoji="0" lang="en-US" altLang="en-US" sz="1800" b="0" i="0" u="none" strike="noStrike" cap="none" normalizeH="0" baseline="0" smtClean="0">
+              <a:ln>
+                <a:noFill/>
+              </a:ln>
+              <a:solidFill>
+                <a:schemeClr val="tx1"/>
+              </a:solidFill>
+              <a:effectLst/>
+              <a:latin typeface="Arial" panose="020B0604020202020204" pitchFamily="34" charset="0"/>
+              <a:ea typeface="Droid Sans Fallback" panose="020B0502000000000001" charset="-122"/>
+            </a:endParaRPr>
           </a:p>
         </p:txBody>
       </p:sp>
@@ -16898,6 +17983,17 @@
               </a:rPr>
               <a:t>Frame sequence ID. Run 0-&gt;60000 then back to 0.</a:t>
             </a:r>
+            <a:endParaRPr kumimoji="0" lang="en-US" altLang="en-US" sz="1800" b="0" i="0" u="none" strike="noStrike" cap="none" normalizeH="0" baseline="0" smtClean="0">
+              <a:ln>
+                <a:noFill/>
+              </a:ln>
+              <a:solidFill>
+                <a:schemeClr val="tx1"/>
+              </a:solidFill>
+              <a:effectLst/>
+              <a:latin typeface="Arial" panose="020B0604020202020204" pitchFamily="34" charset="0"/>
+              <a:ea typeface="Droid Sans Fallback" panose="020B0502000000000001" charset="-122"/>
+            </a:endParaRPr>
           </a:p>
           <a:p>
             <a:pPr marL="0" marR="0" indent="0" algn="l" defTabSz="914400" rtl="0" eaLnBrk="1" fontAlgn="base" latinLnBrk="0" hangingPunct="1">
@@ -16929,6 +18025,17 @@
               </a:rPr>
               <a:t>Used to sorting frames when UDP packets come in</a:t>
             </a:r>
+            <a:endParaRPr kumimoji="0" lang="en-US" altLang="en-US" sz="1800" b="0" i="0" u="none" strike="noStrike" cap="none" normalizeH="0" baseline="0" smtClean="0">
+              <a:ln>
+                <a:noFill/>
+              </a:ln>
+              <a:solidFill>
+                <a:schemeClr val="tx1"/>
+              </a:solidFill>
+              <a:effectLst/>
+              <a:latin typeface="Arial" panose="020B0604020202020204" pitchFamily="34" charset="0"/>
+              <a:ea typeface="Droid Sans Fallback" panose="020B0502000000000001" charset="-122"/>
+            </a:endParaRPr>
           </a:p>
           <a:p>
             <a:pPr marL="0" marR="0" indent="0" algn="l" defTabSz="914400" rtl="0" eaLnBrk="1" fontAlgn="base" latinLnBrk="0" hangingPunct="1">
@@ -16960,6 +18067,17 @@
               </a:rPr>
               <a:t>wrong order.</a:t>
             </a:r>
+            <a:endParaRPr kumimoji="0" lang="en-US" altLang="en-US" sz="1800" b="0" i="0" u="none" strike="noStrike" cap="none" normalizeH="0" baseline="0" smtClean="0">
+              <a:ln>
+                <a:noFill/>
+              </a:ln>
+              <a:solidFill>
+                <a:schemeClr val="tx1"/>
+              </a:solidFill>
+              <a:effectLst/>
+              <a:latin typeface="Arial" panose="020B0604020202020204" pitchFamily="34" charset="0"/>
+              <a:ea typeface="Droid Sans Fallback" panose="020B0502000000000001" charset="-122"/>
+            </a:endParaRPr>
           </a:p>
         </p:txBody>
       </p:sp>
@@ -17069,6 +18187,10 @@
               </a:rPr>
               <a:t>ClientImageFrameMessage</a:t>
             </a:r>
+            <a:endParaRPr lang="en-US" altLang="en-US" sz="2000" b="1">
+              <a:ea typeface="Droid Sans Fallback" panose="020B0502000000000001" charset="-122"/>
+              <a:sym typeface="+mn-ea"/>
+            </a:endParaRPr>
           </a:p>
         </p:txBody>
       </p:sp>
@@ -17240,6 +18362,9 @@
               </a:rPr>
               <a:t>II. STREAMING PROTOCOL DESIGN</a:t>
             </a:r>
+            <a:endParaRPr lang="en-US" altLang="en-US" sz="2000" b="1">
+              <a:ea typeface="Droid Sans Fallback" panose="020B0502000000000001" charset="-122"/>
+            </a:endParaRPr>
           </a:p>
           <a:p>
             <a:r>
@@ -17321,6 +18446,17 @@
               </a:rPr>
               <a:t>Image</a:t>
             </a:r>
+            <a:endParaRPr kumimoji="0" lang="en-US" altLang="en-US" sz="1800" b="0" i="0" u="none" strike="noStrike" cap="none" normalizeH="0" baseline="0" smtClean="0">
+              <a:ln>
+                <a:noFill/>
+              </a:ln>
+              <a:solidFill>
+                <a:schemeClr val="tx1"/>
+              </a:solidFill>
+              <a:effectLst/>
+              <a:latin typeface="Arial" panose="020B0604020202020204" pitchFamily="34" charset="0"/>
+              <a:ea typeface="Droid Sans Fallback" panose="020B0502000000000001" charset="-122"/>
+            </a:endParaRPr>
           </a:p>
         </p:txBody>
       </p:sp>
@@ -17448,6 +18584,17 @@
               </a:rPr>
               <a:t>HEADER - 16 bytes</a:t>
             </a:r>
+            <a:endParaRPr kumimoji="0" lang="en-US" altLang="zh-CN" sz="1800" b="0" i="0" u="none" strike="noStrike" cap="none" normalizeH="0" baseline="0" smtClean="0">
+              <a:ln>
+                <a:noFill/>
+              </a:ln>
+              <a:solidFill>
+                <a:schemeClr val="tx1"/>
+              </a:solidFill>
+              <a:effectLst/>
+              <a:latin typeface="Arial" panose="020B0604020202020204" pitchFamily="34" charset="0"/>
+              <a:ea typeface="Droid Sans Fallback" panose="020B0502000000000001" charset="-122"/>
+            </a:endParaRPr>
           </a:p>
         </p:txBody>
       </p:sp>
@@ -18568,6 +19715,17 @@
               </a:rPr>
               <a:t> </a:t>
             </a:r>
+            <a:endParaRPr kumimoji="0" lang="en-US" altLang="en-US" sz="1800" b="0" i="0" u="none" strike="noStrike" cap="none" normalizeH="0" baseline="0" smtClean="0">
+              <a:ln>
+                <a:noFill/>
+              </a:ln>
+              <a:solidFill>
+                <a:schemeClr val="tx1"/>
+              </a:solidFill>
+              <a:effectLst/>
+              <a:latin typeface="Arial" panose="020B0604020202020204" pitchFamily="34" charset="0"/>
+              <a:ea typeface="Droid Sans Fallback" panose="020B0502000000000001" charset="-122"/>
+            </a:endParaRPr>
           </a:p>
         </p:txBody>
       </p:sp>
@@ -18637,6 +19795,17 @@
               </a:rPr>
               <a:t>ClientID: Id of participant</a:t>
             </a:r>
+            <a:endParaRPr kumimoji="0" lang="en-US" altLang="en-US" sz="1800" b="0" i="0" u="none" strike="noStrike" cap="none" normalizeH="0" baseline="0" smtClean="0">
+              <a:ln>
+                <a:noFill/>
+              </a:ln>
+              <a:solidFill>
+                <a:schemeClr val="tx1"/>
+              </a:solidFill>
+              <a:effectLst/>
+              <a:latin typeface="Arial" panose="020B0604020202020204" pitchFamily="34" charset="0"/>
+              <a:ea typeface="Droid Sans Fallback" panose="020B0502000000000001" charset="-122"/>
+            </a:endParaRPr>
           </a:p>
         </p:txBody>
       </p:sp>
@@ -18747,6 +19916,10 @@
               </a:rPr>
               <a:t>ImageStreamAdjustMessage</a:t>
             </a:r>
+            <a:endParaRPr lang="en-US" altLang="en-US" sz="2000" b="1">
+              <a:ea typeface="Droid Sans Fallback" panose="020B0502000000000001" charset="-122"/>
+              <a:sym typeface="+mn-ea"/>
+            </a:endParaRPr>
           </a:p>
         </p:txBody>
       </p:sp>
@@ -18918,6 +20091,9 @@
               </a:rPr>
               <a:t>II. STREAMING PROTOCOL DESIGN</a:t>
             </a:r>
+            <a:endParaRPr lang="en-US" altLang="en-US" sz="2000" b="1">
+              <a:ea typeface="Droid Sans Fallback" panose="020B0502000000000001" charset="-122"/>
+            </a:endParaRPr>
           </a:p>
           <a:p>
             <a:r>
@@ -18999,6 +20175,17 @@
               </a:rPr>
               <a:t>Frame width</a:t>
             </a:r>
+            <a:endParaRPr kumimoji="0" lang="en-US" altLang="en-US" sz="1800" b="0" i="0" u="none" strike="noStrike" cap="none" normalizeH="0" baseline="0" smtClean="0">
+              <a:ln>
+                <a:noFill/>
+              </a:ln>
+              <a:solidFill>
+                <a:schemeClr val="tx1"/>
+              </a:solidFill>
+              <a:effectLst/>
+              <a:latin typeface="Arial" panose="020B0604020202020204" pitchFamily="34" charset="0"/>
+              <a:ea typeface="Droid Sans Fallback" panose="020B0502000000000001" charset="-122"/>
+            </a:endParaRPr>
           </a:p>
         </p:txBody>
       </p:sp>
@@ -19068,6 +20255,17 @@
               </a:rPr>
               <a:t>Frame height</a:t>
             </a:r>
+            <a:endParaRPr kumimoji="0" lang="en-US" altLang="en-US" sz="1800" b="0" i="0" u="none" strike="noStrike" cap="none" normalizeH="0" baseline="0" smtClean="0">
+              <a:ln>
+                <a:noFill/>
+              </a:ln>
+              <a:solidFill>
+                <a:schemeClr val="tx1"/>
+              </a:solidFill>
+              <a:effectLst/>
+              <a:latin typeface="Arial" panose="020B0604020202020204" pitchFamily="34" charset="0"/>
+              <a:ea typeface="Droid Sans Fallback" panose="020B0502000000000001" charset="-122"/>
+            </a:endParaRPr>
           </a:p>
         </p:txBody>
       </p:sp>
@@ -19387,6 +20585,17 @@
               </a:rPr>
               <a:t>Frame Rate: The speed of sending frames</a:t>
             </a:r>
+            <a:endParaRPr kumimoji="0" lang="en-US" altLang="en-US" sz="1800" b="0" i="0" u="none" strike="noStrike" cap="none" normalizeH="0" baseline="0" smtClean="0">
+              <a:ln>
+                <a:noFill/>
+              </a:ln>
+              <a:solidFill>
+                <a:schemeClr val="tx1"/>
+              </a:solidFill>
+              <a:effectLst/>
+              <a:latin typeface="Arial" panose="020B0604020202020204" pitchFamily="34" charset="0"/>
+              <a:ea typeface="Droid Sans Fallback" panose="020B0502000000000001" charset="-122"/>
+            </a:endParaRPr>
           </a:p>
           <a:p>
             <a:pPr marL="0" marR="0" indent="0" algn="l" defTabSz="914400" rtl="0" eaLnBrk="1" fontAlgn="base" latinLnBrk="0" hangingPunct="1">
@@ -19418,6 +20627,17 @@
               </a:rPr>
               <a:t>to the server</a:t>
             </a:r>
+            <a:endParaRPr kumimoji="0" lang="en-US" altLang="en-US" sz="1800" b="0" i="0" u="none" strike="noStrike" cap="none" normalizeH="0" baseline="0" smtClean="0">
+              <a:ln>
+                <a:noFill/>
+              </a:ln>
+              <a:solidFill>
+                <a:schemeClr val="tx1"/>
+              </a:solidFill>
+              <a:effectLst/>
+              <a:latin typeface="Arial" panose="020B0604020202020204" pitchFamily="34" charset="0"/>
+              <a:ea typeface="Droid Sans Fallback" panose="020B0502000000000001" charset="-122"/>
+            </a:endParaRPr>
           </a:p>
         </p:txBody>
       </p:sp>
@@ -19544,6 +20764,17 @@
               </a:rPr>
               <a:t>CLIENT</a:t>
             </a:r>
+            <a:endParaRPr kumimoji="0" lang="en-US" altLang="en-US" sz="1800" b="0" i="0" u="none" strike="noStrike" cap="none" normalizeH="0" baseline="0" smtClean="0">
+              <a:ln>
+                <a:noFill/>
+              </a:ln>
+              <a:solidFill>
+                <a:schemeClr val="tx1"/>
+              </a:solidFill>
+              <a:effectLst/>
+              <a:latin typeface="Arial" panose="020B0604020202020204" pitchFamily="34" charset="0"/>
+              <a:ea typeface="Droid Sans Fallback" panose="020B0502000000000001" charset="-122"/>
+            </a:endParaRPr>
           </a:p>
         </p:txBody>
       </p:sp>
@@ -19607,6 +20838,17 @@
               </a:rPr>
               <a:t>SERVER</a:t>
             </a:r>
+            <a:endParaRPr kumimoji="0" lang="en-US" altLang="en-US" sz="1800" b="0" i="0" u="none" strike="noStrike" cap="none" normalizeH="0" baseline="0" smtClean="0">
+              <a:ln>
+                <a:noFill/>
+              </a:ln>
+              <a:solidFill>
+                <a:schemeClr val="tx1"/>
+              </a:solidFill>
+              <a:effectLst/>
+              <a:latin typeface="Arial" panose="020B0604020202020204" pitchFamily="34" charset="0"/>
+              <a:ea typeface="Droid Sans Fallback" panose="020B0502000000000001" charset="-122"/>
+            </a:endParaRPr>
           </a:p>
         </p:txBody>
       </p:sp>
@@ -19850,6 +21092,9 @@
               </a:rPr>
               <a:t>II. STREAMING PROTOCOL DESIGN</a:t>
             </a:r>
+            <a:endParaRPr lang="en-US" altLang="en-US" sz="2000" b="1">
+              <a:ea typeface="Droid Sans Fallback" panose="020B0502000000000001" charset="-122"/>
+            </a:endParaRPr>
           </a:p>
           <a:p>
             <a:r>
@@ -19915,6 +21160,10 @@
               </a:rPr>
               <a:t>STREAMING</a:t>
             </a:r>
+            <a:endParaRPr lang="en-US" sz="2400" b="1">
+              <a:ea typeface="Droid Sans Fallback" panose="020B0502000000000001" charset="-122"/>
+              <a:sym typeface="+mn-ea"/>
+            </a:endParaRPr>
           </a:p>
         </p:txBody>
       </p:sp>
@@ -20119,6 +21368,10 @@
               </a:rPr>
               <a:t>ConferenceImageFrame</a:t>
             </a:r>
+            <a:endParaRPr lang="en-US" altLang="en-US">
+              <a:ea typeface="Droid Sans Fallback" panose="020B0502000000000001" charset="-122"/>
+              <a:sym typeface="+mn-ea"/>
+            </a:endParaRPr>
           </a:p>
         </p:txBody>
       </p:sp>
@@ -20187,6 +21440,10 @@
               </a:rPr>
               <a:t>ConferenceImageFrame</a:t>
             </a:r>
+            <a:endParaRPr lang="en-US" altLang="en-US">
+              <a:ea typeface="Droid Sans Fallback" panose="020B0502000000000001" charset="-122"/>
+              <a:sym typeface="+mn-ea"/>
+            </a:endParaRPr>
           </a:p>
         </p:txBody>
       </p:sp>
@@ -20255,6 +21512,10 @@
               </a:rPr>
               <a:t>ConferenceImageFrame</a:t>
             </a:r>
+            <a:endParaRPr lang="en-US" altLang="en-US">
+              <a:ea typeface="Droid Sans Fallback" panose="020B0502000000000001" charset="-122"/>
+              <a:sym typeface="+mn-ea"/>
+            </a:endParaRPr>
           </a:p>
         </p:txBody>
       </p:sp>
@@ -20294,6 +21555,10 @@
               </a:rPr>
               <a:t>ConferenceImageFrame</a:t>
             </a:r>
+            <a:endParaRPr lang="en-US" altLang="en-US" b="1">
+              <a:ea typeface="Droid Sans Fallback" panose="020B0502000000000001" charset="-122"/>
+              <a:sym typeface="+mn-ea"/>
+            </a:endParaRPr>
           </a:p>
         </p:txBody>
       </p:sp>
@@ -20387,6 +21652,10 @@
               </a:rPr>
               <a:t>RequestImageStream</a:t>
             </a:r>
+            <a:endParaRPr lang="en-US" altLang="en-US" sz="2000" b="1">
+              <a:ea typeface="Droid Sans Fallback" panose="020B0502000000000001" charset="-122"/>
+              <a:sym typeface="+mn-ea"/>
+            </a:endParaRPr>
           </a:p>
         </p:txBody>
       </p:sp>
@@ -20558,6 +21827,9 @@
               </a:rPr>
               <a:t>II. STREAMING PROTOCOL DESIGN</a:t>
             </a:r>
+            <a:endParaRPr lang="en-US" altLang="en-US" sz="2000" b="1">
+              <a:ea typeface="Droid Sans Fallback" panose="020B0502000000000001" charset="-122"/>
+            </a:endParaRPr>
           </a:p>
           <a:p>
             <a:r>
@@ -20633,6 +21905,17 @@
               </a:rPr>
               <a:t>HEADER - 16 bytes</a:t>
             </a:r>
+            <a:endParaRPr kumimoji="0" lang="en-US" altLang="zh-CN" sz="1800" b="0" i="0" u="none" strike="noStrike" cap="none" normalizeH="0" baseline="0" smtClean="0">
+              <a:ln>
+                <a:noFill/>
+              </a:ln>
+              <a:solidFill>
+                <a:schemeClr val="tx1"/>
+              </a:solidFill>
+              <a:effectLst/>
+              <a:latin typeface="Arial" panose="020B0604020202020204" pitchFamily="34" charset="0"/>
+              <a:ea typeface="Droid Sans Fallback" panose="020B0502000000000001" charset="-122"/>
+            </a:endParaRPr>
           </a:p>
         </p:txBody>
       </p:sp>
@@ -21819,6 +23102,17 @@
               </a:rPr>
               <a:t>ClientID: Id of participant</a:t>
             </a:r>
+            <a:endParaRPr kumimoji="0" lang="en-US" altLang="en-US" sz="1800" b="0" i="0" u="none" strike="noStrike" cap="none" normalizeH="0" baseline="0" smtClean="0">
+              <a:ln>
+                <a:noFill/>
+              </a:ln>
+              <a:solidFill>
+                <a:schemeClr val="tx1"/>
+              </a:solidFill>
+              <a:effectLst/>
+              <a:latin typeface="Arial" panose="020B0604020202020204" pitchFamily="34" charset="0"/>
+              <a:ea typeface="Droid Sans Fallback" panose="020B0502000000000001" charset="-122"/>
+            </a:endParaRPr>
           </a:p>
         </p:txBody>
       </p:sp>
@@ -21927,6 +23221,17 @@
               </a:rPr>
               <a:t>AuthCode: Authentication code for client</a:t>
             </a:r>
+            <a:endParaRPr kumimoji="0" lang="en-US" altLang="en-US" sz="1800" b="0" i="0" u="none" strike="noStrike" cap="none" normalizeH="0" baseline="0" smtClean="0">
+              <a:ln>
+                <a:noFill/>
+              </a:ln>
+              <a:solidFill>
+                <a:schemeClr val="tx1"/>
+              </a:solidFill>
+              <a:effectLst/>
+              <a:latin typeface="Arial" panose="020B0604020202020204" pitchFamily="34" charset="0"/>
+              <a:ea typeface="Droid Sans Fallback" panose="020B0502000000000001" charset="-122"/>
+            </a:endParaRPr>
           </a:p>
         </p:txBody>
       </p:sp>
@@ -22187,6 +23492,17 @@
               </a:rPr>
               <a:t>Frame width</a:t>
             </a:r>
+            <a:endParaRPr kumimoji="0" lang="en-US" altLang="en-US" sz="1800" b="0" i="0" u="none" strike="noStrike" cap="none" normalizeH="0" baseline="0" smtClean="0">
+              <a:ln>
+                <a:noFill/>
+              </a:ln>
+              <a:solidFill>
+                <a:schemeClr val="tx1"/>
+              </a:solidFill>
+              <a:effectLst/>
+              <a:latin typeface="Arial" panose="020B0604020202020204" pitchFamily="34" charset="0"/>
+              <a:ea typeface="Droid Sans Fallback" panose="020B0502000000000001" charset="-122"/>
+            </a:endParaRPr>
           </a:p>
         </p:txBody>
       </p:sp>
@@ -22256,6 +23572,17 @@
               </a:rPr>
               <a:t>Frame height</a:t>
             </a:r>
+            <a:endParaRPr kumimoji="0" lang="en-US" altLang="en-US" sz="1800" b="0" i="0" u="none" strike="noStrike" cap="none" normalizeH="0" baseline="0" smtClean="0">
+              <a:ln>
+                <a:noFill/>
+              </a:ln>
+              <a:solidFill>
+                <a:schemeClr val="tx1"/>
+              </a:solidFill>
+              <a:effectLst/>
+              <a:latin typeface="Arial" panose="020B0604020202020204" pitchFamily="34" charset="0"/>
+              <a:ea typeface="Droid Sans Fallback" panose="020B0502000000000001" charset="-122"/>
+            </a:endParaRPr>
           </a:p>
         </p:txBody>
       </p:sp>
@@ -22363,6 +23690,17 @@
               </a:rPr>
               <a:t>JPEG quality (1-100) (%)</a:t>
             </a:r>
+            <a:endParaRPr kumimoji="0" lang="en-US" altLang="en-US" sz="1800" b="0" i="0" u="none" strike="noStrike" cap="none" normalizeH="0" baseline="0" smtClean="0">
+              <a:ln>
+                <a:noFill/>
+              </a:ln>
+              <a:solidFill>
+                <a:schemeClr val="tx1"/>
+              </a:solidFill>
+              <a:effectLst/>
+              <a:latin typeface="Arial" panose="020B0604020202020204" pitchFamily="34" charset="0"/>
+              <a:ea typeface="Droid Sans Fallback" panose="020B0502000000000001" charset="-122"/>
+            </a:endParaRPr>
           </a:p>
         </p:txBody>
       </p:sp>
@@ -22490,7 +23828,7 @@
         <p:spPr>
           <a:xfrm>
             <a:off x="4916805" y="2888615"/>
-            <a:ext cx="1605280" cy="389255"/>
+            <a:ext cx="2719070" cy="389255"/>
           </a:xfrm>
           <a:prstGeom prst="roundRect">
             <a:avLst/>
@@ -22547,6 +23885,17 @@
               </a:rPr>
               <a:t>Frame rate</a:t>
             </a:r>
+            <a:endParaRPr kumimoji="0" lang="en-US" altLang="en-US" sz="1800" b="0" i="0" u="none" strike="noStrike" cap="none" normalizeH="0" baseline="0" smtClean="0">
+              <a:ln>
+                <a:noFill/>
+              </a:ln>
+              <a:solidFill>
+                <a:schemeClr val="tx1"/>
+              </a:solidFill>
+              <a:effectLst/>
+              <a:latin typeface="Arial" panose="020B0604020202020204" pitchFamily="34" charset="0"/>
+              <a:ea typeface="Droid Sans Fallback" panose="020B0502000000000001" charset="-122"/>
+            </a:endParaRPr>
           </a:p>
         </p:txBody>
       </p:sp>
@@ -22671,6 +24020,17 @@
               </a:rPr>
               <a:t>HEADER - 16 bytes</a:t>
             </a:r>
+            <a:endParaRPr kumimoji="0" lang="en-US" altLang="zh-CN" sz="1800" b="0" i="0" u="none" strike="noStrike" cap="none" normalizeH="0" baseline="0" smtClean="0">
+              <a:ln>
+                <a:noFill/>
+              </a:ln>
+              <a:solidFill>
+                <a:schemeClr val="tx1"/>
+              </a:solidFill>
+              <a:effectLst/>
+              <a:latin typeface="Arial" panose="020B0604020202020204" pitchFamily="34" charset="0"/>
+              <a:ea typeface="Droid Sans Fallback" panose="020B0502000000000001" charset="-122"/>
+            </a:endParaRPr>
           </a:p>
         </p:txBody>
       </p:sp>
@@ -22734,6 +24094,17 @@
               </a:rPr>
               <a:t>PAYLOAD (DATA) - length is not specified</a:t>
             </a:r>
+            <a:endParaRPr kumimoji="0" lang="en-US" altLang="zh-CN" sz="1800" b="0" i="0" u="none" strike="noStrike" cap="none" normalizeH="0" baseline="0" smtClean="0">
+              <a:ln>
+                <a:noFill/>
+              </a:ln>
+              <a:solidFill>
+                <a:schemeClr val="tx1"/>
+              </a:solidFill>
+              <a:effectLst/>
+              <a:latin typeface="Arial" panose="020B0604020202020204" pitchFamily="34" charset="0"/>
+              <a:ea typeface="Droid Sans Fallback" panose="020B0502000000000001" charset="-122"/>
+            </a:endParaRPr>
           </a:p>
         </p:txBody>
       </p:sp>
@@ -23905,6 +25276,17 @@
               </a:rPr>
               <a:t>Frame sequence ID. Run 0-&gt;60000 then back to 0.</a:t>
             </a:r>
+            <a:endParaRPr kumimoji="0" lang="en-US" altLang="en-US" sz="1800" b="0" i="0" u="none" strike="noStrike" cap="none" normalizeH="0" baseline="0" smtClean="0">
+              <a:ln>
+                <a:noFill/>
+              </a:ln>
+              <a:solidFill>
+                <a:schemeClr val="tx1"/>
+              </a:solidFill>
+              <a:effectLst/>
+              <a:latin typeface="Arial" panose="020B0604020202020204" pitchFamily="34" charset="0"/>
+              <a:ea typeface="Droid Sans Fallback" panose="020B0502000000000001" charset="-122"/>
+            </a:endParaRPr>
           </a:p>
           <a:p>
             <a:pPr marL="0" marR="0" indent="0" algn="l" defTabSz="914400" rtl="0" eaLnBrk="1" fontAlgn="base" latinLnBrk="0" hangingPunct="1">
@@ -23936,6 +25318,17 @@
               </a:rPr>
               <a:t>Used to sorting frames when UDP packets come in</a:t>
             </a:r>
+            <a:endParaRPr kumimoji="0" lang="en-US" altLang="en-US" sz="1800" b="0" i="0" u="none" strike="noStrike" cap="none" normalizeH="0" baseline="0" smtClean="0">
+              <a:ln>
+                <a:noFill/>
+              </a:ln>
+              <a:solidFill>
+                <a:schemeClr val="tx1"/>
+              </a:solidFill>
+              <a:effectLst/>
+              <a:latin typeface="Arial" panose="020B0604020202020204" pitchFamily="34" charset="0"/>
+              <a:ea typeface="Droid Sans Fallback" panose="020B0502000000000001" charset="-122"/>
+            </a:endParaRPr>
           </a:p>
           <a:p>
             <a:pPr marL="0" marR="0" indent="0" algn="l" defTabSz="914400" rtl="0" eaLnBrk="1" fontAlgn="base" latinLnBrk="0" hangingPunct="1">
@@ -23967,6 +25360,17 @@
               </a:rPr>
               <a:t>wrong order.</a:t>
             </a:r>
+            <a:endParaRPr kumimoji="0" lang="en-US" altLang="en-US" sz="1800" b="0" i="0" u="none" strike="noStrike" cap="none" normalizeH="0" baseline="0" smtClean="0">
+              <a:ln>
+                <a:noFill/>
+              </a:ln>
+              <a:solidFill>
+                <a:schemeClr val="tx1"/>
+              </a:solidFill>
+              <a:effectLst/>
+              <a:latin typeface="Arial" panose="020B0604020202020204" pitchFamily="34" charset="0"/>
+              <a:ea typeface="Droid Sans Fallback" panose="020B0502000000000001" charset="-122"/>
+            </a:endParaRPr>
           </a:p>
         </p:txBody>
       </p:sp>
@@ -24251,6 +25655,9 @@
               </a:rPr>
               <a:t>II. STREAMING PROTOCOL DESIGN</a:t>
             </a:r>
+            <a:endParaRPr lang="en-US" altLang="en-US" sz="2000" b="1">
+              <a:ea typeface="Droid Sans Fallback" panose="020B0502000000000001" charset="-122"/>
+            </a:endParaRPr>
           </a:p>
           <a:p>
             <a:r>
@@ -24332,6 +25739,17 @@
               </a:rPr>
               <a:t>Image</a:t>
             </a:r>
+            <a:endParaRPr kumimoji="0" lang="en-US" altLang="en-US" sz="1800" b="0" i="0" u="none" strike="noStrike" cap="none" normalizeH="0" baseline="0" smtClean="0">
+              <a:ln>
+                <a:noFill/>
+              </a:ln>
+              <a:solidFill>
+                <a:schemeClr val="tx1"/>
+              </a:solidFill>
+              <a:effectLst/>
+              <a:latin typeface="Arial" panose="020B0604020202020204" pitchFamily="34" charset="0"/>
+              <a:ea typeface="Droid Sans Fallback" panose="020B0502000000000001" charset="-122"/>
+            </a:endParaRPr>
           </a:p>
         </p:txBody>
       </p:sp>
@@ -24423,6 +25841,7 @@
               <a:rPr lang="en-US" altLang="en-US"/>
               <a:t>AUDIO STREAMING</a:t>
             </a:r>
+            <a:endParaRPr lang="en-US" altLang="en-US"/>
           </a:p>
         </p:txBody>
       </p:sp>
@@ -24594,6 +26013,9 @@
               </a:rPr>
               <a:t>II. STREAMING PROTOCOL DESIGN</a:t>
             </a:r>
+            <a:endParaRPr lang="en-US" altLang="en-US" sz="2000" b="1">
+              <a:ea typeface="Droid Sans Fallback" panose="020B0502000000000001" charset="-122"/>
+            </a:endParaRPr>
           </a:p>
           <a:p>
             <a:endParaRPr lang="en-US" altLang="en-US" sz="2000">
@@ -24628,12 +26050,14 @@
               <a:rPr lang="en-US" altLang="en-US" sz="2000"/>
               <a:t>Sampling rate: 8kHz</a:t>
             </a:r>
+            <a:endParaRPr lang="en-US" altLang="en-US" sz="2000"/>
           </a:p>
           <a:p>
             <a:r>
               <a:rPr lang="en-US" altLang="en-US" sz="2000"/>
               <a:t>Sending size: 128 samples / UDP spacket</a:t>
             </a:r>
+            <a:endParaRPr lang="en-US" altLang="en-US" sz="2000"/>
           </a:p>
         </p:txBody>
       </p:sp>
@@ -24794,6 +26218,17 @@
               </a:rPr>
               <a:t>SERVER</a:t>
             </a:r>
+            <a:endParaRPr kumimoji="0" lang="en-US" altLang="en-US" sz="1800" b="0" i="0" u="none" strike="noStrike" cap="none" normalizeH="0" baseline="0" smtClean="0">
+              <a:ln>
+                <a:noFill/>
+              </a:ln>
+              <a:solidFill>
+                <a:schemeClr val="tx1"/>
+              </a:solidFill>
+              <a:effectLst/>
+              <a:latin typeface="Arial" panose="020B0604020202020204" pitchFamily="34" charset="0"/>
+              <a:ea typeface="Droid Sans Fallback" panose="020B0502000000000001" charset="-122"/>
+            </a:endParaRPr>
           </a:p>
         </p:txBody>
       </p:sp>
@@ -25105,6 +26540,9 @@
               </a:rPr>
               <a:t>II. STREAMING PROTOCOL DESIGN</a:t>
             </a:r>
+            <a:endParaRPr lang="en-US" altLang="en-US" sz="2000" b="1">
+              <a:ea typeface="Droid Sans Fallback" panose="020B0502000000000001" charset="-122"/>
+            </a:endParaRPr>
           </a:p>
           <a:p>
             <a:r>
@@ -25149,6 +26587,10 @@
               </a:rPr>
               <a:t>CLIENT -&gt; SERVER STREAMING</a:t>
             </a:r>
+            <a:endParaRPr lang="en-US" sz="2400" b="1">
+              <a:ea typeface="Droid Sans Fallback" panose="020B0502000000000001" charset="-122"/>
+              <a:sym typeface="+mn-ea"/>
+            </a:endParaRPr>
           </a:p>
         </p:txBody>
       </p:sp>
@@ -25181,6 +26623,10 @@
               </a:rPr>
               <a:t>Send continuously ClientAudioFrameMessage</a:t>
             </a:r>
+            <a:endParaRPr lang="en-US" altLang="en-US">
+              <a:ea typeface="Droid Sans Fallback" panose="020B0502000000000001" charset="-122"/>
+              <a:sym typeface="+mn-ea"/>
+            </a:endParaRPr>
           </a:p>
         </p:txBody>
       </p:sp>
@@ -25269,6 +26715,17 @@
               </a:rPr>
               <a:t>HEADER - 16 bytes</a:t>
             </a:r>
+            <a:endParaRPr kumimoji="0" lang="en-US" altLang="zh-CN" sz="1800" b="0" i="0" u="none" strike="noStrike" cap="none" normalizeH="0" baseline="0" smtClean="0">
+              <a:ln>
+                <a:noFill/>
+              </a:ln>
+              <a:solidFill>
+                <a:schemeClr val="tx1"/>
+              </a:solidFill>
+              <a:effectLst/>
+              <a:latin typeface="Arial" panose="020B0604020202020204" pitchFamily="34" charset="0"/>
+              <a:ea typeface="Droid Sans Fallback" panose="020B0502000000000001" charset="-122"/>
+            </a:endParaRPr>
           </a:p>
         </p:txBody>
       </p:sp>
@@ -25332,6 +26789,17 @@
               </a:rPr>
               <a:t>PAYLOAD (DATA) - length is not specified</a:t>
             </a:r>
+            <a:endParaRPr kumimoji="0" lang="en-US" altLang="zh-CN" sz="1800" b="0" i="0" u="none" strike="noStrike" cap="none" normalizeH="0" baseline="0" smtClean="0">
+              <a:ln>
+                <a:noFill/>
+              </a:ln>
+              <a:solidFill>
+                <a:schemeClr val="tx1"/>
+              </a:solidFill>
+              <a:effectLst/>
+              <a:latin typeface="Arial" panose="020B0604020202020204" pitchFamily="34" charset="0"/>
+              <a:ea typeface="Droid Sans Fallback" panose="020B0502000000000001" charset="-122"/>
+            </a:endParaRPr>
           </a:p>
         </p:txBody>
       </p:sp>
@@ -26423,6 +27891,10 @@
               </a:rPr>
               <a:t>CLIENT_AUDIO_FRAME = 11</a:t>
             </a:r>
+            <a:endParaRPr lang="en-US">
+              <a:ea typeface="Droid Sans Fallback" panose="020B0502000000000001" charset="-122"/>
+              <a:sym typeface="+mn-ea"/>
+            </a:endParaRPr>
           </a:p>
         </p:txBody>
       </p:sp>
@@ -26492,6 +27964,17 @@
               </a:rPr>
               <a:t>ClientID: Id of participant</a:t>
             </a:r>
+            <a:endParaRPr kumimoji="0" lang="en-US" altLang="en-US" sz="1800" b="0" i="0" u="none" strike="noStrike" cap="none" normalizeH="0" baseline="0" smtClean="0">
+              <a:ln>
+                <a:noFill/>
+              </a:ln>
+              <a:solidFill>
+                <a:schemeClr val="tx1"/>
+              </a:solidFill>
+              <a:effectLst/>
+              <a:latin typeface="Arial" panose="020B0604020202020204" pitchFamily="34" charset="0"/>
+              <a:ea typeface="Droid Sans Fallback" panose="020B0502000000000001" charset="-122"/>
+            </a:endParaRPr>
           </a:p>
         </p:txBody>
       </p:sp>
@@ -26600,6 +28083,17 @@
               </a:rPr>
               <a:t>AuthCode: Authentication code for client</a:t>
             </a:r>
+            <a:endParaRPr kumimoji="0" lang="en-US" altLang="en-US" sz="1800" b="0" i="0" u="none" strike="noStrike" cap="none" normalizeH="0" baseline="0" smtClean="0">
+              <a:ln>
+                <a:noFill/>
+              </a:ln>
+              <a:solidFill>
+                <a:schemeClr val="tx1"/>
+              </a:solidFill>
+              <a:effectLst/>
+              <a:latin typeface="Arial" panose="020B0604020202020204" pitchFamily="34" charset="0"/>
+              <a:ea typeface="Droid Sans Fallback" panose="020B0502000000000001" charset="-122"/>
+            </a:endParaRPr>
           </a:p>
         </p:txBody>
       </p:sp>
@@ -26820,6 +28314,17 @@
               </a:rPr>
               <a:t>Frame sequence ID. Run 0-&gt;60000 then back to 0.</a:t>
             </a:r>
+            <a:endParaRPr kumimoji="0" lang="en-US" altLang="en-US" sz="1800" b="0" i="0" u="none" strike="noStrike" cap="none" normalizeH="0" baseline="0" smtClean="0">
+              <a:ln>
+                <a:noFill/>
+              </a:ln>
+              <a:solidFill>
+                <a:schemeClr val="tx1"/>
+              </a:solidFill>
+              <a:effectLst/>
+              <a:latin typeface="Arial" panose="020B0604020202020204" pitchFamily="34" charset="0"/>
+              <a:ea typeface="Droid Sans Fallback" panose="020B0502000000000001" charset="-122"/>
+            </a:endParaRPr>
           </a:p>
           <a:p>
             <a:pPr marL="0" marR="0" indent="0" algn="l" defTabSz="914400" rtl="0" eaLnBrk="1" fontAlgn="base" latinLnBrk="0" hangingPunct="1">
@@ -26851,6 +28356,17 @@
               </a:rPr>
               <a:t>Used to sorting frames when UDP packets come in</a:t>
             </a:r>
+            <a:endParaRPr kumimoji="0" lang="en-US" altLang="en-US" sz="1800" b="0" i="0" u="none" strike="noStrike" cap="none" normalizeH="0" baseline="0" smtClean="0">
+              <a:ln>
+                <a:noFill/>
+              </a:ln>
+              <a:solidFill>
+                <a:schemeClr val="tx1"/>
+              </a:solidFill>
+              <a:effectLst/>
+              <a:latin typeface="Arial" panose="020B0604020202020204" pitchFamily="34" charset="0"/>
+              <a:ea typeface="Droid Sans Fallback" panose="020B0502000000000001" charset="-122"/>
+            </a:endParaRPr>
           </a:p>
           <a:p>
             <a:pPr marL="0" marR="0" indent="0" algn="l" defTabSz="914400" rtl="0" eaLnBrk="1" fontAlgn="base" latinLnBrk="0" hangingPunct="1">
@@ -26882,6 +28398,17 @@
               </a:rPr>
               <a:t>wrong order.</a:t>
             </a:r>
+            <a:endParaRPr kumimoji="0" lang="en-US" altLang="en-US" sz="1800" b="0" i="0" u="none" strike="noStrike" cap="none" normalizeH="0" baseline="0" smtClean="0">
+              <a:ln>
+                <a:noFill/>
+              </a:ln>
+              <a:solidFill>
+                <a:schemeClr val="tx1"/>
+              </a:solidFill>
+              <a:effectLst/>
+              <a:latin typeface="Arial" panose="020B0604020202020204" pitchFamily="34" charset="0"/>
+              <a:ea typeface="Droid Sans Fallback" panose="020B0502000000000001" charset="-122"/>
+            </a:endParaRPr>
           </a:p>
         </p:txBody>
       </p:sp>
@@ -27166,6 +28693,9 @@
               </a:rPr>
               <a:t>II. STREAMING PROTOCOL DESIGN</a:t>
             </a:r>
+            <a:endParaRPr lang="en-US" altLang="en-US" sz="2000" b="1">
+              <a:ea typeface="Droid Sans Fallback" panose="020B0502000000000001" charset="-122"/>
+            </a:endParaRPr>
           </a:p>
           <a:p>
             <a:r>
@@ -27247,6 +28777,17 @@
               </a:rPr>
               <a:t>Audio data </a:t>
             </a:r>
+            <a:endParaRPr kumimoji="0" lang="en-US" altLang="en-US" sz="1800" b="0" i="0" u="none" strike="noStrike" cap="none" normalizeH="0" baseline="0" smtClean="0">
+              <a:ln>
+                <a:noFill/>
+              </a:ln>
+              <a:solidFill>
+                <a:schemeClr val="tx1"/>
+              </a:solidFill>
+              <a:effectLst/>
+              <a:latin typeface="Arial" panose="020B0604020202020204" pitchFamily="34" charset="0"/>
+              <a:ea typeface="Droid Sans Fallback" panose="020B0502000000000001" charset="-122"/>
+            </a:endParaRPr>
           </a:p>
           <a:p>
             <a:pPr marL="0" marR="0" indent="0" algn="l" defTabSz="914400" rtl="0" eaLnBrk="1" fontAlgn="base" latinLnBrk="0" hangingPunct="1">
@@ -27278,6 +28819,17 @@
               </a:rPr>
               <a:t>(128 samples from 8kHz audio stream)</a:t>
             </a:r>
+            <a:endParaRPr kumimoji="0" lang="en-US" altLang="en-US" sz="1800" b="0" i="0" u="none" strike="noStrike" cap="none" normalizeH="0" baseline="0" smtClean="0">
+              <a:ln>
+                <a:noFill/>
+              </a:ln>
+              <a:solidFill>
+                <a:schemeClr val="tx1"/>
+              </a:solidFill>
+              <a:effectLst/>
+              <a:latin typeface="Arial" panose="020B0604020202020204" pitchFamily="34" charset="0"/>
+              <a:ea typeface="Droid Sans Fallback" panose="020B0502000000000001" charset="-122"/>
+            </a:endParaRPr>
           </a:p>
         </p:txBody>
       </p:sp>
@@ -27405,6 +28957,17 @@
               </a:rPr>
               <a:t>CLIENT</a:t>
             </a:r>
+            <a:endParaRPr kumimoji="0" lang="en-US" altLang="en-US" sz="1800" b="0" i="0" u="none" strike="noStrike" cap="none" normalizeH="0" baseline="0" smtClean="0">
+              <a:ln>
+                <a:noFill/>
+              </a:ln>
+              <a:solidFill>
+                <a:schemeClr val="tx1"/>
+              </a:solidFill>
+              <a:effectLst/>
+              <a:latin typeface="Arial" panose="020B0604020202020204" pitchFamily="34" charset="0"/>
+              <a:ea typeface="Droid Sans Fallback" panose="020B0502000000000001" charset="-122"/>
+            </a:endParaRPr>
           </a:p>
         </p:txBody>
       </p:sp>
@@ -27468,6 +29031,17 @@
               </a:rPr>
               <a:t>SERVER</a:t>
             </a:r>
+            <a:endParaRPr kumimoji="0" lang="en-US" altLang="en-US" sz="1800" b="0" i="0" u="none" strike="noStrike" cap="none" normalizeH="0" baseline="0" smtClean="0">
+              <a:ln>
+                <a:noFill/>
+              </a:ln>
+              <a:solidFill>
+                <a:schemeClr val="tx1"/>
+              </a:solidFill>
+              <a:effectLst/>
+              <a:latin typeface="Arial" panose="020B0604020202020204" pitchFamily="34" charset="0"/>
+              <a:ea typeface="Droid Sans Fallback" panose="020B0502000000000001" charset="-122"/>
+            </a:endParaRPr>
           </a:p>
         </p:txBody>
       </p:sp>
@@ -27711,6 +29285,9 @@
               </a:rPr>
               <a:t>II. STREAMING PROTOCOL DESIGN</a:t>
             </a:r>
+            <a:endParaRPr lang="en-US" altLang="en-US" sz="2000" b="1">
+              <a:ea typeface="Droid Sans Fallback" panose="020B0502000000000001" charset="-122"/>
+            </a:endParaRPr>
           </a:p>
           <a:p>
             <a:r>
@@ -27776,6 +29353,10 @@
               </a:rPr>
               <a:t>STREAMING</a:t>
             </a:r>
+            <a:endParaRPr lang="en-US" sz="2400" b="1">
+              <a:ea typeface="Droid Sans Fallback" panose="020B0502000000000001" charset="-122"/>
+              <a:sym typeface="+mn-ea"/>
+            </a:endParaRPr>
           </a:p>
         </p:txBody>
       </p:sp>
@@ -27980,6 +29561,10 @@
               </a:rPr>
               <a:t>ConferenceAudioFrame</a:t>
             </a:r>
+            <a:endParaRPr lang="en-US" altLang="en-US">
+              <a:ea typeface="Droid Sans Fallback" panose="020B0502000000000001" charset="-122"/>
+              <a:sym typeface="+mn-ea"/>
+            </a:endParaRPr>
           </a:p>
         </p:txBody>
       </p:sp>
@@ -28048,6 +29633,10 @@
               </a:rPr>
               <a:t>ConferenceAudioFrame</a:t>
             </a:r>
+            <a:endParaRPr lang="en-US" altLang="en-US">
+              <a:ea typeface="Droid Sans Fallback" panose="020B0502000000000001" charset="-122"/>
+              <a:sym typeface="+mn-ea"/>
+            </a:endParaRPr>
           </a:p>
         </p:txBody>
       </p:sp>
@@ -28116,6 +29705,10 @@
               </a:rPr>
               <a:t>ConferenceAudioFrame</a:t>
             </a:r>
+            <a:endParaRPr lang="en-US" altLang="en-US">
+              <a:ea typeface="Droid Sans Fallback" panose="020B0502000000000001" charset="-122"/>
+              <a:sym typeface="+mn-ea"/>
+            </a:endParaRPr>
           </a:p>
         </p:txBody>
       </p:sp>
@@ -28155,6 +29748,10 @@
               </a:rPr>
               <a:t>ConferenceImageFrame</a:t>
             </a:r>
+            <a:endParaRPr lang="en-US" altLang="en-US" b="1">
+              <a:ea typeface="Droid Sans Fallback" panose="020B0502000000000001" charset="-122"/>
+              <a:sym typeface="+mn-ea"/>
+            </a:endParaRPr>
           </a:p>
         </p:txBody>
       </p:sp>
@@ -28253,19 +29850,16 @@
           <a:lstStyle/>
           <a:p>
             <a:r>
-              <a:rPr lang="" altLang="en-US">
-                <a:ea typeface="Droid Sans Fallback" panose="020B0502000000000001" charset="-122"/>
-                <a:sym typeface="+mn-ea"/>
-              </a:rPr>
-              <a:t>If </a:t>
-            </a:r>
-            <a:r>
               <a:rPr lang="en-US" altLang="en-US">
                 <a:ea typeface="Droid Sans Fallback" panose="020B0502000000000001" charset="-122"/>
                 <a:sym typeface="+mn-ea"/>
               </a:rPr>
-              <a:t>Authentication failed</a:t>
-            </a:r>
+              <a:t>If Authentication failed</a:t>
+            </a:r>
+            <a:endParaRPr lang="en-US" altLang="en-US">
+              <a:ea typeface="Droid Sans Fallback" panose="020B0502000000000001" charset="-122"/>
+              <a:sym typeface="+mn-ea"/>
+            </a:endParaRPr>
           </a:p>
         </p:txBody>
       </p:sp>
@@ -28303,6 +29897,10 @@
               </a:rPr>
               <a:t>AccessDenied</a:t>
             </a:r>
+            <a:endParaRPr lang="en-US" altLang="en-US">
+              <a:ea typeface="Droid Sans Fallback" panose="020B0502000000000001" charset="-122"/>
+              <a:sym typeface="+mn-ea"/>
+            </a:endParaRPr>
           </a:p>
         </p:txBody>
       </p:sp>
@@ -28360,6 +29958,10 @@
               </a:rPr>
               <a:t>RequestAudioStream</a:t>
             </a:r>
+            <a:endParaRPr lang="en-US" altLang="en-US" sz="2000" b="1">
+              <a:ea typeface="Droid Sans Fallback" panose="020B0502000000000001" charset="-122"/>
+              <a:sym typeface="+mn-ea"/>
+            </a:endParaRPr>
           </a:p>
         </p:txBody>
       </p:sp>
@@ -28531,6 +30133,9 @@
               </a:rPr>
               <a:t>II. STREAMING PROTOCOL DESIGN</a:t>
             </a:r>
+            <a:endParaRPr lang="en-US" altLang="en-US" sz="2000" b="1">
+              <a:ea typeface="Droid Sans Fallback" panose="020B0502000000000001" charset="-122"/>
+            </a:endParaRPr>
           </a:p>
           <a:p>
             <a:r>
@@ -28606,6 +30211,17 @@
               </a:rPr>
               <a:t>HEADER - 16 bytes</a:t>
             </a:r>
+            <a:endParaRPr kumimoji="0" lang="en-US" altLang="zh-CN" sz="1800" b="0" i="0" u="none" strike="noStrike" cap="none" normalizeH="0" baseline="0" smtClean="0">
+              <a:ln>
+                <a:noFill/>
+              </a:ln>
+              <a:solidFill>
+                <a:schemeClr val="tx1"/>
+              </a:solidFill>
+              <a:effectLst/>
+              <a:latin typeface="Arial" panose="020B0604020202020204" pitchFamily="34" charset="0"/>
+              <a:ea typeface="Droid Sans Fallback" panose="020B0502000000000001" charset="-122"/>
+            </a:endParaRPr>
           </a:p>
         </p:txBody>
       </p:sp>
@@ -29790,6 +31406,17 @@
               </a:rPr>
               <a:t>ClientID: Id of participant</a:t>
             </a:r>
+            <a:endParaRPr kumimoji="0" lang="en-US" altLang="en-US" sz="1800" b="0" i="0" u="none" strike="noStrike" cap="none" normalizeH="0" baseline="0" smtClean="0">
+              <a:ln>
+                <a:noFill/>
+              </a:ln>
+              <a:solidFill>
+                <a:schemeClr val="tx1"/>
+              </a:solidFill>
+              <a:effectLst/>
+              <a:latin typeface="Arial" panose="020B0604020202020204" pitchFamily="34" charset="0"/>
+              <a:ea typeface="Droid Sans Fallback" panose="020B0502000000000001" charset="-122"/>
+            </a:endParaRPr>
           </a:p>
         </p:txBody>
       </p:sp>
@@ -29898,6 +31525,17 @@
               </a:rPr>
               <a:t>AuthCode: Authentication code for client</a:t>
             </a:r>
+            <a:endParaRPr kumimoji="0" lang="en-US" altLang="en-US" sz="1800" b="0" i="0" u="none" strike="noStrike" cap="none" normalizeH="0" baseline="0" smtClean="0">
+              <a:ln>
+                <a:noFill/>
+              </a:ln>
+              <a:solidFill>
+                <a:schemeClr val="tx1"/>
+              </a:solidFill>
+              <a:effectLst/>
+              <a:latin typeface="Arial" panose="020B0604020202020204" pitchFamily="34" charset="0"/>
+              <a:ea typeface="Droid Sans Fallback" panose="020B0502000000000001" charset="-122"/>
+            </a:endParaRPr>
           </a:p>
         </p:txBody>
       </p:sp>
@@ -30093,9 +31731,10 @@
           <a:lstStyle/>
           <a:p>
             <a:r>
-              <a:rPr lang="" altLang="en-US"/>
+              <a:rPr lang="en-US" altLang="en-US"/>
               <a:t>OUTLINE</a:t>
             </a:r>
+            <a:endParaRPr lang="en-US" altLang="en-US"/>
           </a:p>
         </p:txBody>
       </p:sp>
@@ -30115,7 +31754,7 @@
           <a:lstStyle/>
           <a:p>
             <a:r>
-              <a:rPr lang="" altLang="en-US" b="1">
+              <a:rPr lang="en-US" altLang="en-US" b="1">
                 <a:sym typeface="+mn-ea"/>
               </a:rPr>
               <a:t>I. OVERALL DESIGN</a:t>
@@ -30131,12 +31770,16 @@
               </a:rPr>
               <a:t>II. STREAMING PROTOCOL DESIGN</a:t>
             </a:r>
-          </a:p>
-          <a:p>
-            <a:r>
-              <a:rPr lang="" altLang="en-US" b="1"/>
+            <a:endParaRPr lang="en-US" altLang="en-US" b="1">
+              <a:sym typeface="+mn-ea"/>
+            </a:endParaRPr>
+          </a:p>
+          <a:p>
+            <a:r>
+              <a:rPr lang="en-US" altLang="en-US" b="1"/>
               <a:t>III. SECURITY</a:t>
             </a:r>
+            <a:endParaRPr lang="en-US" altLang="en-US" b="1"/>
           </a:p>
         </p:txBody>
       </p:sp>
@@ -30225,6 +31868,17 @@
               </a:rPr>
               <a:t>HEADER - 16 bytes</a:t>
             </a:r>
+            <a:endParaRPr kumimoji="0" lang="en-US" altLang="zh-CN" sz="1800" b="0" i="0" u="none" strike="noStrike" cap="none" normalizeH="0" baseline="0" smtClean="0">
+              <a:ln>
+                <a:noFill/>
+              </a:ln>
+              <a:solidFill>
+                <a:schemeClr val="tx1"/>
+              </a:solidFill>
+              <a:effectLst/>
+              <a:latin typeface="Arial" panose="020B0604020202020204" pitchFamily="34" charset="0"/>
+              <a:ea typeface="Droid Sans Fallback" panose="020B0502000000000001" charset="-122"/>
+            </a:endParaRPr>
           </a:p>
         </p:txBody>
       </p:sp>
@@ -30288,6 +31942,17 @@
               </a:rPr>
               <a:t>PAYLOAD (DATA) - length is not specified</a:t>
             </a:r>
+            <a:endParaRPr kumimoji="0" lang="en-US" altLang="zh-CN" sz="1800" b="0" i="0" u="none" strike="noStrike" cap="none" normalizeH="0" baseline="0" smtClean="0">
+              <a:ln>
+                <a:noFill/>
+              </a:ln>
+              <a:solidFill>
+                <a:schemeClr val="tx1"/>
+              </a:solidFill>
+              <a:effectLst/>
+              <a:latin typeface="Arial" panose="020B0604020202020204" pitchFamily="34" charset="0"/>
+              <a:ea typeface="Droid Sans Fallback" panose="020B0502000000000001" charset="-122"/>
+            </a:endParaRPr>
           </a:p>
         </p:txBody>
       </p:sp>
@@ -31481,6 +33146,17 @@
               </a:rPr>
               <a:t>Frame sequence ID. Run 0-&gt;60000 then back to 0.</a:t>
             </a:r>
+            <a:endParaRPr kumimoji="0" lang="en-US" altLang="en-US" sz="1800" b="0" i="0" u="none" strike="noStrike" cap="none" normalizeH="0" baseline="0" smtClean="0">
+              <a:ln>
+                <a:noFill/>
+              </a:ln>
+              <a:solidFill>
+                <a:schemeClr val="tx1"/>
+              </a:solidFill>
+              <a:effectLst/>
+              <a:latin typeface="Arial" panose="020B0604020202020204" pitchFamily="34" charset="0"/>
+              <a:ea typeface="Droid Sans Fallback" panose="020B0502000000000001" charset="-122"/>
+            </a:endParaRPr>
           </a:p>
           <a:p>
             <a:pPr marL="0" marR="0" indent="0" algn="l" defTabSz="914400" rtl="0" eaLnBrk="1" fontAlgn="base" latinLnBrk="0" hangingPunct="1">
@@ -31512,6 +33188,17 @@
               </a:rPr>
               <a:t>Used to sorting frames when UDP packets come in</a:t>
             </a:r>
+            <a:endParaRPr kumimoji="0" lang="en-US" altLang="en-US" sz="1800" b="0" i="0" u="none" strike="noStrike" cap="none" normalizeH="0" baseline="0" smtClean="0">
+              <a:ln>
+                <a:noFill/>
+              </a:ln>
+              <a:solidFill>
+                <a:schemeClr val="tx1"/>
+              </a:solidFill>
+              <a:effectLst/>
+              <a:latin typeface="Arial" panose="020B0604020202020204" pitchFamily="34" charset="0"/>
+              <a:ea typeface="Droid Sans Fallback" panose="020B0502000000000001" charset="-122"/>
+            </a:endParaRPr>
           </a:p>
           <a:p>
             <a:pPr marL="0" marR="0" indent="0" algn="l" defTabSz="914400" rtl="0" eaLnBrk="1" fontAlgn="base" latinLnBrk="0" hangingPunct="1">
@@ -31543,6 +33230,17 @@
               </a:rPr>
               <a:t>wrong order.</a:t>
             </a:r>
+            <a:endParaRPr kumimoji="0" lang="en-US" altLang="en-US" sz="1800" b="0" i="0" u="none" strike="noStrike" cap="none" normalizeH="0" baseline="0" smtClean="0">
+              <a:ln>
+                <a:noFill/>
+              </a:ln>
+              <a:solidFill>
+                <a:schemeClr val="tx1"/>
+              </a:solidFill>
+              <a:effectLst/>
+              <a:latin typeface="Arial" panose="020B0604020202020204" pitchFamily="34" charset="0"/>
+              <a:ea typeface="Droid Sans Fallback" panose="020B0502000000000001" charset="-122"/>
+            </a:endParaRPr>
           </a:p>
         </p:txBody>
       </p:sp>
@@ -31827,6 +33525,9 @@
               </a:rPr>
               <a:t>II. STREAMING PROTOCOL DESIGN</a:t>
             </a:r>
+            <a:endParaRPr lang="en-US" altLang="en-US" sz="2000" b="1">
+              <a:ea typeface="Droid Sans Fallback" panose="020B0502000000000001" charset="-122"/>
+            </a:endParaRPr>
           </a:p>
           <a:p>
             <a:r>
@@ -32142,29 +33843,12 @@
                 <a:ea typeface="Droid Sans Fallback" panose="020B0502000000000001" charset="-122"/>
                 <a:sym typeface="+mn-ea"/>
               </a:rPr>
-              <a:t>I</a:t>
-            </a:r>
-            <a:r>
-              <a:rPr lang="" altLang="en-US" sz="5400" b="1">
-                <a:ea typeface="Droid Sans Fallback" panose="020B0502000000000001" charset="-122"/>
-                <a:sym typeface="+mn-ea"/>
-              </a:rPr>
-              <a:t>II</a:t>
-            </a:r>
-            <a:r>
-              <a:rPr lang="en-US" altLang="en-US" sz="5400" b="1">
-                <a:ea typeface="Droid Sans Fallback" panose="020B0502000000000001" charset="-122"/>
-                <a:sym typeface="+mn-ea"/>
-              </a:rPr>
-              <a:t>. </a:t>
-            </a:r>
-            <a:r>
-              <a:rPr lang="" altLang="en-US" sz="5400" b="1">
-                <a:ea typeface="Droid Sans Fallback" panose="020B0502000000000001" charset="-122"/>
-                <a:sym typeface="+mn-ea"/>
-              </a:rPr>
-              <a:t>SECURITY</a:t>
-            </a:r>
+              <a:t>III. SECURITY</a:t>
+            </a:r>
+            <a:endParaRPr lang="en-US" altLang="en-US" sz="5400" b="1">
+              <a:ea typeface="Droid Sans Fallback" panose="020B0502000000000001" charset="-122"/>
+              <a:sym typeface="+mn-ea"/>
+            </a:endParaRPr>
           </a:p>
         </p:txBody>
       </p:sp>
@@ -32209,17 +33893,18 @@
           <a:lstStyle/>
           <a:p>
             <a:r>
-              <a:rPr lang="" altLang="en-US" b="1"/>
+              <a:rPr lang="en-US" altLang="en-US" b="1"/>
               <a:t>Authentication</a:t>
             </a:r>
             <a:r>
-              <a:rPr lang="" altLang="en-US"/>
+              <a:rPr lang="en-US" altLang="en-US"/>
               <a:t>: int AuthCode in each message from client to server</a:t>
             </a:r>
-          </a:p>
-          <a:p>
-            <a:r>
-              <a:rPr lang="" altLang="en-US" b="1">
+            <a:endParaRPr lang="en-US" altLang="en-US"/>
+          </a:p>
+          <a:p>
+            <a:r>
+              <a:rPr lang="en-US" altLang="en-US" b="1">
                 <a:sym typeface="+mn-ea"/>
               </a:rPr>
               <a:t>Encryption</a:t>
@@ -32228,15 +33913,9 @@
               <a:rPr lang="en-US" altLang="en-US">
                 <a:sym typeface="+mn-ea"/>
               </a:rPr>
-              <a:t>: </a:t>
-            </a:r>
-            <a:r>
-              <a:rPr lang="" altLang="en-US">
-                <a:sym typeface="+mn-ea"/>
-              </a:rPr>
-              <a:t>XOR messages between client and server</a:t>
-            </a:r>
-            <a:endParaRPr lang="" altLang="en-US"/>
+              <a:t>: XOR messages between client and server</a:t>
+            </a:r>
+            <a:endParaRPr lang="en-US" altLang="en-US"/>
           </a:p>
         </p:txBody>
       </p:sp>
@@ -32406,15 +34085,9 @@
               <a:rPr lang="en-US" altLang="en-US" sz="2000" b="1">
                 <a:ea typeface="Droid Sans Fallback" panose="020B0502000000000001" charset="-122"/>
               </a:rPr>
-              <a:t>I</a:t>
-            </a:r>
-            <a:r>
-              <a:rPr lang="" altLang="en-US" sz="2000" b="1">
-                <a:ea typeface="Droid Sans Fallback" panose="020B0502000000000001" charset="-122"/>
-              </a:rPr>
-              <a:t>II. SECURITY</a:t>
-            </a:r>
-            <a:endParaRPr lang="" altLang="en-US" sz="2000">
+              <a:t>III. SECURITY</a:t>
+            </a:r>
+            <a:endParaRPr lang="en-US" altLang="en-US" sz="2000">
               <a:ea typeface="Droid Sans Fallback" panose="020B0502000000000001" charset="-122"/>
             </a:endParaRPr>
           </a:p>
@@ -32552,6 +34225,17 @@
               </a:rPr>
               <a:t>SERVER</a:t>
             </a:r>
+            <a:endParaRPr kumimoji="0" lang="en-US" altLang="en-US" sz="1800" b="0" i="0" u="none" strike="noStrike" cap="none" normalizeH="0" baseline="0" smtClean="0">
+              <a:ln>
+                <a:noFill/>
+              </a:ln>
+              <a:solidFill>
+                <a:schemeClr val="tx1"/>
+              </a:solidFill>
+              <a:effectLst/>
+              <a:latin typeface="Arial" panose="020B0604020202020204" pitchFamily="34" charset="0"/>
+              <a:ea typeface="Droid Sans Fallback" panose="020B0502000000000001" charset="-122"/>
+            </a:endParaRPr>
           </a:p>
         </p:txBody>
       </p:sp>
@@ -32641,7 +34325,7 @@
               <a:buNone/>
             </a:pPr>
             <a:r>
-              <a:rPr lang="" altLang="en-US" smtClean="0">
+              <a:rPr lang="en-US" altLang="en-US" smtClean="0">
                 <a:ln>
                   <a:noFill/>
                 </a:ln>
@@ -32652,6 +34336,15 @@
               </a:rPr>
               <a:t>XOR</a:t>
             </a:r>
+            <a:endParaRPr lang="en-US" altLang="en-US" smtClean="0">
+              <a:ln>
+                <a:noFill/>
+              </a:ln>
+              <a:effectLst/>
+              <a:latin typeface="Arial" panose="020B0604020202020204" pitchFamily="34" charset="0"/>
+              <a:ea typeface="Droid Sans Fallback" panose="020B0502000000000001" charset="-122"/>
+              <a:sym typeface="+mn-ea"/>
+            </a:endParaRPr>
           </a:p>
           <a:p>
             <a:pPr marL="0" marR="0" indent="0" algn="l" defTabSz="914400" rtl="0" eaLnBrk="1" fontAlgn="base" latinLnBrk="0" hangingPunct="1">
@@ -32670,7 +34363,7 @@
               <a:buNone/>
             </a:pPr>
             <a:r>
-              <a:rPr kumimoji="0" lang="" altLang="en-US" sz="1800" b="0" i="0" u="none" strike="noStrike" cap="none" normalizeH="0" baseline="0" smtClean="0">
+              <a:rPr kumimoji="0" lang="en-US" altLang="en-US" sz="1800" b="0" i="0" u="none" strike="noStrike" cap="none" normalizeH="0" baseline="0" smtClean="0">
                 <a:ln>
                   <a:noFill/>
                 </a:ln>
@@ -32684,6 +34377,18 @@
               </a:rPr>
               <a:t>with secret key</a:t>
             </a:r>
+            <a:endParaRPr kumimoji="0" lang="en-US" altLang="en-US" sz="1800" b="0" i="0" u="none" strike="noStrike" cap="none" normalizeH="0" baseline="0" smtClean="0">
+              <a:ln>
+                <a:noFill/>
+              </a:ln>
+              <a:solidFill>
+                <a:schemeClr val="tx1"/>
+              </a:solidFill>
+              <a:effectLst/>
+              <a:latin typeface="Arial" panose="020B0604020202020204" pitchFamily="34" charset="0"/>
+              <a:ea typeface="Droid Sans Fallback" panose="020B0502000000000001" charset="-122"/>
+              <a:sym typeface="+mn-ea"/>
+            </a:endParaRPr>
           </a:p>
         </p:txBody>
       </p:sp>
@@ -32745,6 +34450,15 @@
               </a:rPr>
               <a:t>XOR</a:t>
             </a:r>
+            <a:endParaRPr lang="en-US" altLang="en-US" smtClean="0">
+              <a:ln>
+                <a:noFill/>
+              </a:ln>
+              <a:effectLst/>
+              <a:latin typeface="Arial" panose="020B0604020202020204" pitchFamily="34" charset="0"/>
+              <a:ea typeface="Droid Sans Fallback" panose="020B0502000000000001" charset="-122"/>
+              <a:sym typeface="+mn-ea"/>
+            </a:endParaRPr>
           </a:p>
           <a:p>
             <a:pPr marL="0" marR="0" indent="0" algn="l" defTabSz="914400" rtl="0" eaLnBrk="1" fontAlgn="base" latinLnBrk="0" hangingPunct="1">
@@ -32777,6 +34491,18 @@
               </a:rPr>
               <a:t>with secret key</a:t>
             </a:r>
+            <a:endParaRPr kumimoji="0" lang="en-US" altLang="en-US" sz="1800" b="0" i="0" u="none" strike="noStrike" cap="none" normalizeH="0" baseline="0" smtClean="0">
+              <a:ln>
+                <a:noFill/>
+              </a:ln>
+              <a:solidFill>
+                <a:schemeClr val="tx1"/>
+              </a:solidFill>
+              <a:effectLst/>
+              <a:latin typeface="Arial" panose="020B0604020202020204" pitchFamily="34" charset="0"/>
+              <a:ea typeface="Droid Sans Fallback" panose="020B0502000000000001" charset="-122"/>
+              <a:sym typeface="+mn-ea"/>
+            </a:endParaRPr>
           </a:p>
         </p:txBody>
       </p:sp>
@@ -32829,6 +34555,7 @@
               <a:rPr lang="en-US" altLang="en-US"/>
               <a:t>Q &amp; A</a:t>
             </a:r>
+            <a:endParaRPr lang="en-US" altLang="en-US"/>
           </a:p>
         </p:txBody>
       </p:sp>
@@ -32881,6 +34608,7 @@
               <a:rPr lang="en-US" altLang="en-US"/>
               <a:t>THE END</a:t>
             </a:r>
+            <a:endParaRPr lang="en-US" altLang="en-US"/>
           </a:p>
         </p:txBody>
       </p:sp>
@@ -32908,6 +34636,7 @@
               <a:rPr lang="en-US" altLang="en-US"/>
               <a:t>Thank you for your attention!</a:t>
             </a:r>
+            <a:endParaRPr lang="en-US" altLang="en-US"/>
           </a:p>
         </p:txBody>
       </p:sp>
@@ -32965,6 +34694,10 @@
               </a:rPr>
               <a:t>I. OVERALL DESIGN</a:t>
             </a:r>
+            <a:endParaRPr lang="en-US" altLang="en-US" sz="5400" b="1">
+              <a:ea typeface="Droid Sans Fallback" panose="020B0502000000000001" charset="-122"/>
+              <a:sym typeface="+mn-ea"/>
+            </a:endParaRPr>
           </a:p>
         </p:txBody>
       </p:sp>
@@ -33161,6 +34894,9 @@
               </a:rPr>
               <a:t>I. OVERALL DESIGN</a:t>
             </a:r>
+            <a:endParaRPr lang="en-US" altLang="en-US" sz="2000" b="1">
+              <a:ea typeface="Droid Sans Fallback" panose="020B0502000000000001" charset="-122"/>
+            </a:endParaRPr>
           </a:p>
         </p:txBody>
       </p:sp>
@@ -33199,18 +34935,14 @@
                         </a:rPr>
                         <a:t>Use Cases</a:t>
                       </a:r>
+                      <a:endParaRPr lang="en-US" altLang="en-US" sz="2400" b="1">
+                        <a:ea typeface="Droid Sans Fallback" panose="020B0502000000000001" charset="-122"/>
+                      </a:endParaRPr>
                     </a:p>
                   </a:txBody>
                   <a:tcPr anchor="ctr"/>
                 </a:tc>
                 <a:tc hMerge="1">
-                  <a:txBody>
-                    <a:bodyPr/>
-                    <a:lstStyle/>
-                    <a:p>
-                      <a:endParaRPr lang="en-US"/>
-                    </a:p>
-                  </a:txBody>
                   <a:tcPr anchor="ctr"/>
                 </a:tc>
               </a:tr>
@@ -33229,6 +34961,9 @@
                         </a:rPr>
                         <a:t>Admin</a:t>
                       </a:r>
+                      <a:endParaRPr lang="en-US" altLang="en-US">
+                        <a:ea typeface="Droid Sans Fallback" panose="020B0502000000000001" charset="-122"/>
+                      </a:endParaRPr>
                     </a:p>
                   </a:txBody>
                   <a:tcPr anchor="ctr"/>
@@ -33247,6 +34982,9 @@
                         </a:rPr>
                         <a:t>Participant</a:t>
                       </a:r>
+                      <a:endParaRPr lang="en-US" altLang="en-US">
+                        <a:ea typeface="Droid Sans Fallback" panose="020B0502000000000001" charset="-122"/>
+                      </a:endParaRPr>
                     </a:p>
                   </a:txBody>
                   <a:tcPr anchor="ctr"/>
@@ -33270,6 +35008,9 @@
                         </a:rPr>
                         <a:t>- Create participant account</a:t>
                       </a:r>
+                      <a:endParaRPr lang="en-US" altLang="en-US" sz="2000">
+                        <a:ea typeface="Droid Sans Fallback" panose="020B0502000000000001" charset="-122"/>
+                      </a:endParaRPr>
                     </a:p>
                     <a:p>
                       <a:pPr>
@@ -33284,6 +35025,9 @@
                         </a:rPr>
                         <a:t>- Create a conference</a:t>
                       </a:r>
+                      <a:endParaRPr lang="en-US" altLang="en-US" sz="2000">
+                        <a:ea typeface="Droid Sans Fallback" panose="020B0502000000000001" charset="-122"/>
+                      </a:endParaRPr>
                     </a:p>
                     <a:p>
                       <a:pPr>
@@ -33298,6 +35042,9 @@
                         </a:rPr>
                         <a:t>- Start/Stop conference server</a:t>
                       </a:r>
+                      <a:endParaRPr lang="en-US" altLang="en-US" sz="2000">
+                        <a:ea typeface="Droid Sans Fallback" panose="020B0502000000000001" charset="-122"/>
+                      </a:endParaRPr>
                     </a:p>
                     <a:p>
                       <a:pPr>
@@ -33312,6 +35059,9 @@
                         </a:rPr>
                         <a:t>- See server status</a:t>
                       </a:r>
+                      <a:endParaRPr lang="en-US" altLang="en-US" sz="2000">
+                        <a:ea typeface="Droid Sans Fallback" panose="020B0502000000000001" charset="-122"/>
+                      </a:endParaRPr>
                     </a:p>
                   </a:txBody>
                   <a:tcPr/>
@@ -33333,6 +35083,9 @@
                         </a:rPr>
                         <a:t>- Join conference</a:t>
                       </a:r>
+                      <a:endParaRPr lang="en-US" altLang="en-US" sz="2000">
+                        <a:ea typeface="Droid Sans Fallback" panose="020B0502000000000001" charset="-122"/>
+                      </a:endParaRPr>
                     </a:p>
                     <a:p>
                       <a:pPr>
@@ -33347,6 +35100,9 @@
                         </a:rPr>
                         <a:t>- Leave conference</a:t>
                       </a:r>
+                      <a:endParaRPr lang="en-US" altLang="en-US" sz="2000">
+                        <a:ea typeface="Droid Sans Fallback" panose="020B0502000000000001" charset="-122"/>
+                      </a:endParaRPr>
                     </a:p>
                     <a:p>
                       <a:pPr>
@@ -33361,6 +35117,9 @@
                         </a:rPr>
                         <a:t>- See server status</a:t>
                       </a:r>
+                      <a:endParaRPr lang="en-US" altLang="en-US" sz="2000">
+                        <a:ea typeface="Droid Sans Fallback" panose="020B0502000000000001" charset="-122"/>
+                      </a:endParaRPr>
                     </a:p>
                   </a:txBody>
                   <a:tcPr/>
@@ -33563,6 +35322,9 @@
               </a:rPr>
               <a:t>I. OVERALL DESIGN</a:t>
             </a:r>
+            <a:endParaRPr lang="en-US" altLang="en-US" sz="2000" b="1">
+              <a:ea typeface="Droid Sans Fallback" panose="020B0502000000000001" charset="-122"/>
+            </a:endParaRPr>
           </a:p>
           <a:p>
             <a:endParaRPr lang="en-US" altLang="en-US" sz="2000">
@@ -33600,6 +35362,10 @@
               </a:rPr>
               <a:t>CLIENT-SERVER</a:t>
             </a:r>
+            <a:endParaRPr lang="en-US" altLang="en-US" sz="4000" b="1">
+              <a:ea typeface="Droid Sans Fallback" panose="020B0502000000000001" charset="-122"/>
+              <a:sym typeface="+mn-ea"/>
+            </a:endParaRPr>
           </a:p>
           <a:p>
             <a:r>
@@ -33609,6 +35375,10 @@
               </a:rPr>
               <a:t>ARCHITECTURE</a:t>
             </a:r>
+            <a:endParaRPr lang="en-US" altLang="en-US" sz="4000" b="1">
+              <a:ea typeface="Droid Sans Fallback" panose="020B0502000000000001" charset="-122"/>
+              <a:sym typeface="+mn-ea"/>
+            </a:endParaRPr>
           </a:p>
         </p:txBody>
       </p:sp>
@@ -33805,6 +35575,9 @@
               </a:rPr>
               <a:t>I. OVERALL DESIGN</a:t>
             </a:r>
+            <a:endParaRPr lang="en-US" altLang="en-US" sz="2000" b="1">
+              <a:ea typeface="Droid Sans Fallback" panose="020B0502000000000001" charset="-122"/>
+            </a:endParaRPr>
           </a:p>
           <a:p>
             <a:r>
@@ -33820,6 +35593,9 @@
               </a:rPr>
               <a:t> ARCHITECTURE</a:t>
             </a:r>
+            <a:endParaRPr lang="en-US" altLang="en-US" sz="2000">
+              <a:ea typeface="Droid Sans Fallback" panose="020B0502000000000001" charset="-122"/>
+            </a:endParaRPr>
           </a:p>
         </p:txBody>
       </p:sp>
@@ -33904,6 +35680,9 @@
                 </a:rPr>
                 <a:t>2</a:t>
               </a:r>
+              <a:endParaRPr lang="en-US" altLang="en-US">
+                <a:ea typeface="Droid Sans Fallback" panose="020B0502000000000001" charset="-122"/>
+              </a:endParaRPr>
             </a:p>
           </p:txBody>
         </p:sp>
@@ -33974,6 +35753,9 @@
                 </a:rPr>
                 <a:t>1</a:t>
               </a:r>
+              <a:endParaRPr lang="en-US" altLang="en-US">
+                <a:ea typeface="Droid Sans Fallback" panose="020B0502000000000001" charset="-122"/>
+              </a:endParaRPr>
             </a:p>
           </p:txBody>
         </p:sp>
@@ -34044,6 +35826,9 @@
                 </a:rPr>
                 <a:t>3</a:t>
               </a:r>
+              <a:endParaRPr lang="en-US" altLang="en-US">
+                <a:ea typeface="Droid Sans Fallback" panose="020B0502000000000001" charset="-122"/>
+              </a:endParaRPr>
             </a:p>
           </p:txBody>
         </p:sp>
@@ -34114,6 +35899,9 @@
                 </a:rPr>
                 <a:t>n</a:t>
               </a:r>
+              <a:endParaRPr lang="en-US" altLang="en-US">
+                <a:ea typeface="Droid Sans Fallback" panose="020B0502000000000001" charset="-122"/>
+              </a:endParaRPr>
             </a:p>
           </p:txBody>
         </p:sp>
@@ -34186,6 +35974,17 @@
                 </a:rPr>
                 <a:t>Server</a:t>
               </a:r>
+              <a:endParaRPr kumimoji="0" lang="en-US" altLang="zh-CN" sz="3200" b="0" i="0" u="none" strike="noStrike" cap="none" normalizeH="0" baseline="0" smtClean="0">
+                <a:ln>
+                  <a:noFill/>
+                </a:ln>
+                <a:solidFill>
+                  <a:schemeClr val="bg1"/>
+                </a:solidFill>
+                <a:effectLst/>
+                <a:latin typeface="Arial" panose="020B0604020202020204" pitchFamily="34" charset="0"/>
+                <a:ea typeface="Droid Sans Fallback" panose="020B0502000000000001" charset="-122"/>
+              </a:endParaRPr>
             </a:p>
           </p:txBody>
         </p:sp>
@@ -34369,6 +36168,10 @@
                 </a:rPr>
                 <a:t>Server-Client Architecture</a:t>
               </a:r>
+              <a:endParaRPr lang="en-US" sz="2400" b="1">
+                <a:ea typeface="Droid Sans Fallback" panose="020B0502000000000001" charset="-122"/>
+                <a:sym typeface="+mn-ea"/>
+              </a:endParaRPr>
             </a:p>
           </p:txBody>
         </p:sp>
@@ -34566,6 +36369,9 @@
               </a:rPr>
               <a:t>I. OVERALL DESIGN</a:t>
             </a:r>
+            <a:endParaRPr lang="en-US" altLang="en-US" sz="2000" b="1">
+              <a:ea typeface="Droid Sans Fallback" panose="020B0502000000000001" charset="-122"/>
+            </a:endParaRPr>
           </a:p>
           <a:p>
             <a:r>
@@ -34581,6 +36387,9 @@
               </a:rPr>
               <a:t> ARCHITECTURE</a:t>
             </a:r>
+            <a:endParaRPr lang="en-US" altLang="en-US" sz="2000">
+              <a:ea typeface="Droid Sans Fallback" panose="020B0502000000000001" charset="-122"/>
+            </a:endParaRPr>
           </a:p>
         </p:txBody>
       </p:sp>
@@ -34644,6 +36453,17 @@
               </a:rPr>
               <a:t>Server</a:t>
             </a:r>
+            <a:endParaRPr kumimoji="0" lang="en-US" altLang="zh-CN" sz="2800" b="1" i="0" u="none" strike="noStrike" cap="none" normalizeH="0" baseline="0" smtClean="0">
+              <a:ln>
+                <a:noFill/>
+              </a:ln>
+              <a:solidFill>
+                <a:schemeClr val="tx1"/>
+              </a:solidFill>
+              <a:effectLst/>
+              <a:latin typeface="Arial" panose="020B0604020202020204" pitchFamily="34" charset="0"/>
+              <a:ea typeface="Droid Sans Fallback" panose="020B0502000000000001" charset="-122"/>
+            </a:endParaRPr>
           </a:p>
         </p:txBody>
       </p:sp>
@@ -34707,6 +36527,17 @@
               </a:rPr>
               <a:t>Admin</a:t>
             </a:r>
+            <a:endParaRPr kumimoji="0" lang="en-US" altLang="en-US" sz="2400" b="1" i="0" u="none" strike="noStrike" cap="none" normalizeH="0" baseline="0" smtClean="0">
+              <a:ln>
+                <a:noFill/>
+              </a:ln>
+              <a:solidFill>
+                <a:schemeClr val="tx1"/>
+              </a:solidFill>
+              <a:effectLst/>
+              <a:latin typeface="Arial" panose="020B0604020202020204" pitchFamily="34" charset="0"/>
+              <a:ea typeface="Droid Sans Fallback" panose="020B0502000000000001" charset="-122"/>
+            </a:endParaRPr>
           </a:p>
         </p:txBody>
       </p:sp>
@@ -34770,6 +36601,17 @@
               </a:rPr>
               <a:t>Socket (UDP)</a:t>
             </a:r>
+            <a:endParaRPr kumimoji="0" lang="en-US" altLang="en-US" sz="1800" b="1" i="0" u="none" strike="noStrike" cap="none" normalizeH="0" baseline="0" smtClean="0">
+              <a:ln>
+                <a:noFill/>
+              </a:ln>
+              <a:solidFill>
+                <a:schemeClr val="bg1"/>
+              </a:solidFill>
+              <a:effectLst/>
+              <a:latin typeface="Arial" panose="020B0604020202020204" pitchFamily="34" charset="0"/>
+              <a:ea typeface="Droid Sans Fallback" panose="020B0502000000000001" charset="-122"/>
+            </a:endParaRPr>
           </a:p>
         </p:txBody>
       </p:sp>
@@ -34833,6 +36675,17 @@
               </a:rPr>
               <a:t>Web page</a:t>
             </a:r>
+            <a:endParaRPr kumimoji="0" lang="en-US" altLang="en-US" sz="1800" b="1" i="0" u="none" strike="noStrike" cap="none" normalizeH="0" baseline="0" smtClean="0">
+              <a:ln>
+                <a:noFill/>
+              </a:ln>
+              <a:solidFill>
+                <a:schemeClr val="bg1"/>
+              </a:solidFill>
+              <a:effectLst/>
+              <a:latin typeface="Arial" panose="020B0604020202020204" pitchFamily="34" charset="0"/>
+              <a:ea typeface="Droid Sans Fallback" panose="020B0502000000000001" charset="-122"/>
+            </a:endParaRPr>
           </a:p>
         </p:txBody>
       </p:sp>
@@ -34896,6 +36749,17 @@
               </a:rPr>
               <a:t>Participant 1</a:t>
             </a:r>
+            <a:endParaRPr kumimoji="0" lang="en-US" altLang="en-US" sz="2400" b="1" i="0" u="none" strike="noStrike" cap="none" normalizeH="0" baseline="0" smtClean="0">
+              <a:ln>
+                <a:noFill/>
+              </a:ln>
+              <a:solidFill>
+                <a:schemeClr val="tx1"/>
+              </a:solidFill>
+              <a:effectLst/>
+              <a:latin typeface="Arial" panose="020B0604020202020204" pitchFamily="34" charset="0"/>
+              <a:ea typeface="Droid Sans Fallback" panose="020B0502000000000001" charset="-122"/>
+            </a:endParaRPr>
           </a:p>
         </p:txBody>
       </p:sp>
@@ -35034,6 +36898,17 @@
               </a:rPr>
               <a:t>Desktop App</a:t>
             </a:r>
+            <a:endParaRPr kumimoji="0" lang="en-US" altLang="en-US" sz="1800" b="1" i="0" u="none" strike="noStrike" cap="none" normalizeH="0" baseline="0" smtClean="0">
+              <a:ln>
+                <a:noFill/>
+              </a:ln>
+              <a:solidFill>
+                <a:schemeClr val="bg1"/>
+              </a:solidFill>
+              <a:effectLst/>
+              <a:latin typeface="Arial" panose="020B0604020202020204" pitchFamily="34" charset="0"/>
+              <a:ea typeface="Droid Sans Fallback" panose="020B0502000000000001" charset="-122"/>
+            </a:endParaRPr>
           </a:p>
         </p:txBody>
       </p:sp>
@@ -35097,6 +36972,17 @@
               </a:rPr>
               <a:t>Browser</a:t>
             </a:r>
+            <a:endParaRPr kumimoji="0" lang="en-US" altLang="en-US" sz="1800" b="1" i="0" u="none" strike="noStrike" cap="none" normalizeH="0" baseline="0" smtClean="0">
+              <a:ln>
+                <a:noFill/>
+              </a:ln>
+              <a:solidFill>
+                <a:schemeClr val="bg1"/>
+              </a:solidFill>
+              <a:effectLst/>
+              <a:latin typeface="Arial" panose="020B0604020202020204" pitchFamily="34" charset="0"/>
+              <a:ea typeface="Droid Sans Fallback" panose="020B0502000000000001" charset="-122"/>
+            </a:endParaRPr>
           </a:p>
         </p:txBody>
       </p:sp>
@@ -35198,6 +37084,17 @@
               </a:rPr>
               <a:t>Browser</a:t>
             </a:r>
+            <a:endParaRPr kumimoji="0" lang="en-US" altLang="en-US" sz="1800" b="1" i="0" u="none" strike="noStrike" cap="none" normalizeH="0" baseline="0" smtClean="0">
+              <a:ln>
+                <a:noFill/>
+              </a:ln>
+              <a:solidFill>
+                <a:schemeClr val="bg1"/>
+              </a:solidFill>
+              <a:effectLst/>
+              <a:latin typeface="Arial" panose="020B0604020202020204" pitchFamily="34" charset="0"/>
+              <a:ea typeface="Droid Sans Fallback" panose="020B0502000000000001" charset="-122"/>
+            </a:endParaRPr>
           </a:p>
         </p:txBody>
       </p:sp>
@@ -35269,6 +37166,17 @@
               </a:rPr>
               <a:t>Download config,</a:t>
             </a:r>
+            <a:endParaRPr kumimoji="0" lang="en-US" altLang="zh-CN" sz="1800" b="0" i="0" u="none" strike="noStrike" cap="none" normalizeH="0" baseline="0" smtClean="0">
+              <a:ln>
+                <a:noFill/>
+              </a:ln>
+              <a:solidFill>
+                <a:schemeClr val="tx1"/>
+              </a:solidFill>
+              <a:effectLst/>
+              <a:latin typeface="Arial" panose="020B0604020202020204" pitchFamily="34" charset="0"/>
+              <a:ea typeface="Droid Sans Fallback" panose="020B0502000000000001" charset="-122"/>
+            </a:endParaRPr>
           </a:p>
           <a:p>
             <a:pPr marL="0" marR="0" indent="0" algn="l" defTabSz="914400" rtl="0" eaLnBrk="1" fontAlgn="base" latinLnBrk="0" hangingPunct="1">
@@ -35300,6 +37208,17 @@
               </a:rPr>
               <a:t>See server status</a:t>
             </a:r>
+            <a:endParaRPr kumimoji="0" lang="en-US" altLang="zh-CN" sz="1800" b="0" i="0" u="none" strike="noStrike" cap="none" normalizeH="0" baseline="0" smtClean="0">
+              <a:ln>
+                <a:noFill/>
+              </a:ln>
+              <a:solidFill>
+                <a:schemeClr val="tx1"/>
+              </a:solidFill>
+              <a:effectLst/>
+              <a:latin typeface="Arial" panose="020B0604020202020204" pitchFamily="34" charset="0"/>
+              <a:ea typeface="Droid Sans Fallback" panose="020B0502000000000001" charset="-122"/>
+            </a:endParaRPr>
           </a:p>
         </p:txBody>
       </p:sp>
@@ -35371,6 +37290,17 @@
               </a:rPr>
               <a:t>Config server,</a:t>
             </a:r>
+            <a:endParaRPr kumimoji="0" lang="en-US" altLang="en-US" sz="1800" b="0" i="0" u="none" strike="noStrike" cap="none" normalizeH="0" baseline="0" smtClean="0">
+              <a:ln>
+                <a:noFill/>
+              </a:ln>
+              <a:solidFill>
+                <a:schemeClr val="tx1"/>
+              </a:solidFill>
+              <a:effectLst/>
+              <a:latin typeface="Arial" panose="020B0604020202020204" pitchFamily="34" charset="0"/>
+              <a:ea typeface="Droid Sans Fallback" panose="020B0502000000000001" charset="-122"/>
+            </a:endParaRPr>
           </a:p>
           <a:p>
             <a:pPr marL="0" marR="0" indent="0" algn="l" defTabSz="914400" rtl="0" eaLnBrk="1" fontAlgn="base" latinLnBrk="0" hangingPunct="1">
@@ -35402,6 +37332,17 @@
               </a:rPr>
               <a:t>Hold conference</a:t>
             </a:r>
+            <a:endParaRPr kumimoji="0" lang="en-US" altLang="en-US" sz="1800" b="0" i="0" u="none" strike="noStrike" cap="none" normalizeH="0" baseline="0" smtClean="0">
+              <a:ln>
+                <a:noFill/>
+              </a:ln>
+              <a:solidFill>
+                <a:schemeClr val="tx1"/>
+              </a:solidFill>
+              <a:effectLst/>
+              <a:latin typeface="Arial" panose="020B0604020202020204" pitchFamily="34" charset="0"/>
+              <a:ea typeface="Droid Sans Fallback" panose="020B0502000000000001" charset="-122"/>
+            </a:endParaRPr>
           </a:p>
         </p:txBody>
       </p:sp>
@@ -35473,6 +37414,17 @@
               </a:rPr>
               <a:t>Participate in </a:t>
             </a:r>
+            <a:endParaRPr kumimoji="0" lang="en-US" altLang="en-US" sz="1800" b="0" i="0" u="none" strike="noStrike" cap="none" normalizeH="0" baseline="0" smtClean="0">
+              <a:ln>
+                <a:noFill/>
+              </a:ln>
+              <a:solidFill>
+                <a:schemeClr val="tx1"/>
+              </a:solidFill>
+              <a:effectLst/>
+              <a:latin typeface="Arial" panose="020B0604020202020204" pitchFamily="34" charset="0"/>
+              <a:ea typeface="Droid Sans Fallback" panose="020B0502000000000001" charset="-122"/>
+            </a:endParaRPr>
           </a:p>
           <a:p>
             <a:pPr marL="0" marR="0" indent="0" algn="l" defTabSz="914400" rtl="0" eaLnBrk="1" fontAlgn="base" latinLnBrk="0" hangingPunct="1">
@@ -35504,6 +37456,17 @@
               </a:rPr>
               <a:t>conference</a:t>
             </a:r>
+            <a:endParaRPr kumimoji="0" lang="en-US" altLang="en-US" sz="1800" b="0" i="0" u="none" strike="noStrike" cap="none" normalizeH="0" baseline="0" smtClean="0">
+              <a:ln>
+                <a:noFill/>
+              </a:ln>
+              <a:solidFill>
+                <a:schemeClr val="tx1"/>
+              </a:solidFill>
+              <a:effectLst/>
+              <a:latin typeface="Arial" panose="020B0604020202020204" pitchFamily="34" charset="0"/>
+              <a:ea typeface="Droid Sans Fallback" panose="020B0502000000000001" charset="-122"/>
+            </a:endParaRPr>
           </a:p>
         </p:txBody>
       </p:sp>
@@ -35700,6 +37663,9 @@
               </a:rPr>
               <a:t>I. OVERALL DESIGN</a:t>
             </a:r>
+            <a:endParaRPr lang="en-US" altLang="en-US" sz="2000" b="1">
+              <a:ea typeface="Droid Sans Fallback" panose="020B0502000000000001" charset="-122"/>
+            </a:endParaRPr>
           </a:p>
           <a:p>
             <a:endParaRPr lang="en-US" altLang="en-US" sz="2000">
@@ -35737,6 +37703,10 @@
               </a:rPr>
               <a:t>DATAFLOW IN A CONFERENCE</a:t>
             </a:r>
+            <a:endParaRPr lang="en-US" altLang="en-US" sz="4000" b="1">
+              <a:ea typeface="Droid Sans Fallback" panose="020B0502000000000001" charset="-122"/>
+              <a:sym typeface="+mn-ea"/>
+            </a:endParaRPr>
           </a:p>
         </p:txBody>
       </p:sp>
@@ -36608,7 +38578,7 @@
   </a:extraClrSchemeLst>
   <a:extLst>
     <a:ext uri="{05A4C25C-085E-4340-85A3-A5531E510DB2}">
-      <thm15:themeFamily xmlns:thm15="http://schemas.microsoft.com/office/thememl/2012/main" xmlns="" name="Office Theme" id="{62F939B6-93AF-4DB8-9C6B-D6C7DFDC589F}" vid="{4A3C46E8-61CC-4603-A589-7422A47A8E4A}"/>
+      <thm15:themeFamily xmlns:thm15="http://schemas.microsoft.com/office/thememl/2012/main" name="Office Theme" id="{62F939B6-93AF-4DB8-9C6B-D6C7DFDC589F}" vid="{4A3C46E8-61CC-4603-A589-7422A47A8E4A}"/>
     </a:ext>
   </a:extLst>
 </a:theme>
@@ -36865,11 +38835,9 @@
       </a:bgFillStyleLst>
     </a:fmtScheme>
   </a:themeElements>
-  <a:objectDefaults/>
-  <a:extraClrSchemeLst/>
   <a:extLst>
     <a:ext uri="{05A4C25C-085E-4340-85A3-A5531E510DB2}">
-      <thm15:themeFamily xmlns:thm15="http://schemas.microsoft.com/office/thememl/2012/main" xmlns="" name="Office Theme" id="{62F939B6-93AF-4DB8-9C6B-D6C7DFDC589F}" vid="{4A3C46E8-61CC-4603-A589-7422A47A8E4A}"/>
+      <thm15:themeFamily xmlns:thm15="http://schemas.microsoft.com/office/thememl/2012/main" name="Office Theme" id="{62F939B6-93AF-4DB8-9C6B-D6C7DFDC589F}" vid="{4A3C46E8-61CC-4603-A589-7422A47A8E4A}"/>
     </a:ext>
   </a:extLst>
 </a:theme>
@@ -37126,11 +39094,9 @@
       </a:bgFillStyleLst>
     </a:fmtScheme>
   </a:themeElements>
-  <a:objectDefaults/>
-  <a:extraClrSchemeLst/>
   <a:extLst>
     <a:ext uri="{05A4C25C-085E-4340-85A3-A5531E510DB2}">
-      <thm15:themeFamily xmlns:thm15="http://schemas.microsoft.com/office/thememl/2012/main" xmlns="" name="Office Theme" id="{62F939B6-93AF-4DB8-9C6B-D6C7DFDC589F}" vid="{4A3C46E8-61CC-4603-A589-7422A47A8E4A}"/>
+      <thm15:themeFamily xmlns:thm15="http://schemas.microsoft.com/office/thememl/2012/main" name="Office Theme" id="{62F939B6-93AF-4DB8-9C6B-D6C7DFDC589F}" vid="{4A3C46E8-61CC-4603-A589-7422A47A8E4A}"/>
     </a:ext>
   </a:extLst>
 </a:theme>
